--- a/Whats new in C#8.pptx
+++ b/Whats new in C#8.pptx
@@ -38076,38 +38076,6 @@
           </a:p>
         </p:txBody>
       </p:sp>
-      <p:pic>
-        <p:nvPicPr>
-          <p:cNvPr id="6" name="Content Placeholder 5">
-            <a:extLst>
-              <a:ext uri="{FF2B5EF4-FFF2-40B4-BE49-F238E27FC236}">
-                <a16:creationId xmlns:a16="http://schemas.microsoft.com/office/drawing/2014/main" id="{F7F22F3C-4E6D-4CCC-A2B2-973E16DA8B92}"/>
-              </a:ext>
-            </a:extLst>
-          </p:cNvPr>
-          <p:cNvPicPr>
-            <a:picLocks noGrp="1" noChangeAspect="1"/>
-          </p:cNvPicPr>
-          <p:nvPr>
-            <p:ph idx="1"/>
-          </p:nvPr>
-        </p:nvPicPr>
-        <p:blipFill>
-          <a:blip r:embed="rId2"/>
-          <a:stretch>
-            <a:fillRect/>
-          </a:stretch>
-        </p:blipFill>
-        <p:spPr>
-          <a:xfrm>
-            <a:off x="1985618" y="1371600"/>
-            <a:ext cx="8227114" cy="5029200"/>
-          </a:xfrm>
-          <a:prstGeom prst="rect">
-            <a:avLst/>
-          </a:prstGeom>
-        </p:spPr>
-      </p:pic>
       <p:sp>
         <p:nvSpPr>
           <p:cNvPr id="4" name="Footer Placeholder 3">
@@ -38166,6 +38134,38 @@
           </a:p>
         </p:txBody>
       </p:sp>
+      <p:pic>
+        <p:nvPicPr>
+          <p:cNvPr id="8" name="Content Placeholder 7">
+            <a:extLst>
+              <a:ext uri="{FF2B5EF4-FFF2-40B4-BE49-F238E27FC236}">
+                <a16:creationId xmlns:a16="http://schemas.microsoft.com/office/drawing/2014/main" id="{ECCEC17A-BB08-4BA9-9B22-6E1940D4D2E1}"/>
+              </a:ext>
+            </a:extLst>
+          </p:cNvPr>
+          <p:cNvPicPr>
+            <a:picLocks noGrp="1" noChangeAspect="1"/>
+          </p:cNvPicPr>
+          <p:nvPr>
+            <p:ph idx="1"/>
+          </p:nvPr>
+        </p:nvPicPr>
+        <p:blipFill>
+          <a:blip r:embed="rId2"/>
+          <a:stretch>
+            <a:fillRect/>
+          </a:stretch>
+        </p:blipFill>
+        <p:spPr>
+          <a:xfrm>
+            <a:off x="2422984" y="1762390"/>
+            <a:ext cx="7352381" cy="4247619"/>
+          </a:xfrm>
+          <a:prstGeom prst="rect">
+            <a:avLst/>
+          </a:prstGeom>
+        </p:spPr>
+      </p:pic>
     </p:spTree>
     <p:extLst>
       <p:ext uri="{BB962C8B-B14F-4D97-AF65-F5344CB8AC3E}">

--- a/Whats new in C#8.pptx
+++ b/Whats new in C#8.pptx
@@ -5,7 +5,7 @@
     <p:sldMasterId id="2147483656" r:id="rId1"/>
   </p:sldMasterIdLst>
   <p:notesMasterIdLst>
-    <p:notesMasterId r:id="rId18"/>
+    <p:notesMasterId r:id="rId20"/>
   </p:notesMasterIdLst>
   <p:sldIdLst>
     <p:sldId id="256" r:id="rId2"/>
@@ -23,7 +23,9 @@
     <p:sldId id="489" r:id="rId14"/>
     <p:sldId id="490" r:id="rId15"/>
     <p:sldId id="491" r:id="rId16"/>
-    <p:sldId id="420" r:id="rId17"/>
+    <p:sldId id="492" r:id="rId17"/>
+    <p:sldId id="493" r:id="rId18"/>
+    <p:sldId id="420" r:id="rId19"/>
   </p:sldIdLst>
   <p:sldSz cx="12192000" cy="6858000"/>
   <p:notesSz cx="6858000" cy="9144000"/>
@@ -32182,7 +32184,7 @@
           <a:p>
             <a:fld id="{EB783297-46F3-4FED-9BE0-1B045AC356CA}" type="datetimeFigureOut">
               <a:rPr lang="en-US" smtClean="0"/>
-              <a:t>1/18/2019</a:t>
+              <a:t>4/11/2019</a:t>
             </a:fld>
             <a:endParaRPr lang="en-US"/>
           </a:p>
@@ -33939,7 +33941,7 @@
             <a:fld id="{8BF335F8-0389-41BF-A16B-EDE4EFDBE832}" type="slidenum">
               <a:rPr lang="en-US" smtClean="0"/>
               <a:pPr/>
-              <a:t>16</a:t>
+              <a:t>18</a:t>
             </a:fld>
             <a:endParaRPr lang="en-US" dirty="0"/>
           </a:p>
@@ -35006,7 +35008,7 @@
           <a:p>
             <a:fld id="{9F6101A7-E51F-4B39-AD55-E734EB96B90F}" type="datetime1">
               <a:rPr lang="en-US" smtClean="0"/>
-              <a:t>1/18/2019</a:t>
+              <a:t>4/11/2019</a:t>
             </a:fld>
             <a:endParaRPr lang="en-US"/>
           </a:p>
@@ -35285,7 +35287,7 @@
           <a:p>
             <a:fld id="{53BB87A3-CF58-4396-AC80-EF7FD2F0A808}" type="datetime1">
               <a:rPr lang="en-US" smtClean="0"/>
-              <a:t>1/18/2019</a:t>
+              <a:t>4/11/2019</a:t>
             </a:fld>
             <a:endParaRPr lang="en-US"/>
           </a:p>
@@ -35555,7 +35557,7 @@
           <a:p>
             <a:fld id="{3C0F3998-EB5F-4120-A251-20ACC220CAF3}" type="datetime1">
               <a:rPr lang="en-US" smtClean="0"/>
-              <a:t>1/18/2019</a:t>
+              <a:t>4/11/2019</a:t>
             </a:fld>
             <a:endParaRPr lang="en-US"/>
           </a:p>
@@ -35971,7 +35973,7 @@
           <a:p>
             <a:fld id="{9CCE1485-EC4B-4749-B309-CEA85AA8092E}" type="datetime1">
               <a:rPr lang="en-US" smtClean="0"/>
-              <a:t>1/18/2019</a:t>
+              <a:t>4/11/2019</a:t>
             </a:fld>
             <a:endParaRPr lang="en-US"/>
           </a:p>
@@ -36116,7 +36118,7 @@
           <a:p>
             <a:fld id="{2EEC1184-0BD5-4A04-977F-29FFA74BECF8}" type="datetime1">
               <a:rPr lang="en-US" smtClean="0"/>
-              <a:t>1/18/2019</a:t>
+              <a:t>4/11/2019</a:t>
             </a:fld>
             <a:endParaRPr lang="en-US"/>
           </a:p>
@@ -36233,7 +36235,7 @@
           <a:p>
             <a:fld id="{2B89BADD-0649-4523-9CE4-33D5001F577C}" type="datetime1">
               <a:rPr lang="en-US" smtClean="0"/>
-              <a:t>1/18/2019</a:t>
+              <a:t>4/11/2019</a:t>
             </a:fld>
             <a:endParaRPr lang="en-US"/>
           </a:p>
@@ -36479,7 +36481,7 @@
           <a:p>
             <a:fld id="{677BCB15-B53A-49ED-A65B-90E3BB7A8DF4}" type="datetime1">
               <a:rPr lang="en-US" smtClean="0"/>
-              <a:t>1/18/2019</a:t>
+              <a:t>4/11/2019</a:t>
             </a:fld>
             <a:endParaRPr lang="en-US" dirty="0"/>
           </a:p>
@@ -38136,10 +38138,10 @@
       </p:sp>
       <p:pic>
         <p:nvPicPr>
-          <p:cNvPr id="8" name="Content Placeholder 7">
+          <p:cNvPr id="7" name="Content Placeholder 6">
             <a:extLst>
               <a:ext uri="{FF2B5EF4-FFF2-40B4-BE49-F238E27FC236}">
-                <a16:creationId xmlns:a16="http://schemas.microsoft.com/office/drawing/2014/main" id="{ECCEC17A-BB08-4BA9-9B22-6E1940D4D2E1}"/>
+                <a16:creationId xmlns:a16="http://schemas.microsoft.com/office/drawing/2014/main" id="{534FB255-9667-43D5-80D9-C03AE33E254E}"/>
               </a:ext>
             </a:extLst>
           </p:cNvPr>
@@ -38158,8 +38160,8 @@
         </p:blipFill>
         <p:spPr>
           <a:xfrm>
-            <a:off x="2422984" y="1762390"/>
-            <a:ext cx="7352381" cy="4247619"/>
+            <a:off x="1985618" y="1371600"/>
+            <a:ext cx="8227114" cy="5029200"/>
           </a:xfrm>
           <a:prstGeom prst="rect">
             <a:avLst/>
@@ -38180,6 +38182,300 @@
 </file>
 
 <file path=ppt/slides/slide16.xml><?xml version="1.0" encoding="utf-8"?>
+<p:sld xmlns:a="http://schemas.openxmlformats.org/drawingml/2006/main" xmlns:r="http://schemas.openxmlformats.org/officeDocument/2006/relationships" xmlns:p="http://schemas.openxmlformats.org/presentationml/2006/main">
+  <p:cSld>
+    <p:spTree>
+      <p:nvGrpSpPr>
+        <p:cNvPr id="1" name=""/>
+        <p:cNvGrpSpPr/>
+        <p:nvPr/>
+      </p:nvGrpSpPr>
+      <p:grpSpPr>
+        <a:xfrm>
+          <a:off x="0" y="0"/>
+          <a:ext cx="0" cy="0"/>
+          <a:chOff x="0" y="0"/>
+          <a:chExt cx="0" cy="0"/>
+        </a:xfrm>
+      </p:grpSpPr>
+      <p:sp>
+        <p:nvSpPr>
+          <p:cNvPr id="6" name="Title 5">
+            <a:extLst>
+              <a:ext uri="{FF2B5EF4-FFF2-40B4-BE49-F238E27FC236}">
+                <a16:creationId xmlns:a16="http://schemas.microsoft.com/office/drawing/2014/main" id="{ABE0E0F1-BB7B-4663-B898-D18A9B1DAB0B}"/>
+              </a:ext>
+            </a:extLst>
+          </p:cNvPr>
+          <p:cNvSpPr>
+            <a:spLocks noGrp="1"/>
+          </p:cNvSpPr>
+          <p:nvPr>
+            <p:ph type="title"/>
+          </p:nvPr>
+        </p:nvSpPr>
+        <p:spPr/>
+        <p:txBody>
+          <a:bodyPr/>
+          <a:lstStyle/>
+          <a:p>
+            <a:r>
+              <a:rPr lang="en-US" dirty="0"/>
+              <a:t>Records</a:t>
+            </a:r>
+          </a:p>
+        </p:txBody>
+      </p:sp>
+      <p:sp>
+        <p:nvSpPr>
+          <p:cNvPr id="7" name="Text Placeholder 6">
+            <a:extLst>
+              <a:ext uri="{FF2B5EF4-FFF2-40B4-BE49-F238E27FC236}">
+                <a16:creationId xmlns:a16="http://schemas.microsoft.com/office/drawing/2014/main" id="{3916102F-C4BB-4B5F-8A6F-B70012CFFC77}"/>
+              </a:ext>
+            </a:extLst>
+          </p:cNvPr>
+          <p:cNvSpPr>
+            <a:spLocks noGrp="1"/>
+          </p:cNvSpPr>
+          <p:nvPr>
+            <p:ph type="body" idx="1"/>
+          </p:nvPr>
+        </p:nvSpPr>
+        <p:spPr/>
+        <p:txBody>
+          <a:bodyPr/>
+          <a:lstStyle/>
+          <a:p>
+            <a:r>
+              <a:rPr lang="en-US" dirty="0">
+                <a:hlinkClick r:id="rId2"/>
+              </a:rPr>
+              <a:t>https://github.com/dotnet/csharplang/blob/master/proposals/records.md</a:t>
+            </a:r>
+            <a:endParaRPr lang="en-US" dirty="0"/>
+          </a:p>
+        </p:txBody>
+      </p:sp>
+      <p:sp>
+        <p:nvSpPr>
+          <p:cNvPr id="4" name="Footer Placeholder 3">
+            <a:extLst>
+              <a:ext uri="{FF2B5EF4-FFF2-40B4-BE49-F238E27FC236}">
+                <a16:creationId xmlns:a16="http://schemas.microsoft.com/office/drawing/2014/main" id="{B9C64600-9B39-41AA-AAA8-5BA4C14DA12F}"/>
+              </a:ext>
+            </a:extLst>
+          </p:cNvPr>
+          <p:cNvSpPr>
+            <a:spLocks noGrp="1"/>
+          </p:cNvSpPr>
+          <p:nvPr>
+            <p:ph type="ftr" sz="quarter" idx="11"/>
+          </p:nvPr>
+        </p:nvSpPr>
+        <p:spPr/>
+        <p:txBody>
+          <a:bodyPr/>
+          <a:lstStyle/>
+          <a:p>
+            <a:r>
+              <a:rPr lang="en-US"/>
+              <a:t>Copyright © 2013 - 2019 by Mark Reynolds</a:t>
+            </a:r>
+            <a:endParaRPr lang="en-US" dirty="0"/>
+          </a:p>
+        </p:txBody>
+      </p:sp>
+      <p:sp>
+        <p:nvSpPr>
+          <p:cNvPr id="5" name="Slide Number Placeholder 4">
+            <a:extLst>
+              <a:ext uri="{FF2B5EF4-FFF2-40B4-BE49-F238E27FC236}">
+                <a16:creationId xmlns:a16="http://schemas.microsoft.com/office/drawing/2014/main" id="{12B6CC00-5D01-4132-A394-5F2595A83652}"/>
+              </a:ext>
+            </a:extLst>
+          </p:cNvPr>
+          <p:cNvSpPr>
+            <a:spLocks noGrp="1"/>
+          </p:cNvSpPr>
+          <p:nvPr>
+            <p:ph type="sldNum" sz="quarter" idx="12"/>
+          </p:nvPr>
+        </p:nvSpPr>
+        <p:spPr/>
+        <p:txBody>
+          <a:bodyPr/>
+          <a:lstStyle/>
+          <a:p>
+            <a:fld id="{6813DC8C-A616-47C4-99E2-1208BE02F915}" type="slidenum">
+              <a:rPr lang="en-US" smtClean="0"/>
+              <a:t>16</a:t>
+            </a:fld>
+            <a:endParaRPr lang="en-US"/>
+          </a:p>
+        </p:txBody>
+      </p:sp>
+    </p:spTree>
+    <p:extLst>
+      <p:ext uri="{BB962C8B-B14F-4D97-AF65-F5344CB8AC3E}">
+        <p14:creationId xmlns:p14="http://schemas.microsoft.com/office/powerpoint/2010/main" val="2853629360"/>
+      </p:ext>
+    </p:extLst>
+  </p:cSld>
+  <p:clrMapOvr>
+    <a:masterClrMapping/>
+  </p:clrMapOvr>
+</p:sld>
+</file>
+
+<file path=ppt/slides/slide17.xml><?xml version="1.0" encoding="utf-8"?>
+<p:sld xmlns:a="http://schemas.openxmlformats.org/drawingml/2006/main" xmlns:r="http://schemas.openxmlformats.org/officeDocument/2006/relationships" xmlns:p="http://schemas.openxmlformats.org/presentationml/2006/main">
+  <p:cSld>
+    <p:spTree>
+      <p:nvGrpSpPr>
+        <p:cNvPr id="1" name=""/>
+        <p:cNvGrpSpPr/>
+        <p:nvPr/>
+      </p:nvGrpSpPr>
+      <p:grpSpPr>
+        <a:xfrm>
+          <a:off x="0" y="0"/>
+          <a:ext cx="0" cy="0"/>
+          <a:chOff x="0" y="0"/>
+          <a:chExt cx="0" cy="0"/>
+        </a:xfrm>
+      </p:grpSpPr>
+      <p:sp>
+        <p:nvSpPr>
+          <p:cNvPr id="2" name="Title 1">
+            <a:extLst>
+              <a:ext uri="{FF2B5EF4-FFF2-40B4-BE49-F238E27FC236}">
+                <a16:creationId xmlns:a16="http://schemas.microsoft.com/office/drawing/2014/main" id="{2D1181A1-86A5-46D3-BB06-A1047EBBBE0A}"/>
+              </a:ext>
+            </a:extLst>
+          </p:cNvPr>
+          <p:cNvSpPr>
+            <a:spLocks noGrp="1"/>
+          </p:cNvSpPr>
+          <p:nvPr>
+            <p:ph type="title"/>
+          </p:nvPr>
+        </p:nvSpPr>
+        <p:spPr/>
+        <p:txBody>
+          <a:bodyPr/>
+          <a:lstStyle/>
+          <a:p>
+            <a:endParaRPr lang="en-US"/>
+          </a:p>
+        </p:txBody>
+      </p:sp>
+      <p:sp>
+        <p:nvSpPr>
+          <p:cNvPr id="3" name="Content Placeholder 2">
+            <a:extLst>
+              <a:ext uri="{FF2B5EF4-FFF2-40B4-BE49-F238E27FC236}">
+                <a16:creationId xmlns:a16="http://schemas.microsoft.com/office/drawing/2014/main" id="{D05D395E-8F59-47A7-BD57-A5C091BC5D51}"/>
+              </a:ext>
+            </a:extLst>
+          </p:cNvPr>
+          <p:cNvSpPr>
+            <a:spLocks noGrp="1"/>
+          </p:cNvSpPr>
+          <p:nvPr>
+            <p:ph idx="1"/>
+          </p:nvPr>
+        </p:nvSpPr>
+        <p:spPr/>
+        <p:txBody>
+          <a:bodyPr/>
+          <a:lstStyle/>
+          <a:p>
+            <a:r>
+              <a:rPr lang="en-US" dirty="0"/>
+              <a:t>Records are a way to create very lightweight classes that are just a collection of fields (POCO)</a:t>
+            </a:r>
+          </a:p>
+          <a:p>
+            <a:r>
+              <a:rPr lang="en-US" dirty="0"/>
+              <a:t>The Records syntax should allow implementation of these classes and structs with absolute minimum code</a:t>
+            </a:r>
+          </a:p>
+        </p:txBody>
+      </p:sp>
+      <p:sp>
+        <p:nvSpPr>
+          <p:cNvPr id="4" name="Footer Placeholder 3">
+            <a:extLst>
+              <a:ext uri="{FF2B5EF4-FFF2-40B4-BE49-F238E27FC236}">
+                <a16:creationId xmlns:a16="http://schemas.microsoft.com/office/drawing/2014/main" id="{019D26EA-69FE-4695-8B0A-CE9ED11CC371}"/>
+              </a:ext>
+            </a:extLst>
+          </p:cNvPr>
+          <p:cNvSpPr>
+            <a:spLocks noGrp="1"/>
+          </p:cNvSpPr>
+          <p:nvPr>
+            <p:ph type="ftr" sz="quarter" idx="11"/>
+          </p:nvPr>
+        </p:nvSpPr>
+        <p:spPr/>
+        <p:txBody>
+          <a:bodyPr/>
+          <a:lstStyle/>
+          <a:p>
+            <a:r>
+              <a:rPr lang="en-US"/>
+              <a:t>Copyright © 2013 - 2019 by Mark Reynolds</a:t>
+            </a:r>
+            <a:endParaRPr lang="en-US" dirty="0"/>
+          </a:p>
+        </p:txBody>
+      </p:sp>
+      <p:sp>
+        <p:nvSpPr>
+          <p:cNvPr id="5" name="Slide Number Placeholder 4">
+            <a:extLst>
+              <a:ext uri="{FF2B5EF4-FFF2-40B4-BE49-F238E27FC236}">
+                <a16:creationId xmlns:a16="http://schemas.microsoft.com/office/drawing/2014/main" id="{ACA11E49-54B3-4C0C-B0CA-5FBA1020D4C2}"/>
+              </a:ext>
+            </a:extLst>
+          </p:cNvPr>
+          <p:cNvSpPr>
+            <a:spLocks noGrp="1"/>
+          </p:cNvSpPr>
+          <p:nvPr>
+            <p:ph type="sldNum" sz="quarter" idx="12"/>
+          </p:nvPr>
+        </p:nvSpPr>
+        <p:spPr/>
+        <p:txBody>
+          <a:bodyPr/>
+          <a:lstStyle/>
+          <a:p>
+            <a:fld id="{6813DC8C-A616-47C4-99E2-1208BE02F915}" type="slidenum">
+              <a:rPr lang="en-US" smtClean="0"/>
+              <a:t>17</a:t>
+            </a:fld>
+            <a:endParaRPr lang="en-US"/>
+          </a:p>
+        </p:txBody>
+      </p:sp>
+    </p:spTree>
+    <p:extLst>
+      <p:ext uri="{BB962C8B-B14F-4D97-AF65-F5344CB8AC3E}">
+        <p14:creationId xmlns:p14="http://schemas.microsoft.com/office/powerpoint/2010/main" val="484189932"/>
+      </p:ext>
+    </p:extLst>
+  </p:cSld>
+  <p:clrMapOvr>
+    <a:masterClrMapping/>
+  </p:clrMapOvr>
+</p:sld>
+</file>
+
+<file path=ppt/slides/slide18.xml><?xml version="1.0" encoding="utf-8"?>
 <p:sld xmlns:a="http://schemas.openxmlformats.org/drawingml/2006/main" xmlns:r="http://schemas.openxmlformats.org/officeDocument/2006/relationships" xmlns:p="http://schemas.openxmlformats.org/presentationml/2006/main">
   <p:cSld>
     <p:spTree>
@@ -38549,7 +38845,7 @@
           <a:p>
             <a:fld id="{6813DC8C-A616-47C4-99E2-1208BE02F915}" type="slidenum">
               <a:rPr lang="en-US" smtClean="0"/>
-              <a:t>16</a:t>
+              <a:t>18</a:t>
             </a:fld>
             <a:endParaRPr lang="en-US"/>
           </a:p>

--- a/Whats new in C#8.pptx
+++ b/Whats new in C#8.pptx
@@ -5,7 +5,7 @@
     <p:sldMasterId id="2147483656" r:id="rId1"/>
   </p:sldMasterIdLst>
   <p:notesMasterIdLst>
-    <p:notesMasterId r:id="rId20"/>
+    <p:notesMasterId r:id="rId21"/>
   </p:notesMasterIdLst>
   <p:sldIdLst>
     <p:sldId id="256" r:id="rId2"/>
@@ -23,9 +23,10 @@
     <p:sldId id="489" r:id="rId14"/>
     <p:sldId id="490" r:id="rId15"/>
     <p:sldId id="491" r:id="rId16"/>
-    <p:sldId id="492" r:id="rId17"/>
-    <p:sldId id="493" r:id="rId18"/>
-    <p:sldId id="420" r:id="rId19"/>
+    <p:sldId id="494" r:id="rId17"/>
+    <p:sldId id="492" r:id="rId18"/>
+    <p:sldId id="493" r:id="rId19"/>
+    <p:sldId id="420" r:id="rId20"/>
   </p:sldIdLst>
   <p:sldSz cx="12192000" cy="6858000"/>
   <p:notesSz cx="6858000" cy="9144000"/>
@@ -33941,7 +33942,7 @@
             <a:fld id="{8BF335F8-0389-41BF-A16B-EDE4EFDBE832}" type="slidenum">
               <a:rPr lang="en-US" smtClean="0"/>
               <a:pPr/>
-              <a:t>18</a:t>
+              <a:t>19</a:t>
             </a:fld>
             <a:endParaRPr lang="en-US" dirty="0"/>
           </a:p>
@@ -38203,6 +38204,154 @@
           <p:cNvPr id="6" name="Title 5">
             <a:extLst>
               <a:ext uri="{FF2B5EF4-FFF2-40B4-BE49-F238E27FC236}">
+                <a16:creationId xmlns:a16="http://schemas.microsoft.com/office/drawing/2014/main" id="{CDFB79F8-6756-49A5-AA50-B968AC8DA72D}"/>
+              </a:ext>
+            </a:extLst>
+          </p:cNvPr>
+          <p:cNvSpPr>
+            <a:spLocks noGrp="1"/>
+          </p:cNvSpPr>
+          <p:nvPr>
+            <p:ph type="title"/>
+          </p:nvPr>
+        </p:nvSpPr>
+        <p:spPr/>
+        <p:txBody>
+          <a:bodyPr/>
+          <a:lstStyle/>
+          <a:p>
+            <a:r>
+              <a:rPr lang="en-US"/>
+              <a:t>Indices and Ranges</a:t>
+            </a:r>
+            <a:endParaRPr lang="en-US" dirty="0"/>
+          </a:p>
+        </p:txBody>
+      </p:sp>
+      <p:sp>
+        <p:nvSpPr>
+          <p:cNvPr id="7" name="Text Placeholder 6">
+            <a:extLst>
+              <a:ext uri="{FF2B5EF4-FFF2-40B4-BE49-F238E27FC236}">
+                <a16:creationId xmlns:a16="http://schemas.microsoft.com/office/drawing/2014/main" id="{F59F4200-12EF-45BB-8A5A-57A0A6C15710}"/>
+              </a:ext>
+            </a:extLst>
+          </p:cNvPr>
+          <p:cNvSpPr>
+            <a:spLocks noGrp="1"/>
+          </p:cNvSpPr>
+          <p:nvPr>
+            <p:ph type="body" idx="1"/>
+          </p:nvPr>
+        </p:nvSpPr>
+        <p:spPr/>
+        <p:txBody>
+          <a:bodyPr/>
+          <a:lstStyle/>
+          <a:p>
+            <a:r>
+              <a:rPr lang="en-US" dirty="0">
+                <a:hlinkClick r:id="rId2"/>
+              </a:rPr>
+              <a:t>https://docs.microsoft.com/en-us/dotnet/csharp/whats-new/csharp-8#indices-and-ranges</a:t>
+            </a:r>
+            <a:endParaRPr lang="en-US" dirty="0"/>
+          </a:p>
+        </p:txBody>
+      </p:sp>
+      <p:sp>
+        <p:nvSpPr>
+          <p:cNvPr id="4" name="Footer Placeholder 3">
+            <a:extLst>
+              <a:ext uri="{FF2B5EF4-FFF2-40B4-BE49-F238E27FC236}">
+                <a16:creationId xmlns:a16="http://schemas.microsoft.com/office/drawing/2014/main" id="{8118649E-B927-44EB-8087-708EC1061539}"/>
+              </a:ext>
+            </a:extLst>
+          </p:cNvPr>
+          <p:cNvSpPr>
+            <a:spLocks noGrp="1"/>
+          </p:cNvSpPr>
+          <p:nvPr>
+            <p:ph type="ftr" sz="quarter" idx="11"/>
+          </p:nvPr>
+        </p:nvSpPr>
+        <p:spPr/>
+        <p:txBody>
+          <a:bodyPr/>
+          <a:lstStyle/>
+          <a:p>
+            <a:r>
+              <a:rPr lang="en-US"/>
+              <a:t>Copyright © 2013 - 2019 by Mark Reynolds</a:t>
+            </a:r>
+            <a:endParaRPr lang="en-US" dirty="0"/>
+          </a:p>
+        </p:txBody>
+      </p:sp>
+      <p:sp>
+        <p:nvSpPr>
+          <p:cNvPr id="5" name="Slide Number Placeholder 4">
+            <a:extLst>
+              <a:ext uri="{FF2B5EF4-FFF2-40B4-BE49-F238E27FC236}">
+                <a16:creationId xmlns:a16="http://schemas.microsoft.com/office/drawing/2014/main" id="{D2D25C0C-062C-4BBE-9BBA-134EA27A0FAE}"/>
+              </a:ext>
+            </a:extLst>
+          </p:cNvPr>
+          <p:cNvSpPr>
+            <a:spLocks noGrp="1"/>
+          </p:cNvSpPr>
+          <p:nvPr>
+            <p:ph type="sldNum" sz="quarter" idx="12"/>
+          </p:nvPr>
+        </p:nvSpPr>
+        <p:spPr/>
+        <p:txBody>
+          <a:bodyPr/>
+          <a:lstStyle/>
+          <a:p>
+            <a:fld id="{6813DC8C-A616-47C4-99E2-1208BE02F915}" type="slidenum">
+              <a:rPr lang="en-US" smtClean="0"/>
+              <a:t>16</a:t>
+            </a:fld>
+            <a:endParaRPr lang="en-US"/>
+          </a:p>
+        </p:txBody>
+      </p:sp>
+    </p:spTree>
+    <p:extLst>
+      <p:ext uri="{BB962C8B-B14F-4D97-AF65-F5344CB8AC3E}">
+        <p14:creationId xmlns:p14="http://schemas.microsoft.com/office/powerpoint/2010/main" val="320844291"/>
+      </p:ext>
+    </p:extLst>
+  </p:cSld>
+  <p:clrMapOvr>
+    <a:masterClrMapping/>
+  </p:clrMapOvr>
+</p:sld>
+</file>
+
+<file path=ppt/slides/slide17.xml><?xml version="1.0" encoding="utf-8"?>
+<p:sld xmlns:a="http://schemas.openxmlformats.org/drawingml/2006/main" xmlns:r="http://schemas.openxmlformats.org/officeDocument/2006/relationships" xmlns:p="http://schemas.openxmlformats.org/presentationml/2006/main">
+  <p:cSld>
+    <p:spTree>
+      <p:nvGrpSpPr>
+        <p:cNvPr id="1" name=""/>
+        <p:cNvGrpSpPr/>
+        <p:nvPr/>
+      </p:nvGrpSpPr>
+      <p:grpSpPr>
+        <a:xfrm>
+          <a:off x="0" y="0"/>
+          <a:ext cx="0" cy="0"/>
+          <a:chOff x="0" y="0"/>
+          <a:chExt cx="0" cy="0"/>
+        </a:xfrm>
+      </p:grpSpPr>
+      <p:sp>
+        <p:nvSpPr>
+          <p:cNvPr id="6" name="Title 5">
+            <a:extLst>
+              <a:ext uri="{FF2B5EF4-FFF2-40B4-BE49-F238E27FC236}">
                 <a16:creationId xmlns:a16="http://schemas.microsoft.com/office/drawing/2014/main" id="{ABE0E0F1-BB7B-4663-B898-D18A9B1DAB0B}"/>
               </a:ext>
             </a:extLst>
@@ -38309,7 +38458,7 @@
           <a:p>
             <a:fld id="{6813DC8C-A616-47C4-99E2-1208BE02F915}" type="slidenum">
               <a:rPr lang="en-US" smtClean="0"/>
-              <a:t>16</a:t>
+              <a:t>17</a:t>
             </a:fld>
             <a:endParaRPr lang="en-US"/>
           </a:p>
@@ -38328,7 +38477,7 @@
 </p:sld>
 </file>
 
-<file path=ppt/slides/slide17.xml><?xml version="1.0" encoding="utf-8"?>
+<file path=ppt/slides/slide18.xml><?xml version="1.0" encoding="utf-8"?>
 <p:sld xmlns:a="http://schemas.openxmlformats.org/drawingml/2006/main" xmlns:r="http://schemas.openxmlformats.org/officeDocument/2006/relationships" xmlns:p="http://schemas.openxmlformats.org/presentationml/2006/main">
   <p:cSld>
     <p:spTree>
@@ -38456,7 +38605,7 @@
           <a:p>
             <a:fld id="{6813DC8C-A616-47C4-99E2-1208BE02F915}" type="slidenum">
               <a:rPr lang="en-US" smtClean="0"/>
-              <a:t>17</a:t>
+              <a:t>18</a:t>
             </a:fld>
             <a:endParaRPr lang="en-US"/>
           </a:p>
@@ -38475,7 +38624,7 @@
 </p:sld>
 </file>
 
-<file path=ppt/slides/slide18.xml><?xml version="1.0" encoding="utf-8"?>
+<file path=ppt/slides/slide19.xml><?xml version="1.0" encoding="utf-8"?>
 <p:sld xmlns:a="http://schemas.openxmlformats.org/drawingml/2006/main" xmlns:r="http://schemas.openxmlformats.org/officeDocument/2006/relationships" xmlns:p="http://schemas.openxmlformats.org/presentationml/2006/main">
   <p:cSld>
     <p:spTree>
@@ -38845,7 +38994,7 @@
           <a:p>
             <a:fld id="{6813DC8C-A616-47C4-99E2-1208BE02F915}" type="slidenum">
               <a:rPr lang="en-US" smtClean="0"/>
-              <a:t>18</a:t>
+              <a:t>19</a:t>
             </a:fld>
             <a:endParaRPr lang="en-US"/>
           </a:p>
@@ -43796,8 +43945,8 @@
         </p:nvSpPr>
         <p:spPr>
           <a:xfrm>
-            <a:off x="3355848" y="1005840"/>
-            <a:ext cx="2743200" cy="1107996"/>
+            <a:off x="4722876" y="1094669"/>
+            <a:ext cx="2743200" cy="2800767"/>
           </a:xfrm>
           <a:prstGeom prst="rect">
             <a:avLst/>
@@ -43823,7 +43972,7 @@
                   </a:schemeClr>
                 </a:solidFill>
               </a:rPr>
-              <a:t>C# 8.1  …</a:t>
+              <a:t>C# Preview 2</a:t>
             </a:r>
           </a:p>
           <a:p>
@@ -43856,8 +44005,81 @@
                   </a:schemeClr>
                 </a:solidFill>
               </a:rPr>
-              <a:t>TBD</a:t>
+              <a:t>Pattern Matching Enhancements</a:t>
             </a:r>
+          </a:p>
+          <a:p>
+            <a:pPr marL="285750" indent="-285750">
+              <a:spcBef>
+                <a:spcPts val="600"/>
+              </a:spcBef>
+              <a:buFont typeface="Arial" panose="020B0604020202020204" pitchFamily="34" charset="0"/>
+              <a:buChar char="•"/>
+            </a:pPr>
+            <a:r>
+              <a:rPr lang="en-US" dirty="0">
+                <a:solidFill>
+                  <a:schemeClr val="tx1">
+                    <a:lumMod val="75000"/>
+                  </a:schemeClr>
+                </a:solidFill>
+              </a:rPr>
+              <a:t>Using Declarations</a:t>
+            </a:r>
+          </a:p>
+          <a:p>
+            <a:pPr marL="285750" indent="-285750">
+              <a:spcBef>
+                <a:spcPts val="600"/>
+              </a:spcBef>
+              <a:buFont typeface="Arial" panose="020B0604020202020204" pitchFamily="34" charset="0"/>
+              <a:buChar char="•"/>
+            </a:pPr>
+            <a:r>
+              <a:rPr lang="en-US" dirty="0">
+                <a:solidFill>
+                  <a:schemeClr val="tx1">
+                    <a:lumMod val="75000"/>
+                  </a:schemeClr>
+                </a:solidFill>
+              </a:rPr>
+              <a:t>Static Local Functions</a:t>
+            </a:r>
+          </a:p>
+          <a:p>
+            <a:pPr marL="285750" indent="-285750">
+              <a:spcBef>
+                <a:spcPts val="600"/>
+              </a:spcBef>
+              <a:buFont typeface="Arial" panose="020B0604020202020204" pitchFamily="34" charset="0"/>
+              <a:buChar char="•"/>
+            </a:pPr>
+            <a:r>
+              <a:rPr lang="en-US" dirty="0">
+                <a:solidFill>
+                  <a:schemeClr val="tx1">
+                    <a:lumMod val="75000"/>
+                  </a:schemeClr>
+                </a:solidFill>
+              </a:rPr>
+              <a:t>Disposable ref structs</a:t>
+            </a:r>
+          </a:p>
+          <a:p>
+            <a:pPr marL="285750" indent="-285750">
+              <a:spcBef>
+                <a:spcPts val="600"/>
+              </a:spcBef>
+              <a:buFont typeface="Arial" panose="020B0604020202020204" pitchFamily="34" charset="0"/>
+              <a:buChar char="•"/>
+            </a:pPr>
+            <a:endParaRPr lang="en-US" dirty="0">
+              <a:solidFill>
+                <a:schemeClr val="tx1">
+                  <a:lumMod val="75000"/>
+                </a:schemeClr>
+              </a:solidFill>
+            </a:endParaRPr>
           </a:p>
         </p:txBody>
       </p:sp>
@@ -43875,8 +44097,8 @@
         </p:nvSpPr>
         <p:spPr>
           <a:xfrm>
-            <a:off x="6099048" y="1005840"/>
-            <a:ext cx="2743200" cy="1107996"/>
+            <a:off x="8497016" y="1105867"/>
+            <a:ext cx="2743200" cy="3985706"/>
           </a:xfrm>
           <a:prstGeom prst="rect">
             <a:avLst/>
@@ -43902,7 +44124,7 @@
                   </a:schemeClr>
                 </a:solidFill>
               </a:rPr>
-              <a:t>C# 8.2  …</a:t>
+              <a:t>C# 8  …</a:t>
             </a:r>
           </a:p>
           <a:p>
@@ -43918,104 +44140,6 @@
                 </a:schemeClr>
               </a:solidFill>
             </a:endParaRPr>
-          </a:p>
-          <a:p>
-            <a:pPr marL="285750" indent="-285750">
-              <a:spcBef>
-                <a:spcPts val="600"/>
-              </a:spcBef>
-              <a:buFont typeface="Arial" panose="020B0604020202020204" pitchFamily="34" charset="0"/>
-              <a:buChar char="•"/>
-            </a:pPr>
-            <a:r>
-              <a:rPr lang="en-US" dirty="0">
-                <a:solidFill>
-                  <a:schemeClr val="tx1">
-                    <a:lumMod val="75000"/>
-                  </a:schemeClr>
-                </a:solidFill>
-              </a:rPr>
-              <a:t>TBD</a:t>
-            </a:r>
-          </a:p>
-        </p:txBody>
-      </p:sp>
-      <p:sp>
-        <p:nvSpPr>
-          <p:cNvPr id="12" name="TextBox 11">
-            <a:extLst>
-              <a:ext uri="{FF2B5EF4-FFF2-40B4-BE49-F238E27FC236}">
-                <a16:creationId xmlns:a16="http://schemas.microsoft.com/office/drawing/2014/main" id="{9ED77C58-F7C9-4127-B528-524073E7B808}"/>
-              </a:ext>
-            </a:extLst>
-          </p:cNvPr>
-          <p:cNvSpPr txBox="1"/>
-          <p:nvPr/>
-        </p:nvSpPr>
-        <p:spPr>
-          <a:xfrm>
-            <a:off x="609600" y="1005839"/>
-            <a:ext cx="2743200" cy="4616648"/>
-          </a:xfrm>
-          <a:prstGeom prst="rect">
-            <a:avLst/>
-          </a:prstGeom>
-          <a:noFill/>
-        </p:spPr>
-        <p:txBody>
-          <a:bodyPr wrap="square" rtlCol="0">
-            <a:spAutoFit/>
-          </a:bodyPr>
-          <a:lstStyle/>
-          <a:p>
-            <a:pPr>
-              <a:spcBef>
-                <a:spcPts val="600"/>
-              </a:spcBef>
-            </a:pPr>
-            <a:r>
-              <a:rPr lang="en-US" sz="2000" b="1" dirty="0">
-                <a:solidFill>
-                  <a:schemeClr val="tx1">
-                    <a:lumMod val="75000"/>
-                  </a:schemeClr>
-                </a:solidFill>
-              </a:rPr>
-              <a:t>C# 8.0  VS2019 v16</a:t>
-            </a:r>
-          </a:p>
-          <a:p>
-            <a:pPr>
-              <a:spcBef>
-                <a:spcPts val="600"/>
-              </a:spcBef>
-            </a:pPr>
-            <a:endParaRPr lang="en-US" dirty="0">
-              <a:solidFill>
-                <a:schemeClr val="tx1">
-                  <a:lumMod val="75000"/>
-                </a:schemeClr>
-              </a:solidFill>
-            </a:endParaRPr>
-          </a:p>
-          <a:p>
-            <a:pPr marL="285750" indent="-285750">
-              <a:spcBef>
-                <a:spcPts val="600"/>
-              </a:spcBef>
-              <a:buFont typeface="Arial" panose="020B0604020202020204" pitchFamily="34" charset="0"/>
-              <a:buChar char="•"/>
-            </a:pPr>
-            <a:r>
-              <a:rPr lang="en-US" dirty="0">
-                <a:solidFill>
-                  <a:schemeClr val="tx1">
-                    <a:lumMod val="75000"/>
-                  </a:schemeClr>
-                </a:solidFill>
-              </a:rPr>
-              <a:t>Non-Nullable &amp; Nullable Reference Types</a:t>
-            </a:r>
           </a:p>
           <a:p>
             <a:pPr marL="285750" indent="-285750">
@@ -44109,7 +44233,7 @@
                   </a:schemeClr>
                 </a:solidFill>
               </a:rPr>
-              <a:t>Async Streams</a:t>
+              <a:t>Async Disposable</a:t>
             </a:r>
           </a:p>
           <a:p>
@@ -44120,25 +44244,22 @@
               <a:buFont typeface="Arial" panose="020B0604020202020204" pitchFamily="34" charset="0"/>
               <a:buChar char="•"/>
             </a:pPr>
-            <a:r>
-              <a:rPr lang="en-US" dirty="0">
-                <a:solidFill>
-                  <a:schemeClr val="tx1">
-                    <a:lumMod val="75000"/>
-                  </a:schemeClr>
-                </a:solidFill>
-              </a:rPr>
-              <a:t>Async Disposable</a:t>
-            </a:r>
+            <a:endParaRPr lang="en-US" dirty="0">
+              <a:solidFill>
+                <a:schemeClr val="tx1">
+                  <a:lumMod val="75000"/>
+                </a:schemeClr>
+              </a:solidFill>
+            </a:endParaRPr>
           </a:p>
         </p:txBody>
       </p:sp>
       <p:sp>
         <p:nvSpPr>
-          <p:cNvPr id="14" name="TextBox 13">
+          <p:cNvPr id="12" name="TextBox 11">
             <a:extLst>
               <a:ext uri="{FF2B5EF4-FFF2-40B4-BE49-F238E27FC236}">
-                <a16:creationId xmlns:a16="http://schemas.microsoft.com/office/drawing/2014/main" id="{57F762D7-BE7B-4B5D-9C7A-9683542361F6}"/>
+                <a16:creationId xmlns:a16="http://schemas.microsoft.com/office/drawing/2014/main" id="{9ED77C58-F7C9-4127-B528-524073E7B808}"/>
               </a:ext>
             </a:extLst>
           </p:cNvPr>
@@ -44147,8 +44268,8 @@
         </p:nvSpPr>
         <p:spPr>
           <a:xfrm>
-            <a:off x="8842248" y="1005840"/>
-            <a:ext cx="2743200" cy="1107996"/>
+            <a:off x="609600" y="1005839"/>
+            <a:ext cx="2743200" cy="2092881"/>
           </a:xfrm>
           <a:prstGeom prst="rect">
             <a:avLst/>
@@ -44174,7 +44295,7 @@
                   </a:schemeClr>
                 </a:solidFill>
               </a:rPr>
-              <a:t>C# 8.3  …</a:t>
+              <a:t>C# 8.0  Preview 1</a:t>
             </a:r>
           </a:p>
           <a:p>
@@ -44207,7 +44328,45 @@
                   </a:schemeClr>
                 </a:solidFill>
               </a:rPr>
-              <a:t>TBD</a:t>
+              <a:t>Non-Nullable &amp; Nullable Reference Types</a:t>
+            </a:r>
+          </a:p>
+          <a:p>
+            <a:pPr marL="285750" indent="-285750">
+              <a:spcBef>
+                <a:spcPts val="600"/>
+              </a:spcBef>
+              <a:buFont typeface="Arial" panose="020B0604020202020204" pitchFamily="34" charset="0"/>
+              <a:buChar char="•"/>
+            </a:pPr>
+            <a:r>
+              <a:rPr lang="en-US" dirty="0">
+                <a:solidFill>
+                  <a:schemeClr val="tx1">
+                    <a:lumMod val="75000"/>
+                  </a:schemeClr>
+                </a:solidFill>
+              </a:rPr>
+              <a:t>Async Streams</a:t>
+            </a:r>
+          </a:p>
+          <a:p>
+            <a:pPr marL="285750" indent="-285750">
+              <a:spcBef>
+                <a:spcPts val="600"/>
+              </a:spcBef>
+              <a:buFont typeface="Arial" panose="020B0604020202020204" pitchFamily="34" charset="0"/>
+              <a:buChar char="•"/>
+            </a:pPr>
+            <a:r>
+              <a:rPr lang="en-US" dirty="0">
+                <a:solidFill>
+                  <a:schemeClr val="tx1">
+                    <a:lumMod val="75000"/>
+                  </a:schemeClr>
+                </a:solidFill>
+              </a:rPr>
+              <a:t>Indices and Ranges</a:t>
             </a:r>
           </a:p>
         </p:txBody>

--- a/Whats new in C#8.pptx
+++ b/Whats new in C#8.pptx
@@ -5,7 +5,7 @@
     <p:sldMasterId id="2147483656" r:id="rId1"/>
   </p:sldMasterIdLst>
   <p:notesMasterIdLst>
-    <p:notesMasterId r:id="rId21"/>
+    <p:notesMasterId r:id="rId24"/>
   </p:notesMasterIdLst>
   <p:sldIdLst>
     <p:sldId id="256" r:id="rId2"/>
@@ -24,9 +24,12 @@
     <p:sldId id="490" r:id="rId15"/>
     <p:sldId id="491" r:id="rId16"/>
     <p:sldId id="494" r:id="rId17"/>
-    <p:sldId id="492" r:id="rId18"/>
-    <p:sldId id="493" r:id="rId19"/>
-    <p:sldId id="420" r:id="rId20"/>
+    <p:sldId id="495" r:id="rId18"/>
+    <p:sldId id="497" r:id="rId19"/>
+    <p:sldId id="496" r:id="rId20"/>
+    <p:sldId id="492" r:id="rId21"/>
+    <p:sldId id="493" r:id="rId22"/>
+    <p:sldId id="420" r:id="rId23"/>
   </p:sldIdLst>
   <p:sldSz cx="12192000" cy="6858000"/>
   <p:notesSz cx="6858000" cy="9144000"/>
@@ -33942,7 +33945,7 @@
             <a:fld id="{8BF335F8-0389-41BF-A16B-EDE4EFDBE832}" type="slidenum">
               <a:rPr lang="en-US" smtClean="0"/>
               <a:pPr/>
-              <a:t>19</a:t>
+              <a:t>22</a:t>
             </a:fld>
             <a:endParaRPr lang="en-US" dirty="0"/>
           </a:p>
@@ -38349,10 +38352,10 @@
       </p:grpSpPr>
       <p:sp>
         <p:nvSpPr>
-          <p:cNvPr id="6" name="Title 5">
+          <p:cNvPr id="2" name="Title 1">
             <a:extLst>
               <a:ext uri="{FF2B5EF4-FFF2-40B4-BE49-F238E27FC236}">
-                <a16:creationId xmlns:a16="http://schemas.microsoft.com/office/drawing/2014/main" id="{ABE0E0F1-BB7B-4663-B898-D18A9B1DAB0B}"/>
+                <a16:creationId xmlns:a16="http://schemas.microsoft.com/office/drawing/2014/main" id="{41409014-5DA2-4B2A-B1FC-3E2103C468D7}"/>
               </a:ext>
             </a:extLst>
           </p:cNvPr>
@@ -38368,50 +38371,48 @@
           <a:bodyPr/>
           <a:lstStyle/>
           <a:p>
-            <a:r>
-              <a:rPr lang="en-US" dirty="0"/>
-              <a:t>Records</a:t>
-            </a:r>
+            <a:endParaRPr lang="en-US"/>
           </a:p>
         </p:txBody>
       </p:sp>
-      <p:sp>
-        <p:nvSpPr>
-          <p:cNvPr id="7" name="Text Placeholder 6">
+      <p:pic>
+        <p:nvPicPr>
+          <p:cNvPr id="7" name="Content Placeholder 6">
             <a:extLst>
               <a:ext uri="{FF2B5EF4-FFF2-40B4-BE49-F238E27FC236}">
-                <a16:creationId xmlns:a16="http://schemas.microsoft.com/office/drawing/2014/main" id="{3916102F-C4BB-4B5F-8A6F-B70012CFFC77}"/>
+                <a16:creationId xmlns:a16="http://schemas.microsoft.com/office/drawing/2014/main" id="{59F09B9C-BF0E-4F8C-BB47-E0CBB3724D89}"/>
               </a:ext>
             </a:extLst>
           </p:cNvPr>
-          <p:cNvSpPr>
-            <a:spLocks noGrp="1"/>
-          </p:cNvSpPr>
+          <p:cNvPicPr>
+            <a:picLocks noGrp="1" noChangeAspect="1"/>
+          </p:cNvPicPr>
           <p:nvPr>
-            <p:ph type="body" idx="1"/>
+            <p:ph idx="1"/>
           </p:nvPr>
-        </p:nvSpPr>
-        <p:spPr/>
-        <p:txBody>
-          <a:bodyPr/>
-          <a:lstStyle/>
-          <a:p>
-            <a:r>
-              <a:rPr lang="en-US" dirty="0">
-                <a:hlinkClick r:id="rId2"/>
-              </a:rPr>
-              <a:t>https://github.com/dotnet/csharplang/blob/master/proposals/records.md</a:t>
-            </a:r>
-            <a:endParaRPr lang="en-US" dirty="0"/>
-          </a:p>
-        </p:txBody>
-      </p:sp>
+        </p:nvPicPr>
+        <p:blipFill>
+          <a:blip r:embed="rId2"/>
+          <a:stretch>
+            <a:fillRect/>
+          </a:stretch>
+        </p:blipFill>
+        <p:spPr>
+          <a:xfrm>
+            <a:off x="3732290" y="1371600"/>
+            <a:ext cx="4733769" cy="5029200"/>
+          </a:xfrm>
+          <a:prstGeom prst="rect">
+            <a:avLst/>
+          </a:prstGeom>
+        </p:spPr>
+      </p:pic>
       <p:sp>
         <p:nvSpPr>
           <p:cNvPr id="4" name="Footer Placeholder 3">
             <a:extLst>
               <a:ext uri="{FF2B5EF4-FFF2-40B4-BE49-F238E27FC236}">
-                <a16:creationId xmlns:a16="http://schemas.microsoft.com/office/drawing/2014/main" id="{B9C64600-9B39-41AA-AAA8-5BA4C14DA12F}"/>
+                <a16:creationId xmlns:a16="http://schemas.microsoft.com/office/drawing/2014/main" id="{60252A56-C041-4CE5-A618-68FF3EA895EC}"/>
               </a:ext>
             </a:extLst>
           </p:cNvPr>
@@ -38440,7 +38441,7 @@
           <p:cNvPr id="5" name="Slide Number Placeholder 4">
             <a:extLst>
               <a:ext uri="{FF2B5EF4-FFF2-40B4-BE49-F238E27FC236}">
-                <a16:creationId xmlns:a16="http://schemas.microsoft.com/office/drawing/2014/main" id="{12B6CC00-5D01-4132-A394-5F2595A83652}"/>
+                <a16:creationId xmlns:a16="http://schemas.microsoft.com/office/drawing/2014/main" id="{7E8EB327-D52F-4F81-B2AE-F08639D14DDC}"/>
               </a:ext>
             </a:extLst>
           </p:cNvPr>
@@ -38467,7 +38468,7 @@
     </p:spTree>
     <p:extLst>
       <p:ext uri="{BB962C8B-B14F-4D97-AF65-F5344CB8AC3E}">
-        <p14:creationId xmlns:p14="http://schemas.microsoft.com/office/powerpoint/2010/main" val="2853629360"/>
+        <p14:creationId xmlns:p14="http://schemas.microsoft.com/office/powerpoint/2010/main" val="2543627921"/>
       </p:ext>
     </p:extLst>
   </p:cSld>
@@ -38499,7 +38500,7 @@
           <p:cNvPr id="2" name="Title 1">
             <a:extLst>
               <a:ext uri="{FF2B5EF4-FFF2-40B4-BE49-F238E27FC236}">
-                <a16:creationId xmlns:a16="http://schemas.microsoft.com/office/drawing/2014/main" id="{2D1181A1-86A5-46D3-BB06-A1047EBBBE0A}"/>
+                <a16:creationId xmlns:a16="http://schemas.microsoft.com/office/drawing/2014/main" id="{D7C5CA57-EC5D-47B8-A491-9D1DCAA68C1A}"/>
               </a:ext>
             </a:extLst>
           </p:cNvPr>
@@ -38515,16 +38516,24 @@
           <a:bodyPr/>
           <a:lstStyle/>
           <a:p>
-            <a:endParaRPr lang="en-US"/>
+            <a:r>
+              <a:rPr lang="en-US" dirty="0"/>
+              <a:t>Async </a:t>
+            </a:r>
+            <a:r>
+              <a:rPr lang="en-US" dirty="0" err="1"/>
+              <a:t>IEnumerable</a:t>
+            </a:r>
+            <a:endParaRPr lang="en-US" dirty="0"/>
           </a:p>
         </p:txBody>
       </p:sp>
       <p:sp>
         <p:nvSpPr>
-          <p:cNvPr id="3" name="Content Placeholder 2">
+          <p:cNvPr id="3" name="Text Placeholder 2">
             <a:extLst>
               <a:ext uri="{FF2B5EF4-FFF2-40B4-BE49-F238E27FC236}">
-                <a16:creationId xmlns:a16="http://schemas.microsoft.com/office/drawing/2014/main" id="{D05D395E-8F59-47A7-BD57-A5C091BC5D51}"/>
+                <a16:creationId xmlns:a16="http://schemas.microsoft.com/office/drawing/2014/main" id="{BE3461B1-9291-413C-9271-D6C8BD6EA847}"/>
               </a:ext>
             </a:extLst>
           </p:cNvPr>
@@ -38532,7 +38541,7 @@
             <a:spLocks noGrp="1"/>
           </p:cNvSpPr>
           <p:nvPr>
-            <p:ph idx="1"/>
+            <p:ph type="body" idx="1"/>
           </p:nvPr>
         </p:nvSpPr>
         <p:spPr/>
@@ -38540,16 +38549,7 @@
           <a:bodyPr/>
           <a:lstStyle/>
           <a:p>
-            <a:r>
-              <a:rPr lang="en-US" dirty="0"/>
-              <a:t>Records are a way to create very lightweight classes that are just a collection of fields (POCO)</a:t>
-            </a:r>
-          </a:p>
-          <a:p>
-            <a:r>
-              <a:rPr lang="en-US" dirty="0"/>
-              <a:t>The Records syntax should allow implementation of these classes and structs with absolute minimum code</a:t>
-            </a:r>
+            <a:endParaRPr lang="en-US"/>
           </a:p>
         </p:txBody>
       </p:sp>
@@ -38558,7 +38558,7 @@
           <p:cNvPr id="4" name="Footer Placeholder 3">
             <a:extLst>
               <a:ext uri="{FF2B5EF4-FFF2-40B4-BE49-F238E27FC236}">
-                <a16:creationId xmlns:a16="http://schemas.microsoft.com/office/drawing/2014/main" id="{019D26EA-69FE-4695-8B0A-CE9ED11CC371}"/>
+                <a16:creationId xmlns:a16="http://schemas.microsoft.com/office/drawing/2014/main" id="{0BB8E570-21E8-40E1-AEC4-3F7848F6E994}"/>
               </a:ext>
             </a:extLst>
           </p:cNvPr>
@@ -38587,7 +38587,7 @@
           <p:cNvPr id="5" name="Slide Number Placeholder 4">
             <a:extLst>
               <a:ext uri="{FF2B5EF4-FFF2-40B4-BE49-F238E27FC236}">
-                <a16:creationId xmlns:a16="http://schemas.microsoft.com/office/drawing/2014/main" id="{ACA11E49-54B3-4C0C-B0CA-5FBA1020D4C2}"/>
+                <a16:creationId xmlns:a16="http://schemas.microsoft.com/office/drawing/2014/main" id="{85498267-58FC-42DE-AE70-C4DA73A9CAE0}"/>
               </a:ext>
             </a:extLst>
           </p:cNvPr>
@@ -38614,7 +38614,7 @@
     </p:spTree>
     <p:extLst>
       <p:ext uri="{BB962C8B-B14F-4D97-AF65-F5344CB8AC3E}">
-        <p14:creationId xmlns:p14="http://schemas.microsoft.com/office/powerpoint/2010/main" val="484189932"/>
+        <p14:creationId xmlns:p14="http://schemas.microsoft.com/office/powerpoint/2010/main" val="3626490270"/>
       </p:ext>
     </p:extLst>
   </p:cSld>
@@ -38643,9 +38643,15 @@
       </p:grpSpPr>
       <p:sp>
         <p:nvSpPr>
-          <p:cNvPr id="4099" name="Rectangle 2"/>
+          <p:cNvPr id="2" name="Title 1">
+            <a:extLst>
+              <a:ext uri="{FF2B5EF4-FFF2-40B4-BE49-F238E27FC236}">
+                <a16:creationId xmlns:a16="http://schemas.microsoft.com/office/drawing/2014/main" id="{AC7D7FAD-1304-4C86-BE2F-2E1460A8F117}"/>
+              </a:ext>
+            </a:extLst>
+          </p:cNvPr>
           <p:cNvSpPr>
-            <a:spLocks noGrp="1" noChangeArrowheads="1"/>
+            <a:spLocks noGrp="1"/>
           </p:cNvSpPr>
           <p:nvPr>
             <p:ph type="title"/>
@@ -38656,303 +38662,51 @@
           <a:bodyPr/>
           <a:lstStyle/>
           <a:p>
-            <a:r>
-              <a:rPr lang="en-US" dirty="0">
-                <a:latin typeface="+mn-lt"/>
-              </a:rPr>
-              <a:t>Mark Reynolds</a:t>
-            </a:r>
+            <a:endParaRPr lang="en-US"/>
           </a:p>
         </p:txBody>
       </p:sp>
+      <p:pic>
+        <p:nvPicPr>
+          <p:cNvPr id="6" name="Content Placeholder 5">
+            <a:extLst>
+              <a:ext uri="{FF2B5EF4-FFF2-40B4-BE49-F238E27FC236}">
+                <a16:creationId xmlns:a16="http://schemas.microsoft.com/office/drawing/2014/main" id="{415C6A22-16D4-4414-9FEE-078169D50FDA}"/>
+              </a:ext>
+            </a:extLst>
+          </p:cNvPr>
+          <p:cNvPicPr>
+            <a:picLocks noGrp="1" noChangeAspect="1"/>
+          </p:cNvPicPr>
+          <p:nvPr>
+            <p:ph idx="1"/>
+          </p:nvPr>
+        </p:nvPicPr>
+        <p:blipFill>
+          <a:blip r:embed="rId2"/>
+          <a:stretch>
+            <a:fillRect/>
+          </a:stretch>
+        </p:blipFill>
+        <p:spPr>
+          <a:xfrm>
+            <a:off x="2149519" y="1371600"/>
+            <a:ext cx="7899312" cy="5029200"/>
+          </a:xfrm>
+          <a:prstGeom prst="rect">
+            <a:avLst/>
+          </a:prstGeom>
+        </p:spPr>
+      </p:pic>
       <p:sp>
         <p:nvSpPr>
-          <p:cNvPr id="6" name="Content Placeholder 5"/>
-          <p:cNvSpPr>
-            <a:spLocks noGrp="1"/>
-          </p:cNvSpPr>
-          <p:nvPr>
-            <p:ph sz="half" idx="1"/>
-          </p:nvPr>
-        </p:nvSpPr>
-        <p:spPr>
-          <a:xfrm>
-            <a:off x="4066560" y="1072115"/>
-            <a:ext cx="4038600" cy="4846320"/>
-          </a:xfrm>
-        </p:spPr>
-        <p:txBody>
-          <a:bodyPr>
-            <a:normAutofit lnSpcReduction="10000"/>
-          </a:bodyPr>
-          <a:lstStyle/>
-          <a:p>
-            <a:pPr>
-              <a:buNone/>
-            </a:pPr>
-            <a:r>
-              <a:rPr lang="en-US" dirty="0">
-                <a:solidFill>
-                  <a:schemeClr val="tx1">
-                    <a:lumMod val="85000"/>
-                    <a:lumOff val="15000"/>
-                  </a:schemeClr>
-                </a:solidFill>
-              </a:rPr>
-              <a:t>Mark Reynolds Vitae</a:t>
-            </a:r>
-          </a:p>
-          <a:p>
-            <a:r>
-              <a:rPr lang="en-US" sz="2000" dirty="0">
-                <a:solidFill>
-                  <a:schemeClr val="tx1">
-                    <a:lumMod val="85000"/>
-                    <a:lumOff val="15000"/>
-                  </a:schemeClr>
-                </a:solidFill>
-              </a:rPr>
-              <a:t>Southwestern Energy</a:t>
-            </a:r>
-          </a:p>
-          <a:p>
-            <a:r>
-              <a:rPr lang="en-US" sz="2000" dirty="0">
-                <a:solidFill>
-                  <a:schemeClr val="tx1">
-                    <a:lumMod val="85000"/>
-                    <a:lumOff val="15000"/>
-                  </a:schemeClr>
-                </a:solidFill>
-              </a:rPr>
-              <a:t>Lone Star College</a:t>
-            </a:r>
-          </a:p>
-          <a:p>
-            <a:r>
-              <a:rPr lang="en-US" sz="2000" dirty="0">
-                <a:solidFill>
-                  <a:schemeClr val="tx1">
-                    <a:lumMod val="85000"/>
-                    <a:lumOff val="15000"/>
-                  </a:schemeClr>
-                </a:solidFill>
-              </a:rPr>
-              <a:t>Intent Driven Designs</a:t>
-            </a:r>
-          </a:p>
-          <a:p>
-            <a:r>
-              <a:rPr lang="en-US" sz="2000" dirty="0">
-                <a:solidFill>
-                  <a:schemeClr val="tx1">
-                    <a:lumMod val="85000"/>
-                    <a:lumOff val="15000"/>
-                  </a:schemeClr>
-                </a:solidFill>
-              </a:rPr>
-              <a:t>Scan Systems</a:t>
-            </a:r>
-          </a:p>
-          <a:p>
-            <a:r>
-              <a:rPr lang="en-US" sz="2000" dirty="0">
-                <a:solidFill>
-                  <a:schemeClr val="tx1">
-                    <a:lumMod val="85000"/>
-                    <a:lumOff val="15000"/>
-                  </a:schemeClr>
-                </a:solidFill>
-              </a:rPr>
-              <a:t>Sikorsky Aircraft</a:t>
-            </a:r>
-          </a:p>
-          <a:p>
-            <a:r>
-              <a:rPr lang="en-US" sz="2000" dirty="0">
-                <a:solidFill>
-                  <a:schemeClr val="tx1">
-                    <a:lumMod val="85000"/>
-                    <a:lumOff val="15000"/>
-                  </a:schemeClr>
-                </a:solidFill>
-              </a:rPr>
-              <a:t>General Dynamics</a:t>
-            </a:r>
-          </a:p>
-        </p:txBody>
-      </p:sp>
-      <p:sp>
-        <p:nvSpPr>
-          <p:cNvPr id="8" name="Content Placeholder 7"/>
-          <p:cNvSpPr>
-            <a:spLocks noGrp="1"/>
-          </p:cNvSpPr>
-          <p:nvPr>
-            <p:ph sz="half" idx="2"/>
-          </p:nvPr>
-        </p:nvSpPr>
-        <p:spPr>
-          <a:xfrm>
-            <a:off x="4136664" y="3668471"/>
-            <a:ext cx="6044284" cy="1875225"/>
-          </a:xfrm>
-        </p:spPr>
-        <p:txBody>
-          <a:bodyPr>
-            <a:normAutofit lnSpcReduction="10000"/>
-          </a:bodyPr>
-          <a:lstStyle/>
-          <a:p>
-            <a:endParaRPr lang="en-US" dirty="0"/>
-          </a:p>
-          <a:p>
-            <a:pPr marL="0" indent="0">
-              <a:buNone/>
-            </a:pPr>
-            <a:r>
-              <a:rPr lang="en-US" sz="1800" dirty="0">
-                <a:solidFill>
-                  <a:schemeClr val="tx1">
-                    <a:lumMod val="85000"/>
-                    <a:lumOff val="15000"/>
-                  </a:schemeClr>
-                </a:solidFill>
-              </a:rPr>
-              <a:t>Personal Email</a:t>
-            </a:r>
-            <a:r>
-              <a:rPr lang="en-US" sz="1800" dirty="0"/>
-              <a:t>: </a:t>
-            </a:r>
-            <a:r>
-              <a:rPr lang="en-US" sz="1800" dirty="0" err="1">
-                <a:hlinkClick r:id="rId3"/>
-              </a:rPr>
-              <a:t>mark@DataDriven.Energy</a:t>
-            </a:r>
-            <a:r>
-              <a:rPr lang="en-US" sz="1800" dirty="0"/>
-              <a:t> </a:t>
-            </a:r>
-            <a:endParaRPr lang="en-US" sz="1800" dirty="0">
-              <a:solidFill>
-                <a:schemeClr val="tx1">
-                  <a:lumMod val="85000"/>
-                  <a:lumOff val="15000"/>
-                </a:schemeClr>
-              </a:solidFill>
-            </a:endParaRPr>
-          </a:p>
-          <a:p>
-            <a:pPr marL="0" indent="0">
-              <a:buNone/>
-            </a:pPr>
-            <a:r>
-              <a:rPr lang="en-US" sz="1800" dirty="0" err="1">
-                <a:solidFill>
-                  <a:schemeClr val="tx1">
-                    <a:lumMod val="85000"/>
-                    <a:lumOff val="15000"/>
-                  </a:schemeClr>
-                </a:solidFill>
-              </a:rPr>
-              <a:t>Linkedin</a:t>
-            </a:r>
-            <a:r>
-              <a:rPr lang="en-US" sz="1800" dirty="0">
-                <a:solidFill>
-                  <a:schemeClr val="tx1">
-                    <a:lumMod val="85000"/>
-                    <a:lumOff val="15000"/>
-                  </a:schemeClr>
-                </a:solidFill>
-              </a:rPr>
-              <a:t>: </a:t>
-            </a:r>
-            <a:r>
-              <a:rPr lang="en-US" sz="1800" dirty="0">
-                <a:solidFill>
-                  <a:schemeClr val="tx1">
-                    <a:lumMod val="85000"/>
-                    <a:lumOff val="15000"/>
-                  </a:schemeClr>
-                </a:solidFill>
-                <a:hlinkClick r:id="rId4"/>
-              </a:rPr>
-              <a:t>www.linkedin.com/in/MarkDataDriven</a:t>
-            </a:r>
-            <a:endParaRPr lang="en-US" sz="1800" dirty="0">
-              <a:solidFill>
-                <a:schemeClr val="tx1">
-                  <a:lumMod val="85000"/>
-                  <a:lumOff val="15000"/>
-                </a:schemeClr>
-              </a:solidFill>
-            </a:endParaRPr>
-          </a:p>
-          <a:p>
-            <a:pPr marL="0" indent="0">
-              <a:buNone/>
-            </a:pPr>
-            <a:r>
-              <a:rPr lang="en-US" sz="1800" dirty="0">
-                <a:solidFill>
-                  <a:schemeClr val="tx1">
-                    <a:lumMod val="85000"/>
-                    <a:lumOff val="15000"/>
-                  </a:schemeClr>
-                </a:solidFill>
-              </a:rPr>
-              <a:t>Twitter: @</a:t>
-            </a:r>
-            <a:r>
-              <a:rPr lang="en-US" sz="1800" dirty="0" err="1">
-                <a:solidFill>
-                  <a:schemeClr val="tx1">
-                    <a:lumMod val="85000"/>
-                    <a:lumOff val="15000"/>
-                  </a:schemeClr>
-                </a:solidFill>
-              </a:rPr>
-              <a:t>MarkDataDriven</a:t>
-            </a:r>
-            <a:endParaRPr lang="en-US" sz="1800" dirty="0">
-              <a:solidFill>
-                <a:schemeClr val="tx1">
-                  <a:lumMod val="85000"/>
-                  <a:lumOff val="15000"/>
-                </a:schemeClr>
-              </a:solidFill>
-            </a:endParaRPr>
-          </a:p>
-          <a:p>
-            <a:pPr marL="0" indent="0">
-              <a:buNone/>
-            </a:pPr>
-            <a:r>
-              <a:rPr lang="en-US" sz="1800" u="sng" dirty="0">
-                <a:solidFill>
-                  <a:srgbClr val="00A6DE"/>
-                </a:solidFill>
-                <a:hlinkClick r:id="rId5"/>
-              </a:rPr>
-              <a:t>http://DigitalTransformation.Engineer</a:t>
-            </a:r>
-            <a:endParaRPr lang="en-US" sz="1800" dirty="0">
-              <a:solidFill>
-                <a:schemeClr val="tx1">
-                  <a:lumMod val="85000"/>
-                  <a:lumOff val="15000"/>
-                </a:schemeClr>
-              </a:solidFill>
-            </a:endParaRPr>
-          </a:p>
-        </p:txBody>
-      </p:sp>
-      <p:sp>
-        <p:nvSpPr>
-          <p:cNvPr id="3" name="Footer Placeholder 2"/>
+          <p:cNvPr id="4" name="Footer Placeholder 3">
+            <a:extLst>
+              <a:ext uri="{FF2B5EF4-FFF2-40B4-BE49-F238E27FC236}">
+                <a16:creationId xmlns:a16="http://schemas.microsoft.com/office/drawing/2014/main" id="{4FAB7456-67F8-4BF0-8719-1B1D13830378}"/>
+              </a:ext>
+            </a:extLst>
+          </p:cNvPr>
           <p:cNvSpPr>
             <a:spLocks noGrp="1"/>
           </p:cNvSpPr>
@@ -38960,12 +38714,7 @@
             <p:ph type="ftr" sz="quarter" idx="11"/>
           </p:nvPr>
         </p:nvSpPr>
-        <p:spPr>
-          <a:xfrm>
-            <a:off x="1828800" y="6547104"/>
-            <a:ext cx="8531352" cy="274320"/>
-          </a:xfrm>
-        </p:spPr>
+        <p:spPr/>
         <p:txBody>
           <a:bodyPr/>
           <a:lstStyle/>
@@ -38974,12 +38723,19 @@
               <a:rPr lang="en-US"/>
               <a:t>Copyright © 2013 - 2019 by Mark Reynolds</a:t>
             </a:r>
+            <a:endParaRPr lang="en-US" dirty="0"/>
           </a:p>
         </p:txBody>
       </p:sp>
       <p:sp>
         <p:nvSpPr>
-          <p:cNvPr id="4" name="Slide Number Placeholder 3"/>
+          <p:cNvPr id="5" name="Slide Number Placeholder 4">
+            <a:extLst>
+              <a:ext uri="{FF2B5EF4-FFF2-40B4-BE49-F238E27FC236}">
+                <a16:creationId xmlns:a16="http://schemas.microsoft.com/office/drawing/2014/main" id="{56FE6ED4-1B64-4184-B0F5-788616C595E4}"/>
+              </a:ext>
+            </a:extLst>
+          </p:cNvPr>
           <p:cNvSpPr>
             <a:spLocks noGrp="1"/>
           </p:cNvSpPr>
@@ -39000,58 +38756,16 @@
           </a:p>
         </p:txBody>
       </p:sp>
-      <p:pic>
-        <p:nvPicPr>
-          <p:cNvPr id="2" name="Picture 1"/>
-          <p:cNvPicPr>
-            <a:picLocks noChangeAspect="1"/>
-          </p:cNvPicPr>
-          <p:nvPr/>
-        </p:nvPicPr>
-        <p:blipFill>
-          <a:blip r:embed="rId6" cstate="print">
-            <a:extLst>
-              <a:ext uri="{28A0092B-C50C-407E-A947-70E740481C1C}">
-                <a14:useLocalDpi xmlns:a14="http://schemas.microsoft.com/office/drawing/2010/main" val="0"/>
-              </a:ext>
-            </a:extLst>
-          </a:blip>
-          <a:stretch>
-            <a:fillRect/>
-          </a:stretch>
-        </p:blipFill>
-        <p:spPr>
-          <a:xfrm>
-            <a:off x="0" y="1899786"/>
-            <a:ext cx="3657607" cy="4572009"/>
-          </a:xfrm>
-          <a:prstGeom prst="rect">
-            <a:avLst/>
-          </a:prstGeom>
-        </p:spPr>
-      </p:pic>
     </p:spTree>
     <p:extLst>
       <p:ext uri="{BB962C8B-B14F-4D97-AF65-F5344CB8AC3E}">
-        <p14:creationId xmlns:p14="http://schemas.microsoft.com/office/powerpoint/2010/main" val="3856311636"/>
+        <p14:creationId xmlns:p14="http://schemas.microsoft.com/office/powerpoint/2010/main" val="2552450569"/>
       </p:ext>
     </p:extLst>
   </p:cSld>
   <p:clrMapOvr>
     <a:masterClrMapping/>
   </p:clrMapOvr>
-  <mc:AlternateContent xmlns:mc="http://schemas.openxmlformats.org/markup-compatibility/2006" xmlns:p14="http://schemas.microsoft.com/office/powerpoint/2010/main">
-    <mc:Choice Requires="p14">
-      <p:transition spd="slow" p14:dur="1200">
-        <p14:prism/>
-      </p:transition>
-    </mc:Choice>
-    <mc:Fallback xmlns="">
-      <p:transition spd="slow">
-        <p:fade/>
-      </p:transition>
-    </mc:Fallback>
-  </mc:AlternateContent>
 </p:sld>
 </file>
 
@@ -39551,6 +39265,731 @@
       </p:par>
     </p:tnLst>
   </p:timing>
+</p:sld>
+</file>
+
+<file path=ppt/slides/slide20.xml><?xml version="1.0" encoding="utf-8"?>
+<p:sld xmlns:a="http://schemas.openxmlformats.org/drawingml/2006/main" xmlns:r="http://schemas.openxmlformats.org/officeDocument/2006/relationships" xmlns:p="http://schemas.openxmlformats.org/presentationml/2006/main">
+  <p:cSld>
+    <p:spTree>
+      <p:nvGrpSpPr>
+        <p:cNvPr id="1" name=""/>
+        <p:cNvGrpSpPr/>
+        <p:nvPr/>
+      </p:nvGrpSpPr>
+      <p:grpSpPr>
+        <a:xfrm>
+          <a:off x="0" y="0"/>
+          <a:ext cx="0" cy="0"/>
+          <a:chOff x="0" y="0"/>
+          <a:chExt cx="0" cy="0"/>
+        </a:xfrm>
+      </p:grpSpPr>
+      <p:sp>
+        <p:nvSpPr>
+          <p:cNvPr id="6" name="Title 5">
+            <a:extLst>
+              <a:ext uri="{FF2B5EF4-FFF2-40B4-BE49-F238E27FC236}">
+                <a16:creationId xmlns:a16="http://schemas.microsoft.com/office/drawing/2014/main" id="{ABE0E0F1-BB7B-4663-B898-D18A9B1DAB0B}"/>
+              </a:ext>
+            </a:extLst>
+          </p:cNvPr>
+          <p:cNvSpPr>
+            <a:spLocks noGrp="1"/>
+          </p:cNvSpPr>
+          <p:nvPr>
+            <p:ph type="title"/>
+          </p:nvPr>
+        </p:nvSpPr>
+        <p:spPr/>
+        <p:txBody>
+          <a:bodyPr/>
+          <a:lstStyle/>
+          <a:p>
+            <a:r>
+              <a:rPr lang="en-US" dirty="0"/>
+              <a:t>Records</a:t>
+            </a:r>
+          </a:p>
+        </p:txBody>
+      </p:sp>
+      <p:sp>
+        <p:nvSpPr>
+          <p:cNvPr id="7" name="Text Placeholder 6">
+            <a:extLst>
+              <a:ext uri="{FF2B5EF4-FFF2-40B4-BE49-F238E27FC236}">
+                <a16:creationId xmlns:a16="http://schemas.microsoft.com/office/drawing/2014/main" id="{3916102F-C4BB-4B5F-8A6F-B70012CFFC77}"/>
+              </a:ext>
+            </a:extLst>
+          </p:cNvPr>
+          <p:cNvSpPr>
+            <a:spLocks noGrp="1"/>
+          </p:cNvSpPr>
+          <p:nvPr>
+            <p:ph type="body" idx="1"/>
+          </p:nvPr>
+        </p:nvSpPr>
+        <p:spPr/>
+        <p:txBody>
+          <a:bodyPr/>
+          <a:lstStyle/>
+          <a:p>
+            <a:r>
+              <a:rPr lang="en-US" dirty="0">
+                <a:hlinkClick r:id="rId2"/>
+              </a:rPr>
+              <a:t>https://github.com/dotnet/csharplang/blob/master/proposals/records.md</a:t>
+            </a:r>
+            <a:endParaRPr lang="en-US" dirty="0"/>
+          </a:p>
+        </p:txBody>
+      </p:sp>
+      <p:sp>
+        <p:nvSpPr>
+          <p:cNvPr id="4" name="Footer Placeholder 3">
+            <a:extLst>
+              <a:ext uri="{FF2B5EF4-FFF2-40B4-BE49-F238E27FC236}">
+                <a16:creationId xmlns:a16="http://schemas.microsoft.com/office/drawing/2014/main" id="{B9C64600-9B39-41AA-AAA8-5BA4C14DA12F}"/>
+              </a:ext>
+            </a:extLst>
+          </p:cNvPr>
+          <p:cNvSpPr>
+            <a:spLocks noGrp="1"/>
+          </p:cNvSpPr>
+          <p:nvPr>
+            <p:ph type="ftr" sz="quarter" idx="11"/>
+          </p:nvPr>
+        </p:nvSpPr>
+        <p:spPr/>
+        <p:txBody>
+          <a:bodyPr/>
+          <a:lstStyle/>
+          <a:p>
+            <a:r>
+              <a:rPr lang="en-US"/>
+              <a:t>Copyright © 2013 - 2019 by Mark Reynolds</a:t>
+            </a:r>
+            <a:endParaRPr lang="en-US" dirty="0"/>
+          </a:p>
+        </p:txBody>
+      </p:sp>
+      <p:sp>
+        <p:nvSpPr>
+          <p:cNvPr id="5" name="Slide Number Placeholder 4">
+            <a:extLst>
+              <a:ext uri="{FF2B5EF4-FFF2-40B4-BE49-F238E27FC236}">
+                <a16:creationId xmlns:a16="http://schemas.microsoft.com/office/drawing/2014/main" id="{12B6CC00-5D01-4132-A394-5F2595A83652}"/>
+              </a:ext>
+            </a:extLst>
+          </p:cNvPr>
+          <p:cNvSpPr>
+            <a:spLocks noGrp="1"/>
+          </p:cNvSpPr>
+          <p:nvPr>
+            <p:ph type="sldNum" sz="quarter" idx="12"/>
+          </p:nvPr>
+        </p:nvSpPr>
+        <p:spPr/>
+        <p:txBody>
+          <a:bodyPr/>
+          <a:lstStyle/>
+          <a:p>
+            <a:fld id="{6813DC8C-A616-47C4-99E2-1208BE02F915}" type="slidenum">
+              <a:rPr lang="en-US" smtClean="0"/>
+              <a:t>20</a:t>
+            </a:fld>
+            <a:endParaRPr lang="en-US"/>
+          </a:p>
+        </p:txBody>
+      </p:sp>
+    </p:spTree>
+    <p:extLst>
+      <p:ext uri="{BB962C8B-B14F-4D97-AF65-F5344CB8AC3E}">
+        <p14:creationId xmlns:p14="http://schemas.microsoft.com/office/powerpoint/2010/main" val="2853629360"/>
+      </p:ext>
+    </p:extLst>
+  </p:cSld>
+  <p:clrMapOvr>
+    <a:masterClrMapping/>
+  </p:clrMapOvr>
+</p:sld>
+</file>
+
+<file path=ppt/slides/slide21.xml><?xml version="1.0" encoding="utf-8"?>
+<p:sld xmlns:a="http://schemas.openxmlformats.org/drawingml/2006/main" xmlns:r="http://schemas.openxmlformats.org/officeDocument/2006/relationships" xmlns:p="http://schemas.openxmlformats.org/presentationml/2006/main">
+  <p:cSld>
+    <p:spTree>
+      <p:nvGrpSpPr>
+        <p:cNvPr id="1" name=""/>
+        <p:cNvGrpSpPr/>
+        <p:nvPr/>
+      </p:nvGrpSpPr>
+      <p:grpSpPr>
+        <a:xfrm>
+          <a:off x="0" y="0"/>
+          <a:ext cx="0" cy="0"/>
+          <a:chOff x="0" y="0"/>
+          <a:chExt cx="0" cy="0"/>
+        </a:xfrm>
+      </p:grpSpPr>
+      <p:sp>
+        <p:nvSpPr>
+          <p:cNvPr id="2" name="Title 1">
+            <a:extLst>
+              <a:ext uri="{FF2B5EF4-FFF2-40B4-BE49-F238E27FC236}">
+                <a16:creationId xmlns:a16="http://schemas.microsoft.com/office/drawing/2014/main" id="{2D1181A1-86A5-46D3-BB06-A1047EBBBE0A}"/>
+              </a:ext>
+            </a:extLst>
+          </p:cNvPr>
+          <p:cNvSpPr>
+            <a:spLocks noGrp="1"/>
+          </p:cNvSpPr>
+          <p:nvPr>
+            <p:ph type="title"/>
+          </p:nvPr>
+        </p:nvSpPr>
+        <p:spPr/>
+        <p:txBody>
+          <a:bodyPr/>
+          <a:lstStyle/>
+          <a:p>
+            <a:endParaRPr lang="en-US"/>
+          </a:p>
+        </p:txBody>
+      </p:sp>
+      <p:sp>
+        <p:nvSpPr>
+          <p:cNvPr id="3" name="Content Placeholder 2">
+            <a:extLst>
+              <a:ext uri="{FF2B5EF4-FFF2-40B4-BE49-F238E27FC236}">
+                <a16:creationId xmlns:a16="http://schemas.microsoft.com/office/drawing/2014/main" id="{D05D395E-8F59-47A7-BD57-A5C091BC5D51}"/>
+              </a:ext>
+            </a:extLst>
+          </p:cNvPr>
+          <p:cNvSpPr>
+            <a:spLocks noGrp="1"/>
+          </p:cNvSpPr>
+          <p:nvPr>
+            <p:ph idx="1"/>
+          </p:nvPr>
+        </p:nvSpPr>
+        <p:spPr/>
+        <p:txBody>
+          <a:bodyPr/>
+          <a:lstStyle/>
+          <a:p>
+            <a:r>
+              <a:rPr lang="en-US" dirty="0"/>
+              <a:t>Records are a way to create very lightweight classes that are just a collection of fields (POCO)</a:t>
+            </a:r>
+          </a:p>
+          <a:p>
+            <a:r>
+              <a:rPr lang="en-US" dirty="0"/>
+              <a:t>The Records syntax should allow implementation of these classes and structs with absolute minimum code</a:t>
+            </a:r>
+          </a:p>
+        </p:txBody>
+      </p:sp>
+      <p:sp>
+        <p:nvSpPr>
+          <p:cNvPr id="4" name="Footer Placeholder 3">
+            <a:extLst>
+              <a:ext uri="{FF2B5EF4-FFF2-40B4-BE49-F238E27FC236}">
+                <a16:creationId xmlns:a16="http://schemas.microsoft.com/office/drawing/2014/main" id="{019D26EA-69FE-4695-8B0A-CE9ED11CC371}"/>
+              </a:ext>
+            </a:extLst>
+          </p:cNvPr>
+          <p:cNvSpPr>
+            <a:spLocks noGrp="1"/>
+          </p:cNvSpPr>
+          <p:nvPr>
+            <p:ph type="ftr" sz="quarter" idx="11"/>
+          </p:nvPr>
+        </p:nvSpPr>
+        <p:spPr/>
+        <p:txBody>
+          <a:bodyPr/>
+          <a:lstStyle/>
+          <a:p>
+            <a:r>
+              <a:rPr lang="en-US"/>
+              <a:t>Copyright © 2013 - 2019 by Mark Reynolds</a:t>
+            </a:r>
+            <a:endParaRPr lang="en-US" dirty="0"/>
+          </a:p>
+        </p:txBody>
+      </p:sp>
+      <p:sp>
+        <p:nvSpPr>
+          <p:cNvPr id="5" name="Slide Number Placeholder 4">
+            <a:extLst>
+              <a:ext uri="{FF2B5EF4-FFF2-40B4-BE49-F238E27FC236}">
+                <a16:creationId xmlns:a16="http://schemas.microsoft.com/office/drawing/2014/main" id="{ACA11E49-54B3-4C0C-B0CA-5FBA1020D4C2}"/>
+              </a:ext>
+            </a:extLst>
+          </p:cNvPr>
+          <p:cNvSpPr>
+            <a:spLocks noGrp="1"/>
+          </p:cNvSpPr>
+          <p:nvPr>
+            <p:ph type="sldNum" sz="quarter" idx="12"/>
+          </p:nvPr>
+        </p:nvSpPr>
+        <p:spPr/>
+        <p:txBody>
+          <a:bodyPr/>
+          <a:lstStyle/>
+          <a:p>
+            <a:fld id="{6813DC8C-A616-47C4-99E2-1208BE02F915}" type="slidenum">
+              <a:rPr lang="en-US" smtClean="0"/>
+              <a:t>21</a:t>
+            </a:fld>
+            <a:endParaRPr lang="en-US"/>
+          </a:p>
+        </p:txBody>
+      </p:sp>
+    </p:spTree>
+    <p:extLst>
+      <p:ext uri="{BB962C8B-B14F-4D97-AF65-F5344CB8AC3E}">
+        <p14:creationId xmlns:p14="http://schemas.microsoft.com/office/powerpoint/2010/main" val="484189932"/>
+      </p:ext>
+    </p:extLst>
+  </p:cSld>
+  <p:clrMapOvr>
+    <a:masterClrMapping/>
+  </p:clrMapOvr>
+</p:sld>
+</file>
+
+<file path=ppt/slides/slide22.xml><?xml version="1.0" encoding="utf-8"?>
+<p:sld xmlns:a="http://schemas.openxmlformats.org/drawingml/2006/main" xmlns:r="http://schemas.openxmlformats.org/officeDocument/2006/relationships" xmlns:p="http://schemas.openxmlformats.org/presentationml/2006/main">
+  <p:cSld>
+    <p:spTree>
+      <p:nvGrpSpPr>
+        <p:cNvPr id="1" name=""/>
+        <p:cNvGrpSpPr/>
+        <p:nvPr/>
+      </p:nvGrpSpPr>
+      <p:grpSpPr>
+        <a:xfrm>
+          <a:off x="0" y="0"/>
+          <a:ext cx="0" cy="0"/>
+          <a:chOff x="0" y="0"/>
+          <a:chExt cx="0" cy="0"/>
+        </a:xfrm>
+      </p:grpSpPr>
+      <p:sp>
+        <p:nvSpPr>
+          <p:cNvPr id="4099" name="Rectangle 2"/>
+          <p:cNvSpPr>
+            <a:spLocks noGrp="1" noChangeArrowheads="1"/>
+          </p:cNvSpPr>
+          <p:nvPr>
+            <p:ph type="title"/>
+          </p:nvPr>
+        </p:nvSpPr>
+        <p:spPr/>
+        <p:txBody>
+          <a:bodyPr/>
+          <a:lstStyle/>
+          <a:p>
+            <a:r>
+              <a:rPr lang="en-US" dirty="0">
+                <a:latin typeface="+mn-lt"/>
+              </a:rPr>
+              <a:t>Mark Reynolds</a:t>
+            </a:r>
+          </a:p>
+        </p:txBody>
+      </p:sp>
+      <p:sp>
+        <p:nvSpPr>
+          <p:cNvPr id="6" name="Content Placeholder 5"/>
+          <p:cNvSpPr>
+            <a:spLocks noGrp="1"/>
+          </p:cNvSpPr>
+          <p:nvPr>
+            <p:ph sz="half" idx="1"/>
+          </p:nvPr>
+        </p:nvSpPr>
+        <p:spPr>
+          <a:xfrm>
+            <a:off x="4066560" y="1072115"/>
+            <a:ext cx="4038600" cy="4846320"/>
+          </a:xfrm>
+        </p:spPr>
+        <p:txBody>
+          <a:bodyPr>
+            <a:normAutofit lnSpcReduction="10000"/>
+          </a:bodyPr>
+          <a:lstStyle/>
+          <a:p>
+            <a:pPr>
+              <a:buNone/>
+            </a:pPr>
+            <a:r>
+              <a:rPr lang="en-US" dirty="0">
+                <a:solidFill>
+                  <a:schemeClr val="tx1">
+                    <a:lumMod val="85000"/>
+                    <a:lumOff val="15000"/>
+                  </a:schemeClr>
+                </a:solidFill>
+              </a:rPr>
+              <a:t>Mark Reynolds Vitae</a:t>
+            </a:r>
+          </a:p>
+          <a:p>
+            <a:r>
+              <a:rPr lang="en-US" sz="2000" dirty="0">
+                <a:solidFill>
+                  <a:schemeClr val="tx1">
+                    <a:lumMod val="85000"/>
+                    <a:lumOff val="15000"/>
+                  </a:schemeClr>
+                </a:solidFill>
+              </a:rPr>
+              <a:t>Southwestern Energy</a:t>
+            </a:r>
+          </a:p>
+          <a:p>
+            <a:r>
+              <a:rPr lang="en-US" sz="2000" dirty="0">
+                <a:solidFill>
+                  <a:schemeClr val="tx1">
+                    <a:lumMod val="85000"/>
+                    <a:lumOff val="15000"/>
+                  </a:schemeClr>
+                </a:solidFill>
+              </a:rPr>
+              <a:t>Lone Star College</a:t>
+            </a:r>
+          </a:p>
+          <a:p>
+            <a:r>
+              <a:rPr lang="en-US" sz="2000" dirty="0">
+                <a:solidFill>
+                  <a:schemeClr val="tx1">
+                    <a:lumMod val="85000"/>
+                    <a:lumOff val="15000"/>
+                  </a:schemeClr>
+                </a:solidFill>
+              </a:rPr>
+              <a:t>Intent Driven Designs</a:t>
+            </a:r>
+          </a:p>
+          <a:p>
+            <a:r>
+              <a:rPr lang="en-US" sz="2000" dirty="0">
+                <a:solidFill>
+                  <a:schemeClr val="tx1">
+                    <a:lumMod val="85000"/>
+                    <a:lumOff val="15000"/>
+                  </a:schemeClr>
+                </a:solidFill>
+              </a:rPr>
+              <a:t>Scan Systems</a:t>
+            </a:r>
+          </a:p>
+          <a:p>
+            <a:r>
+              <a:rPr lang="en-US" sz="2000" dirty="0">
+                <a:solidFill>
+                  <a:schemeClr val="tx1">
+                    <a:lumMod val="85000"/>
+                    <a:lumOff val="15000"/>
+                  </a:schemeClr>
+                </a:solidFill>
+              </a:rPr>
+              <a:t>Sikorsky Aircraft</a:t>
+            </a:r>
+          </a:p>
+          <a:p>
+            <a:r>
+              <a:rPr lang="en-US" sz="2000" dirty="0">
+                <a:solidFill>
+                  <a:schemeClr val="tx1">
+                    <a:lumMod val="85000"/>
+                    <a:lumOff val="15000"/>
+                  </a:schemeClr>
+                </a:solidFill>
+              </a:rPr>
+              <a:t>General Dynamics</a:t>
+            </a:r>
+          </a:p>
+        </p:txBody>
+      </p:sp>
+      <p:sp>
+        <p:nvSpPr>
+          <p:cNvPr id="8" name="Content Placeholder 7"/>
+          <p:cNvSpPr>
+            <a:spLocks noGrp="1"/>
+          </p:cNvSpPr>
+          <p:nvPr>
+            <p:ph sz="half" idx="2"/>
+          </p:nvPr>
+        </p:nvSpPr>
+        <p:spPr>
+          <a:xfrm>
+            <a:off x="4136664" y="3668471"/>
+            <a:ext cx="6044284" cy="1875225"/>
+          </a:xfrm>
+        </p:spPr>
+        <p:txBody>
+          <a:bodyPr>
+            <a:normAutofit lnSpcReduction="10000"/>
+          </a:bodyPr>
+          <a:lstStyle/>
+          <a:p>
+            <a:endParaRPr lang="en-US" dirty="0"/>
+          </a:p>
+          <a:p>
+            <a:pPr marL="0" indent="0">
+              <a:buNone/>
+            </a:pPr>
+            <a:r>
+              <a:rPr lang="en-US" sz="1800" dirty="0">
+                <a:solidFill>
+                  <a:schemeClr val="tx1">
+                    <a:lumMod val="85000"/>
+                    <a:lumOff val="15000"/>
+                  </a:schemeClr>
+                </a:solidFill>
+              </a:rPr>
+              <a:t>Personal Email</a:t>
+            </a:r>
+            <a:r>
+              <a:rPr lang="en-US" sz="1800" dirty="0"/>
+              <a:t>: </a:t>
+            </a:r>
+            <a:r>
+              <a:rPr lang="en-US" sz="1800" dirty="0" err="1">
+                <a:hlinkClick r:id="rId3"/>
+              </a:rPr>
+              <a:t>mark@DataDriven.Energy</a:t>
+            </a:r>
+            <a:r>
+              <a:rPr lang="en-US" sz="1800" dirty="0"/>
+              <a:t> </a:t>
+            </a:r>
+            <a:endParaRPr lang="en-US" sz="1800" dirty="0">
+              <a:solidFill>
+                <a:schemeClr val="tx1">
+                  <a:lumMod val="85000"/>
+                  <a:lumOff val="15000"/>
+                </a:schemeClr>
+              </a:solidFill>
+            </a:endParaRPr>
+          </a:p>
+          <a:p>
+            <a:pPr marL="0" indent="0">
+              <a:buNone/>
+            </a:pPr>
+            <a:r>
+              <a:rPr lang="en-US" sz="1800" dirty="0" err="1">
+                <a:solidFill>
+                  <a:schemeClr val="tx1">
+                    <a:lumMod val="85000"/>
+                    <a:lumOff val="15000"/>
+                  </a:schemeClr>
+                </a:solidFill>
+              </a:rPr>
+              <a:t>Linkedin</a:t>
+            </a:r>
+            <a:r>
+              <a:rPr lang="en-US" sz="1800" dirty="0">
+                <a:solidFill>
+                  <a:schemeClr val="tx1">
+                    <a:lumMod val="85000"/>
+                    <a:lumOff val="15000"/>
+                  </a:schemeClr>
+                </a:solidFill>
+              </a:rPr>
+              <a:t>: </a:t>
+            </a:r>
+            <a:r>
+              <a:rPr lang="en-US" sz="1800" dirty="0">
+                <a:solidFill>
+                  <a:schemeClr val="tx1">
+                    <a:lumMod val="85000"/>
+                    <a:lumOff val="15000"/>
+                  </a:schemeClr>
+                </a:solidFill>
+                <a:hlinkClick r:id="rId4"/>
+              </a:rPr>
+              <a:t>www.linkedin.com/in/MarkDataDriven</a:t>
+            </a:r>
+            <a:endParaRPr lang="en-US" sz="1800" dirty="0">
+              <a:solidFill>
+                <a:schemeClr val="tx1">
+                  <a:lumMod val="85000"/>
+                  <a:lumOff val="15000"/>
+                </a:schemeClr>
+              </a:solidFill>
+            </a:endParaRPr>
+          </a:p>
+          <a:p>
+            <a:pPr marL="0" indent="0">
+              <a:buNone/>
+            </a:pPr>
+            <a:r>
+              <a:rPr lang="en-US" sz="1800" dirty="0">
+                <a:solidFill>
+                  <a:schemeClr val="tx1">
+                    <a:lumMod val="85000"/>
+                    <a:lumOff val="15000"/>
+                  </a:schemeClr>
+                </a:solidFill>
+              </a:rPr>
+              <a:t>Twitter: @</a:t>
+            </a:r>
+            <a:r>
+              <a:rPr lang="en-US" sz="1800" dirty="0" err="1">
+                <a:solidFill>
+                  <a:schemeClr val="tx1">
+                    <a:lumMod val="85000"/>
+                    <a:lumOff val="15000"/>
+                  </a:schemeClr>
+                </a:solidFill>
+              </a:rPr>
+              <a:t>MarkDataDriven</a:t>
+            </a:r>
+            <a:endParaRPr lang="en-US" sz="1800" dirty="0">
+              <a:solidFill>
+                <a:schemeClr val="tx1">
+                  <a:lumMod val="85000"/>
+                  <a:lumOff val="15000"/>
+                </a:schemeClr>
+              </a:solidFill>
+            </a:endParaRPr>
+          </a:p>
+          <a:p>
+            <a:pPr marL="0" indent="0">
+              <a:buNone/>
+            </a:pPr>
+            <a:r>
+              <a:rPr lang="en-US" sz="1800" u="sng" dirty="0">
+                <a:solidFill>
+                  <a:srgbClr val="00A6DE"/>
+                </a:solidFill>
+                <a:hlinkClick r:id="rId5"/>
+              </a:rPr>
+              <a:t>http://DigitalTransformation.Engineer</a:t>
+            </a:r>
+            <a:endParaRPr lang="en-US" sz="1800" dirty="0">
+              <a:solidFill>
+                <a:schemeClr val="tx1">
+                  <a:lumMod val="85000"/>
+                  <a:lumOff val="15000"/>
+                </a:schemeClr>
+              </a:solidFill>
+            </a:endParaRPr>
+          </a:p>
+        </p:txBody>
+      </p:sp>
+      <p:sp>
+        <p:nvSpPr>
+          <p:cNvPr id="3" name="Footer Placeholder 2"/>
+          <p:cNvSpPr>
+            <a:spLocks noGrp="1"/>
+          </p:cNvSpPr>
+          <p:nvPr>
+            <p:ph type="ftr" sz="quarter" idx="11"/>
+          </p:nvPr>
+        </p:nvSpPr>
+        <p:spPr>
+          <a:xfrm>
+            <a:off x="1828800" y="6547104"/>
+            <a:ext cx="8531352" cy="274320"/>
+          </a:xfrm>
+        </p:spPr>
+        <p:txBody>
+          <a:bodyPr/>
+          <a:lstStyle/>
+          <a:p>
+            <a:r>
+              <a:rPr lang="en-US"/>
+              <a:t>Copyright © 2013 - 2019 by Mark Reynolds</a:t>
+            </a:r>
+          </a:p>
+        </p:txBody>
+      </p:sp>
+      <p:sp>
+        <p:nvSpPr>
+          <p:cNvPr id="4" name="Slide Number Placeholder 3"/>
+          <p:cNvSpPr>
+            <a:spLocks noGrp="1"/>
+          </p:cNvSpPr>
+          <p:nvPr>
+            <p:ph type="sldNum" sz="quarter" idx="12"/>
+          </p:nvPr>
+        </p:nvSpPr>
+        <p:spPr/>
+        <p:txBody>
+          <a:bodyPr/>
+          <a:lstStyle/>
+          <a:p>
+            <a:fld id="{6813DC8C-A616-47C4-99E2-1208BE02F915}" type="slidenum">
+              <a:rPr lang="en-US" smtClean="0"/>
+              <a:t>22</a:t>
+            </a:fld>
+            <a:endParaRPr lang="en-US"/>
+          </a:p>
+        </p:txBody>
+      </p:sp>
+      <p:pic>
+        <p:nvPicPr>
+          <p:cNvPr id="2" name="Picture 1"/>
+          <p:cNvPicPr>
+            <a:picLocks noChangeAspect="1"/>
+          </p:cNvPicPr>
+          <p:nvPr/>
+        </p:nvPicPr>
+        <p:blipFill>
+          <a:blip r:embed="rId6" cstate="print">
+            <a:extLst>
+              <a:ext uri="{28A0092B-C50C-407E-A947-70E740481C1C}">
+                <a14:useLocalDpi xmlns:a14="http://schemas.microsoft.com/office/drawing/2010/main" val="0"/>
+              </a:ext>
+            </a:extLst>
+          </a:blip>
+          <a:stretch>
+            <a:fillRect/>
+          </a:stretch>
+        </p:blipFill>
+        <p:spPr>
+          <a:xfrm>
+            <a:off x="0" y="1899786"/>
+            <a:ext cx="3657607" cy="4572009"/>
+          </a:xfrm>
+          <a:prstGeom prst="rect">
+            <a:avLst/>
+          </a:prstGeom>
+        </p:spPr>
+      </p:pic>
+    </p:spTree>
+    <p:extLst>
+      <p:ext uri="{BB962C8B-B14F-4D97-AF65-F5344CB8AC3E}">
+        <p14:creationId xmlns:p14="http://schemas.microsoft.com/office/powerpoint/2010/main" val="3856311636"/>
+      </p:ext>
+    </p:extLst>
+  </p:cSld>
+  <p:clrMapOvr>
+    <a:masterClrMapping/>
+  </p:clrMapOvr>
+  <mc:AlternateContent xmlns:mc="http://schemas.openxmlformats.org/markup-compatibility/2006" xmlns:p14="http://schemas.microsoft.com/office/powerpoint/2010/main">
+    <mc:Choice Requires="p14">
+      <p:transition spd="slow" p14:dur="1200">
+        <p14:prism/>
+      </p:transition>
+    </mc:Choice>
+    <mc:Fallback xmlns="">
+      <p:transition spd="slow">
+        <p:fade/>
+      </p:transition>
+    </mc:Fallback>
+  </mc:AlternateContent>
 </p:sld>
 </file>
 

--- a/Whats new in C#8.pptx
+++ b/Whats new in C#8.pptx
@@ -5,7 +5,7 @@
     <p:sldMasterId id="2147483656" r:id="rId1"/>
   </p:sldMasterIdLst>
   <p:notesMasterIdLst>
-    <p:notesMasterId r:id="rId24"/>
+    <p:notesMasterId r:id="rId31"/>
   </p:notesMasterIdLst>
   <p:sldIdLst>
     <p:sldId id="256" r:id="rId2"/>
@@ -27,9 +27,16 @@
     <p:sldId id="495" r:id="rId18"/>
     <p:sldId id="497" r:id="rId19"/>
     <p:sldId id="496" r:id="rId20"/>
-    <p:sldId id="492" r:id="rId21"/>
-    <p:sldId id="493" r:id="rId22"/>
-    <p:sldId id="420" r:id="rId23"/>
+    <p:sldId id="498" r:id="rId21"/>
+    <p:sldId id="499" r:id="rId22"/>
+    <p:sldId id="500" r:id="rId23"/>
+    <p:sldId id="501" r:id="rId24"/>
+    <p:sldId id="502" r:id="rId25"/>
+    <p:sldId id="503" r:id="rId26"/>
+    <p:sldId id="504" r:id="rId27"/>
+    <p:sldId id="492" r:id="rId28"/>
+    <p:sldId id="493" r:id="rId29"/>
+    <p:sldId id="420" r:id="rId30"/>
   </p:sldIdLst>
   <p:sldSz cx="12192000" cy="6858000"/>
   <p:notesSz cx="6858000" cy="9144000"/>
@@ -32188,7 +32195,7 @@
           <a:p>
             <a:fld id="{EB783297-46F3-4FED-9BE0-1B045AC356CA}" type="datetimeFigureOut">
               <a:rPr lang="en-US" smtClean="0"/>
-              <a:t>4/11/2019</a:t>
+              <a:t>4/12/2019</a:t>
             </a:fld>
             <a:endParaRPr lang="en-US"/>
           </a:p>
@@ -33945,7 +33952,7 @@
             <a:fld id="{8BF335F8-0389-41BF-A16B-EDE4EFDBE832}" type="slidenum">
               <a:rPr lang="en-US" smtClean="0"/>
               <a:pPr/>
-              <a:t>22</a:t>
+              <a:t>29</a:t>
             </a:fld>
             <a:endParaRPr lang="en-US" dirty="0"/>
           </a:p>
@@ -35012,7 +35019,7 @@
           <a:p>
             <a:fld id="{9F6101A7-E51F-4B39-AD55-E734EB96B90F}" type="datetime1">
               <a:rPr lang="en-US" smtClean="0"/>
-              <a:t>4/11/2019</a:t>
+              <a:t>4/12/2019</a:t>
             </a:fld>
             <a:endParaRPr lang="en-US"/>
           </a:p>
@@ -35291,7 +35298,7 @@
           <a:p>
             <a:fld id="{53BB87A3-CF58-4396-AC80-EF7FD2F0A808}" type="datetime1">
               <a:rPr lang="en-US" smtClean="0"/>
-              <a:t>4/11/2019</a:t>
+              <a:t>4/12/2019</a:t>
             </a:fld>
             <a:endParaRPr lang="en-US"/>
           </a:p>
@@ -35561,7 +35568,7 @@
           <a:p>
             <a:fld id="{3C0F3998-EB5F-4120-A251-20ACC220CAF3}" type="datetime1">
               <a:rPr lang="en-US" smtClean="0"/>
-              <a:t>4/11/2019</a:t>
+              <a:t>4/12/2019</a:t>
             </a:fld>
             <a:endParaRPr lang="en-US"/>
           </a:p>
@@ -35977,7 +35984,7 @@
           <a:p>
             <a:fld id="{9CCE1485-EC4B-4749-B309-CEA85AA8092E}" type="datetime1">
               <a:rPr lang="en-US" smtClean="0"/>
-              <a:t>4/11/2019</a:t>
+              <a:t>4/12/2019</a:t>
             </a:fld>
             <a:endParaRPr lang="en-US"/>
           </a:p>
@@ -36122,7 +36129,7 @@
           <a:p>
             <a:fld id="{2EEC1184-0BD5-4A04-977F-29FFA74BECF8}" type="datetime1">
               <a:rPr lang="en-US" smtClean="0"/>
-              <a:t>4/11/2019</a:t>
+              <a:t>4/12/2019</a:t>
             </a:fld>
             <a:endParaRPr lang="en-US"/>
           </a:p>
@@ -36239,7 +36246,7 @@
           <a:p>
             <a:fld id="{2B89BADD-0649-4523-9CE4-33D5001F577C}" type="datetime1">
               <a:rPr lang="en-US" smtClean="0"/>
-              <a:t>4/11/2019</a:t>
+              <a:t>4/12/2019</a:t>
             </a:fld>
             <a:endParaRPr lang="en-US"/>
           </a:p>
@@ -36485,7 +36492,7 @@
           <a:p>
             <a:fld id="{677BCB15-B53A-49ED-A65B-90E3BB7A8DF4}" type="datetime1">
               <a:rPr lang="en-US" smtClean="0"/>
-              <a:t>4/11/2019</a:t>
+              <a:t>4/12/2019</a:t>
             </a:fld>
             <a:endParaRPr lang="en-US" dirty="0"/>
           </a:p>
@@ -39287,6 +39294,1256 @@
       </p:grpSpPr>
       <p:sp>
         <p:nvSpPr>
+          <p:cNvPr id="2" name="Title 1">
+            <a:extLst>
+              <a:ext uri="{FF2B5EF4-FFF2-40B4-BE49-F238E27FC236}">
+                <a16:creationId xmlns:a16="http://schemas.microsoft.com/office/drawing/2014/main" id="{E1B9E7CE-261D-46A7-87EA-261BF91CD4FF}"/>
+              </a:ext>
+            </a:extLst>
+          </p:cNvPr>
+          <p:cNvSpPr>
+            <a:spLocks noGrp="1"/>
+          </p:cNvSpPr>
+          <p:nvPr>
+            <p:ph type="title"/>
+          </p:nvPr>
+        </p:nvSpPr>
+        <p:spPr/>
+        <p:txBody>
+          <a:bodyPr/>
+          <a:lstStyle/>
+          <a:p>
+            <a:r>
+              <a:rPr lang="en-US" dirty="0"/>
+              <a:t>Pattern Matching</a:t>
+            </a:r>
+          </a:p>
+        </p:txBody>
+      </p:sp>
+      <p:sp>
+        <p:nvSpPr>
+          <p:cNvPr id="3" name="Text Placeholder 2">
+            <a:extLst>
+              <a:ext uri="{FF2B5EF4-FFF2-40B4-BE49-F238E27FC236}">
+                <a16:creationId xmlns:a16="http://schemas.microsoft.com/office/drawing/2014/main" id="{64B8863E-577A-4B57-8614-A47A3EE8E332}"/>
+              </a:ext>
+            </a:extLst>
+          </p:cNvPr>
+          <p:cNvSpPr>
+            <a:spLocks noGrp="1"/>
+          </p:cNvSpPr>
+          <p:nvPr>
+            <p:ph type="body" idx="1"/>
+          </p:nvPr>
+        </p:nvSpPr>
+        <p:spPr/>
+        <p:txBody>
+          <a:bodyPr/>
+          <a:lstStyle/>
+          <a:p>
+            <a:endParaRPr lang="en-US"/>
+          </a:p>
+        </p:txBody>
+      </p:sp>
+      <p:sp>
+        <p:nvSpPr>
+          <p:cNvPr id="4" name="Footer Placeholder 3">
+            <a:extLst>
+              <a:ext uri="{FF2B5EF4-FFF2-40B4-BE49-F238E27FC236}">
+                <a16:creationId xmlns:a16="http://schemas.microsoft.com/office/drawing/2014/main" id="{CC4F7C57-33CA-4258-BE32-EA4AB32E0CD7}"/>
+              </a:ext>
+            </a:extLst>
+          </p:cNvPr>
+          <p:cNvSpPr>
+            <a:spLocks noGrp="1"/>
+          </p:cNvSpPr>
+          <p:nvPr>
+            <p:ph type="ftr" sz="quarter" idx="11"/>
+          </p:nvPr>
+        </p:nvSpPr>
+        <p:spPr/>
+        <p:txBody>
+          <a:bodyPr/>
+          <a:lstStyle/>
+          <a:p>
+            <a:r>
+              <a:rPr lang="en-US"/>
+              <a:t>Copyright © 2013 - 2019 by Mark Reynolds</a:t>
+            </a:r>
+            <a:endParaRPr lang="en-US" dirty="0"/>
+          </a:p>
+        </p:txBody>
+      </p:sp>
+      <p:sp>
+        <p:nvSpPr>
+          <p:cNvPr id="5" name="Slide Number Placeholder 4">
+            <a:extLst>
+              <a:ext uri="{FF2B5EF4-FFF2-40B4-BE49-F238E27FC236}">
+                <a16:creationId xmlns:a16="http://schemas.microsoft.com/office/drawing/2014/main" id="{FA990DBD-0489-4E2B-9700-667A44980E3D}"/>
+              </a:ext>
+            </a:extLst>
+          </p:cNvPr>
+          <p:cNvSpPr>
+            <a:spLocks noGrp="1"/>
+          </p:cNvSpPr>
+          <p:nvPr>
+            <p:ph type="sldNum" sz="quarter" idx="12"/>
+          </p:nvPr>
+        </p:nvSpPr>
+        <p:spPr/>
+        <p:txBody>
+          <a:bodyPr/>
+          <a:lstStyle/>
+          <a:p>
+            <a:fld id="{6813DC8C-A616-47C4-99E2-1208BE02F915}" type="slidenum">
+              <a:rPr lang="en-US" smtClean="0"/>
+              <a:t>20</a:t>
+            </a:fld>
+            <a:endParaRPr lang="en-US"/>
+          </a:p>
+        </p:txBody>
+      </p:sp>
+    </p:spTree>
+    <p:extLst>
+      <p:ext uri="{BB962C8B-B14F-4D97-AF65-F5344CB8AC3E}">
+        <p14:creationId xmlns:p14="http://schemas.microsoft.com/office/powerpoint/2010/main" val="1535045583"/>
+      </p:ext>
+    </p:extLst>
+  </p:cSld>
+  <p:clrMapOvr>
+    <a:masterClrMapping/>
+  </p:clrMapOvr>
+</p:sld>
+</file>
+
+<file path=ppt/slides/slide21.xml><?xml version="1.0" encoding="utf-8"?>
+<p:sld xmlns:a="http://schemas.openxmlformats.org/drawingml/2006/main" xmlns:r="http://schemas.openxmlformats.org/officeDocument/2006/relationships" xmlns:p="http://schemas.openxmlformats.org/presentationml/2006/main">
+  <p:cSld>
+    <p:spTree>
+      <p:nvGrpSpPr>
+        <p:cNvPr id="1" name=""/>
+        <p:cNvGrpSpPr/>
+        <p:nvPr/>
+      </p:nvGrpSpPr>
+      <p:grpSpPr>
+        <a:xfrm>
+          <a:off x="0" y="0"/>
+          <a:ext cx="0" cy="0"/>
+          <a:chOff x="0" y="0"/>
+          <a:chExt cx="0" cy="0"/>
+        </a:xfrm>
+      </p:grpSpPr>
+      <p:sp>
+        <p:nvSpPr>
+          <p:cNvPr id="2" name="Title 1">
+            <a:extLst>
+              <a:ext uri="{FF2B5EF4-FFF2-40B4-BE49-F238E27FC236}">
+                <a16:creationId xmlns:a16="http://schemas.microsoft.com/office/drawing/2014/main" id="{6FB4A512-B213-43DC-9821-F20B93B22410}"/>
+              </a:ext>
+            </a:extLst>
+          </p:cNvPr>
+          <p:cNvSpPr>
+            <a:spLocks noGrp="1"/>
+          </p:cNvSpPr>
+          <p:nvPr>
+            <p:ph type="title"/>
+          </p:nvPr>
+        </p:nvSpPr>
+        <p:spPr/>
+        <p:txBody>
+          <a:bodyPr/>
+          <a:lstStyle/>
+          <a:p>
+            <a:endParaRPr lang="en-US"/>
+          </a:p>
+        </p:txBody>
+      </p:sp>
+      <p:sp>
+        <p:nvSpPr>
+          <p:cNvPr id="3" name="Content Placeholder 2">
+            <a:extLst>
+              <a:ext uri="{FF2B5EF4-FFF2-40B4-BE49-F238E27FC236}">
+                <a16:creationId xmlns:a16="http://schemas.microsoft.com/office/drawing/2014/main" id="{97F7C4DB-2FD5-47A6-A8C5-974A6147F09D}"/>
+              </a:ext>
+            </a:extLst>
+          </p:cNvPr>
+          <p:cNvSpPr>
+            <a:spLocks noGrp="1"/>
+          </p:cNvSpPr>
+          <p:nvPr>
+            <p:ph idx="1"/>
+          </p:nvPr>
+        </p:nvSpPr>
+        <p:spPr/>
+        <p:txBody>
+          <a:bodyPr/>
+          <a:lstStyle/>
+          <a:p>
+            <a:r>
+              <a:rPr lang="en-US" dirty="0"/>
+              <a:t>C# 8.0 expands this vocabulary so you can use more pattern expressions in more places in your code. </a:t>
+            </a:r>
+          </a:p>
+          <a:p>
+            <a:r>
+              <a:rPr lang="en-US" dirty="0"/>
+              <a:t>Adds Recursive Patterns</a:t>
+            </a:r>
+          </a:p>
+          <a:p>
+            <a:r>
+              <a:rPr lang="en-US" dirty="0"/>
+              <a:t>Consider these features when your data and functionality are separate. </a:t>
+            </a:r>
+          </a:p>
+          <a:p>
+            <a:r>
+              <a:rPr lang="en-US" dirty="0"/>
+              <a:t>Consider pattern matching when your algorithms depend on a fact other than the runtime type of an object. </a:t>
+            </a:r>
+          </a:p>
+          <a:p>
+            <a:r>
+              <a:rPr lang="en-US" dirty="0"/>
+              <a:t>These techniques provide another way to express designs</a:t>
+            </a:r>
+          </a:p>
+        </p:txBody>
+      </p:sp>
+      <p:sp>
+        <p:nvSpPr>
+          <p:cNvPr id="4" name="Footer Placeholder 3">
+            <a:extLst>
+              <a:ext uri="{FF2B5EF4-FFF2-40B4-BE49-F238E27FC236}">
+                <a16:creationId xmlns:a16="http://schemas.microsoft.com/office/drawing/2014/main" id="{98F5116D-2029-437A-9E0D-19CBFA05F515}"/>
+              </a:ext>
+            </a:extLst>
+          </p:cNvPr>
+          <p:cNvSpPr>
+            <a:spLocks noGrp="1"/>
+          </p:cNvSpPr>
+          <p:nvPr>
+            <p:ph type="ftr" sz="quarter" idx="11"/>
+          </p:nvPr>
+        </p:nvSpPr>
+        <p:spPr/>
+        <p:txBody>
+          <a:bodyPr/>
+          <a:lstStyle/>
+          <a:p>
+            <a:r>
+              <a:rPr lang="en-US"/>
+              <a:t>Copyright © 2013 - 2019 by Mark Reynolds</a:t>
+            </a:r>
+            <a:endParaRPr lang="en-US" dirty="0"/>
+          </a:p>
+        </p:txBody>
+      </p:sp>
+      <p:sp>
+        <p:nvSpPr>
+          <p:cNvPr id="5" name="Slide Number Placeholder 4">
+            <a:extLst>
+              <a:ext uri="{FF2B5EF4-FFF2-40B4-BE49-F238E27FC236}">
+                <a16:creationId xmlns:a16="http://schemas.microsoft.com/office/drawing/2014/main" id="{12623B5A-3F7B-4A55-8EEA-CAF8A86EA9EE}"/>
+              </a:ext>
+            </a:extLst>
+          </p:cNvPr>
+          <p:cNvSpPr>
+            <a:spLocks noGrp="1"/>
+          </p:cNvSpPr>
+          <p:nvPr>
+            <p:ph type="sldNum" sz="quarter" idx="12"/>
+          </p:nvPr>
+        </p:nvSpPr>
+        <p:spPr/>
+        <p:txBody>
+          <a:bodyPr/>
+          <a:lstStyle/>
+          <a:p>
+            <a:fld id="{6813DC8C-A616-47C4-99E2-1208BE02F915}" type="slidenum">
+              <a:rPr lang="en-US" smtClean="0"/>
+              <a:t>21</a:t>
+            </a:fld>
+            <a:endParaRPr lang="en-US"/>
+          </a:p>
+        </p:txBody>
+      </p:sp>
+    </p:spTree>
+    <p:extLst>
+      <p:ext uri="{BB962C8B-B14F-4D97-AF65-F5344CB8AC3E}">
+        <p14:creationId xmlns:p14="http://schemas.microsoft.com/office/powerpoint/2010/main" val="221471370"/>
+      </p:ext>
+    </p:extLst>
+  </p:cSld>
+  <p:clrMapOvr>
+    <a:masterClrMapping/>
+  </p:clrMapOvr>
+</p:sld>
+</file>
+
+<file path=ppt/slides/slide22.xml><?xml version="1.0" encoding="utf-8"?>
+<p:sld xmlns:a="http://schemas.openxmlformats.org/drawingml/2006/main" xmlns:r="http://schemas.openxmlformats.org/officeDocument/2006/relationships" xmlns:p="http://schemas.openxmlformats.org/presentationml/2006/main">
+  <p:cSld>
+    <p:spTree>
+      <p:nvGrpSpPr>
+        <p:cNvPr id="1" name=""/>
+        <p:cNvGrpSpPr/>
+        <p:nvPr/>
+      </p:nvGrpSpPr>
+      <p:grpSpPr>
+        <a:xfrm>
+          <a:off x="0" y="0"/>
+          <a:ext cx="0" cy="0"/>
+          <a:chOff x="0" y="0"/>
+          <a:chExt cx="0" cy="0"/>
+        </a:xfrm>
+      </p:grpSpPr>
+      <p:sp>
+        <p:nvSpPr>
+          <p:cNvPr id="2" name="Title 1">
+            <a:extLst>
+              <a:ext uri="{FF2B5EF4-FFF2-40B4-BE49-F238E27FC236}">
+                <a16:creationId xmlns:a16="http://schemas.microsoft.com/office/drawing/2014/main" id="{BD061149-F93E-41AB-925B-76E881EC143C}"/>
+              </a:ext>
+            </a:extLst>
+          </p:cNvPr>
+          <p:cNvSpPr>
+            <a:spLocks noGrp="1"/>
+          </p:cNvSpPr>
+          <p:nvPr>
+            <p:ph type="title"/>
+          </p:nvPr>
+        </p:nvSpPr>
+        <p:spPr/>
+        <p:txBody>
+          <a:bodyPr/>
+          <a:lstStyle/>
+          <a:p>
+            <a:r>
+              <a:rPr lang="en-US" dirty="0"/>
+              <a:t>Classic Switch</a:t>
+            </a:r>
+          </a:p>
+        </p:txBody>
+      </p:sp>
+      <p:pic>
+        <p:nvPicPr>
+          <p:cNvPr id="6" name="Content Placeholder 5">
+            <a:extLst>
+              <a:ext uri="{FF2B5EF4-FFF2-40B4-BE49-F238E27FC236}">
+                <a16:creationId xmlns:a16="http://schemas.microsoft.com/office/drawing/2014/main" id="{C56835E1-51DA-4E7E-A9C5-3AF50208405A}"/>
+              </a:ext>
+            </a:extLst>
+          </p:cNvPr>
+          <p:cNvPicPr>
+            <a:picLocks noGrp="1" noChangeAspect="1"/>
+          </p:cNvPicPr>
+          <p:nvPr>
+            <p:ph idx="1"/>
+          </p:nvPr>
+        </p:nvPicPr>
+        <p:blipFill>
+          <a:blip r:embed="rId2"/>
+          <a:stretch>
+            <a:fillRect/>
+          </a:stretch>
+        </p:blipFill>
+        <p:spPr>
+          <a:xfrm>
+            <a:off x="2767672" y="1371600"/>
+            <a:ext cx="6663005" cy="5029200"/>
+          </a:xfrm>
+          <a:prstGeom prst="rect">
+            <a:avLst/>
+          </a:prstGeom>
+        </p:spPr>
+      </p:pic>
+      <p:sp>
+        <p:nvSpPr>
+          <p:cNvPr id="4" name="Footer Placeholder 3">
+            <a:extLst>
+              <a:ext uri="{FF2B5EF4-FFF2-40B4-BE49-F238E27FC236}">
+                <a16:creationId xmlns:a16="http://schemas.microsoft.com/office/drawing/2014/main" id="{B4E1EE5E-B244-4258-9E16-2486D29799A9}"/>
+              </a:ext>
+            </a:extLst>
+          </p:cNvPr>
+          <p:cNvSpPr>
+            <a:spLocks noGrp="1"/>
+          </p:cNvSpPr>
+          <p:nvPr>
+            <p:ph type="ftr" sz="quarter" idx="11"/>
+          </p:nvPr>
+        </p:nvSpPr>
+        <p:spPr/>
+        <p:txBody>
+          <a:bodyPr/>
+          <a:lstStyle/>
+          <a:p>
+            <a:r>
+              <a:rPr lang="en-US"/>
+              <a:t>Copyright © 2013 - 2019 by Mark Reynolds</a:t>
+            </a:r>
+            <a:endParaRPr lang="en-US" dirty="0"/>
+          </a:p>
+        </p:txBody>
+      </p:sp>
+      <p:sp>
+        <p:nvSpPr>
+          <p:cNvPr id="5" name="Slide Number Placeholder 4">
+            <a:extLst>
+              <a:ext uri="{FF2B5EF4-FFF2-40B4-BE49-F238E27FC236}">
+                <a16:creationId xmlns:a16="http://schemas.microsoft.com/office/drawing/2014/main" id="{D5D73167-770C-4813-88E8-7001956433C2}"/>
+              </a:ext>
+            </a:extLst>
+          </p:cNvPr>
+          <p:cNvSpPr>
+            <a:spLocks noGrp="1"/>
+          </p:cNvSpPr>
+          <p:nvPr>
+            <p:ph type="sldNum" sz="quarter" idx="12"/>
+          </p:nvPr>
+        </p:nvSpPr>
+        <p:spPr/>
+        <p:txBody>
+          <a:bodyPr/>
+          <a:lstStyle/>
+          <a:p>
+            <a:fld id="{6813DC8C-A616-47C4-99E2-1208BE02F915}" type="slidenum">
+              <a:rPr lang="en-US" smtClean="0"/>
+              <a:t>22</a:t>
+            </a:fld>
+            <a:endParaRPr lang="en-US"/>
+          </a:p>
+        </p:txBody>
+      </p:sp>
+    </p:spTree>
+    <p:extLst>
+      <p:ext uri="{BB962C8B-B14F-4D97-AF65-F5344CB8AC3E}">
+        <p14:creationId xmlns:p14="http://schemas.microsoft.com/office/powerpoint/2010/main" val="18211656"/>
+      </p:ext>
+    </p:extLst>
+  </p:cSld>
+  <p:clrMapOvr>
+    <a:masterClrMapping/>
+  </p:clrMapOvr>
+</p:sld>
+</file>
+
+<file path=ppt/slides/slide23.xml><?xml version="1.0" encoding="utf-8"?>
+<p:sld xmlns:a="http://schemas.openxmlformats.org/drawingml/2006/main" xmlns:r="http://schemas.openxmlformats.org/officeDocument/2006/relationships" xmlns:p="http://schemas.openxmlformats.org/presentationml/2006/main">
+  <p:cSld>
+    <p:spTree>
+      <p:nvGrpSpPr>
+        <p:cNvPr id="1" name=""/>
+        <p:cNvGrpSpPr/>
+        <p:nvPr/>
+      </p:nvGrpSpPr>
+      <p:grpSpPr>
+        <a:xfrm>
+          <a:off x="0" y="0"/>
+          <a:ext cx="0" cy="0"/>
+          <a:chOff x="0" y="0"/>
+          <a:chExt cx="0" cy="0"/>
+        </a:xfrm>
+      </p:grpSpPr>
+      <p:sp>
+        <p:nvSpPr>
+          <p:cNvPr id="2" name="Title 1">
+            <a:extLst>
+              <a:ext uri="{FF2B5EF4-FFF2-40B4-BE49-F238E27FC236}">
+                <a16:creationId xmlns:a16="http://schemas.microsoft.com/office/drawing/2014/main" id="{E8BB9255-B3C6-421F-9B60-AD1853D9D55B}"/>
+              </a:ext>
+            </a:extLst>
+          </p:cNvPr>
+          <p:cNvSpPr>
+            <a:spLocks noGrp="1"/>
+          </p:cNvSpPr>
+          <p:nvPr>
+            <p:ph type="title"/>
+          </p:nvPr>
+        </p:nvSpPr>
+        <p:spPr/>
+        <p:txBody>
+          <a:bodyPr/>
+          <a:lstStyle/>
+          <a:p>
+            <a:r>
+              <a:rPr lang="en-US" dirty="0"/>
+              <a:t>New Switch</a:t>
+            </a:r>
+          </a:p>
+        </p:txBody>
+      </p:sp>
+      <p:sp>
+        <p:nvSpPr>
+          <p:cNvPr id="4" name="Footer Placeholder 3">
+            <a:extLst>
+              <a:ext uri="{FF2B5EF4-FFF2-40B4-BE49-F238E27FC236}">
+                <a16:creationId xmlns:a16="http://schemas.microsoft.com/office/drawing/2014/main" id="{A9975A6D-ACB9-42E3-82F3-CF9248EA4953}"/>
+              </a:ext>
+            </a:extLst>
+          </p:cNvPr>
+          <p:cNvSpPr>
+            <a:spLocks noGrp="1"/>
+          </p:cNvSpPr>
+          <p:nvPr>
+            <p:ph type="ftr" sz="quarter" idx="11"/>
+          </p:nvPr>
+        </p:nvSpPr>
+        <p:spPr/>
+        <p:txBody>
+          <a:bodyPr/>
+          <a:lstStyle/>
+          <a:p>
+            <a:r>
+              <a:rPr lang="en-US"/>
+              <a:t>Copyright © 2013 - 2019 by Mark Reynolds</a:t>
+            </a:r>
+            <a:endParaRPr lang="en-US" dirty="0"/>
+          </a:p>
+        </p:txBody>
+      </p:sp>
+      <p:sp>
+        <p:nvSpPr>
+          <p:cNvPr id="5" name="Slide Number Placeholder 4">
+            <a:extLst>
+              <a:ext uri="{FF2B5EF4-FFF2-40B4-BE49-F238E27FC236}">
+                <a16:creationId xmlns:a16="http://schemas.microsoft.com/office/drawing/2014/main" id="{2EFE1969-FBFC-4CC2-A6FA-50FA39B582C1}"/>
+              </a:ext>
+            </a:extLst>
+          </p:cNvPr>
+          <p:cNvSpPr>
+            <a:spLocks noGrp="1"/>
+          </p:cNvSpPr>
+          <p:nvPr>
+            <p:ph type="sldNum" sz="quarter" idx="12"/>
+          </p:nvPr>
+        </p:nvSpPr>
+        <p:spPr/>
+        <p:txBody>
+          <a:bodyPr/>
+          <a:lstStyle/>
+          <a:p>
+            <a:fld id="{6813DC8C-A616-47C4-99E2-1208BE02F915}" type="slidenum">
+              <a:rPr lang="en-US" smtClean="0"/>
+              <a:t>23</a:t>
+            </a:fld>
+            <a:endParaRPr lang="en-US"/>
+          </a:p>
+        </p:txBody>
+      </p:sp>
+      <p:sp>
+        <p:nvSpPr>
+          <p:cNvPr id="8" name="Content Placeholder 7">
+            <a:extLst>
+              <a:ext uri="{FF2B5EF4-FFF2-40B4-BE49-F238E27FC236}">
+                <a16:creationId xmlns:a16="http://schemas.microsoft.com/office/drawing/2014/main" id="{86485DA6-3964-456D-A73D-87BCC482F7E5}"/>
+              </a:ext>
+            </a:extLst>
+          </p:cNvPr>
+          <p:cNvSpPr>
+            <a:spLocks noGrp="1"/>
+          </p:cNvSpPr>
+          <p:nvPr>
+            <p:ph idx="1"/>
+          </p:nvPr>
+        </p:nvSpPr>
+        <p:spPr/>
+        <p:txBody>
+          <a:bodyPr/>
+          <a:lstStyle/>
+          <a:p>
+            <a:endParaRPr lang="en-US"/>
+          </a:p>
+        </p:txBody>
+      </p:sp>
+      <p:pic>
+        <p:nvPicPr>
+          <p:cNvPr id="9" name="Picture 8">
+            <a:extLst>
+              <a:ext uri="{FF2B5EF4-FFF2-40B4-BE49-F238E27FC236}">
+                <a16:creationId xmlns:a16="http://schemas.microsoft.com/office/drawing/2014/main" id="{B1DA0C4A-2DE4-4280-9AF4-505B62506F27}"/>
+              </a:ext>
+            </a:extLst>
+          </p:cNvPr>
+          <p:cNvPicPr>
+            <a:picLocks noChangeAspect="1"/>
+          </p:cNvPicPr>
+          <p:nvPr/>
+        </p:nvPicPr>
+        <p:blipFill>
+          <a:blip r:embed="rId2"/>
+          <a:stretch>
+            <a:fillRect/>
+          </a:stretch>
+        </p:blipFill>
+        <p:spPr>
+          <a:xfrm>
+            <a:off x="2515047" y="1848047"/>
+            <a:ext cx="7161905" cy="3161905"/>
+          </a:xfrm>
+          <a:prstGeom prst="rect">
+            <a:avLst/>
+          </a:prstGeom>
+        </p:spPr>
+      </p:pic>
+    </p:spTree>
+    <p:extLst>
+      <p:ext uri="{BB962C8B-B14F-4D97-AF65-F5344CB8AC3E}">
+        <p14:creationId xmlns:p14="http://schemas.microsoft.com/office/powerpoint/2010/main" val="3648156814"/>
+      </p:ext>
+    </p:extLst>
+  </p:cSld>
+  <p:clrMapOvr>
+    <a:masterClrMapping/>
+  </p:clrMapOvr>
+</p:sld>
+</file>
+
+<file path=ppt/slides/slide24.xml><?xml version="1.0" encoding="utf-8"?>
+<p:sld xmlns:a="http://schemas.openxmlformats.org/drawingml/2006/main" xmlns:r="http://schemas.openxmlformats.org/officeDocument/2006/relationships" xmlns:p="http://schemas.openxmlformats.org/presentationml/2006/main">
+  <p:cSld>
+    <p:spTree>
+      <p:nvGrpSpPr>
+        <p:cNvPr id="1" name=""/>
+        <p:cNvGrpSpPr/>
+        <p:nvPr/>
+      </p:nvGrpSpPr>
+      <p:grpSpPr>
+        <a:xfrm>
+          <a:off x="0" y="0"/>
+          <a:ext cx="0" cy="0"/>
+          <a:chOff x="0" y="0"/>
+          <a:chExt cx="0" cy="0"/>
+        </a:xfrm>
+      </p:grpSpPr>
+      <p:sp>
+        <p:nvSpPr>
+          <p:cNvPr id="2" name="Title 1">
+            <a:extLst>
+              <a:ext uri="{FF2B5EF4-FFF2-40B4-BE49-F238E27FC236}">
+                <a16:creationId xmlns:a16="http://schemas.microsoft.com/office/drawing/2014/main" id="{9DE98CE0-F11C-4249-BE3E-48D5B8EDCB91}"/>
+              </a:ext>
+            </a:extLst>
+          </p:cNvPr>
+          <p:cNvSpPr>
+            <a:spLocks noGrp="1"/>
+          </p:cNvSpPr>
+          <p:nvPr>
+            <p:ph type="title"/>
+          </p:nvPr>
+        </p:nvSpPr>
+        <p:spPr/>
+        <p:txBody>
+          <a:bodyPr/>
+          <a:lstStyle/>
+          <a:p>
+            <a:endParaRPr lang="en-US"/>
+          </a:p>
+        </p:txBody>
+      </p:sp>
+      <p:sp>
+        <p:nvSpPr>
+          <p:cNvPr id="3" name="Content Placeholder 2">
+            <a:extLst>
+              <a:ext uri="{FF2B5EF4-FFF2-40B4-BE49-F238E27FC236}">
+                <a16:creationId xmlns:a16="http://schemas.microsoft.com/office/drawing/2014/main" id="{62723307-8452-4EB7-818E-3CB44698DE00}"/>
+              </a:ext>
+            </a:extLst>
+          </p:cNvPr>
+          <p:cNvSpPr>
+            <a:spLocks noGrp="1"/>
+          </p:cNvSpPr>
+          <p:nvPr>
+            <p:ph idx="1"/>
+          </p:nvPr>
+        </p:nvSpPr>
+        <p:spPr/>
+        <p:txBody>
+          <a:bodyPr/>
+          <a:lstStyle/>
+          <a:p>
+            <a:r>
+              <a:rPr lang="en-US" dirty="0"/>
+              <a:t>The variable comes before the </a:t>
+            </a:r>
+            <a:r>
+              <a:rPr lang="en-US" b="1" dirty="0"/>
+              <a:t>switch</a:t>
+            </a:r>
+            <a:r>
+              <a:rPr lang="en-US" dirty="0"/>
+              <a:t> keyword. The different order makes it visually easy to distinguish the switch expression from the switch statement.</a:t>
+            </a:r>
+          </a:p>
+          <a:p>
+            <a:r>
+              <a:rPr lang="en-US" dirty="0"/>
+              <a:t>The </a:t>
+            </a:r>
+            <a:r>
+              <a:rPr lang="en-US" b="1" dirty="0"/>
+              <a:t>case </a:t>
+            </a:r>
+            <a:r>
+              <a:rPr lang="en-US" dirty="0"/>
+              <a:t>and </a:t>
+            </a:r>
+            <a:r>
+              <a:rPr lang="en-US" b="1" dirty="0"/>
+              <a:t>: </a:t>
+            </a:r>
+            <a:r>
+              <a:rPr lang="en-US" dirty="0"/>
+              <a:t>elements are replaced with </a:t>
+            </a:r>
+            <a:r>
+              <a:rPr lang="en-US" b="1" dirty="0"/>
+              <a:t>=&gt;</a:t>
+            </a:r>
+            <a:r>
+              <a:rPr lang="en-US" dirty="0"/>
+              <a:t>. It's more concise and intuitive.</a:t>
+            </a:r>
+          </a:p>
+          <a:p>
+            <a:r>
+              <a:rPr lang="en-US" dirty="0"/>
+              <a:t>The </a:t>
+            </a:r>
+            <a:r>
+              <a:rPr lang="en-US" b="1" dirty="0"/>
+              <a:t>default</a:t>
+            </a:r>
+            <a:r>
+              <a:rPr lang="en-US" dirty="0"/>
+              <a:t> case is replaced with a </a:t>
+            </a:r>
+            <a:r>
+              <a:rPr lang="en-US" b="1" dirty="0"/>
+              <a:t>_</a:t>
+            </a:r>
+            <a:r>
+              <a:rPr lang="en-US" dirty="0"/>
+              <a:t> discard.</a:t>
+            </a:r>
+          </a:p>
+          <a:p>
+            <a:r>
+              <a:rPr lang="en-US" dirty="0"/>
+              <a:t>The bodies are expressions, not statements.</a:t>
+            </a:r>
+          </a:p>
+        </p:txBody>
+      </p:sp>
+      <p:sp>
+        <p:nvSpPr>
+          <p:cNvPr id="4" name="Footer Placeholder 3">
+            <a:extLst>
+              <a:ext uri="{FF2B5EF4-FFF2-40B4-BE49-F238E27FC236}">
+                <a16:creationId xmlns:a16="http://schemas.microsoft.com/office/drawing/2014/main" id="{53BB6432-F69F-4ACE-8AD3-BDF5B614E1E3}"/>
+              </a:ext>
+            </a:extLst>
+          </p:cNvPr>
+          <p:cNvSpPr>
+            <a:spLocks noGrp="1"/>
+          </p:cNvSpPr>
+          <p:nvPr>
+            <p:ph type="ftr" sz="quarter" idx="11"/>
+          </p:nvPr>
+        </p:nvSpPr>
+        <p:spPr/>
+        <p:txBody>
+          <a:bodyPr/>
+          <a:lstStyle/>
+          <a:p>
+            <a:r>
+              <a:rPr lang="en-US"/>
+              <a:t>Copyright © 2013 - 2019 by Mark Reynolds</a:t>
+            </a:r>
+            <a:endParaRPr lang="en-US" dirty="0"/>
+          </a:p>
+        </p:txBody>
+      </p:sp>
+      <p:sp>
+        <p:nvSpPr>
+          <p:cNvPr id="5" name="Slide Number Placeholder 4">
+            <a:extLst>
+              <a:ext uri="{FF2B5EF4-FFF2-40B4-BE49-F238E27FC236}">
+                <a16:creationId xmlns:a16="http://schemas.microsoft.com/office/drawing/2014/main" id="{03A6DCA0-514E-4532-BA54-AD817932E6EC}"/>
+              </a:ext>
+            </a:extLst>
+          </p:cNvPr>
+          <p:cNvSpPr>
+            <a:spLocks noGrp="1"/>
+          </p:cNvSpPr>
+          <p:nvPr>
+            <p:ph type="sldNum" sz="quarter" idx="12"/>
+          </p:nvPr>
+        </p:nvSpPr>
+        <p:spPr/>
+        <p:txBody>
+          <a:bodyPr/>
+          <a:lstStyle/>
+          <a:p>
+            <a:fld id="{6813DC8C-A616-47C4-99E2-1208BE02F915}" type="slidenum">
+              <a:rPr lang="en-US" smtClean="0"/>
+              <a:t>24</a:t>
+            </a:fld>
+            <a:endParaRPr lang="en-US"/>
+          </a:p>
+        </p:txBody>
+      </p:sp>
+    </p:spTree>
+    <p:extLst>
+      <p:ext uri="{BB962C8B-B14F-4D97-AF65-F5344CB8AC3E}">
+        <p14:creationId xmlns:p14="http://schemas.microsoft.com/office/powerpoint/2010/main" val="291439856"/>
+      </p:ext>
+    </p:extLst>
+  </p:cSld>
+  <p:clrMapOvr>
+    <a:masterClrMapping/>
+  </p:clrMapOvr>
+</p:sld>
+</file>
+
+<file path=ppt/slides/slide25.xml><?xml version="1.0" encoding="utf-8"?>
+<p:sld xmlns:a="http://schemas.openxmlformats.org/drawingml/2006/main" xmlns:r="http://schemas.openxmlformats.org/officeDocument/2006/relationships" xmlns:p="http://schemas.openxmlformats.org/presentationml/2006/main">
+  <p:cSld>
+    <p:spTree>
+      <p:nvGrpSpPr>
+        <p:cNvPr id="1" name=""/>
+        <p:cNvGrpSpPr/>
+        <p:nvPr/>
+      </p:nvGrpSpPr>
+      <p:grpSpPr>
+        <a:xfrm>
+          <a:off x="0" y="0"/>
+          <a:ext cx="0" cy="0"/>
+          <a:chOff x="0" y="0"/>
+          <a:chExt cx="0" cy="0"/>
+        </a:xfrm>
+      </p:grpSpPr>
+      <p:sp>
+        <p:nvSpPr>
+          <p:cNvPr id="2" name="Title 1">
+            <a:extLst>
+              <a:ext uri="{FF2B5EF4-FFF2-40B4-BE49-F238E27FC236}">
+                <a16:creationId xmlns:a16="http://schemas.microsoft.com/office/drawing/2014/main" id="{834CF541-D42A-49BF-8A39-5E8DC7BBC7AC}"/>
+              </a:ext>
+            </a:extLst>
+          </p:cNvPr>
+          <p:cNvSpPr>
+            <a:spLocks noGrp="1"/>
+          </p:cNvSpPr>
+          <p:nvPr>
+            <p:ph type="title"/>
+          </p:nvPr>
+        </p:nvSpPr>
+        <p:spPr/>
+        <p:txBody>
+          <a:bodyPr/>
+          <a:lstStyle/>
+          <a:p>
+            <a:r>
+              <a:rPr lang="en-US" dirty="0"/>
+              <a:t>Property Patterns</a:t>
+            </a:r>
+          </a:p>
+        </p:txBody>
+      </p:sp>
+      <p:pic>
+        <p:nvPicPr>
+          <p:cNvPr id="6" name="Content Placeholder 5">
+            <a:extLst>
+              <a:ext uri="{FF2B5EF4-FFF2-40B4-BE49-F238E27FC236}">
+                <a16:creationId xmlns:a16="http://schemas.microsoft.com/office/drawing/2014/main" id="{D0DC4100-E9F3-4F3C-9F59-AEB4C23A0C28}"/>
+              </a:ext>
+            </a:extLst>
+          </p:cNvPr>
+          <p:cNvPicPr>
+            <a:picLocks noGrp="1" noChangeAspect="1"/>
+          </p:cNvPicPr>
+          <p:nvPr>
+            <p:ph idx="1"/>
+          </p:nvPr>
+        </p:nvPicPr>
+        <p:blipFill>
+          <a:blip r:embed="rId2"/>
+          <a:stretch>
+            <a:fillRect/>
+          </a:stretch>
+        </p:blipFill>
+        <p:spPr>
+          <a:xfrm>
+            <a:off x="2851619" y="1492625"/>
+            <a:ext cx="6485714" cy="1866667"/>
+          </a:xfrm>
+          <a:prstGeom prst="rect">
+            <a:avLst/>
+          </a:prstGeom>
+        </p:spPr>
+      </p:pic>
+      <p:sp>
+        <p:nvSpPr>
+          <p:cNvPr id="4" name="Footer Placeholder 3">
+            <a:extLst>
+              <a:ext uri="{FF2B5EF4-FFF2-40B4-BE49-F238E27FC236}">
+                <a16:creationId xmlns:a16="http://schemas.microsoft.com/office/drawing/2014/main" id="{3ECA5809-A105-40BB-98B7-DB33CAC0CE57}"/>
+              </a:ext>
+            </a:extLst>
+          </p:cNvPr>
+          <p:cNvSpPr>
+            <a:spLocks noGrp="1"/>
+          </p:cNvSpPr>
+          <p:nvPr>
+            <p:ph type="ftr" sz="quarter" idx="11"/>
+          </p:nvPr>
+        </p:nvSpPr>
+        <p:spPr/>
+        <p:txBody>
+          <a:bodyPr/>
+          <a:lstStyle/>
+          <a:p>
+            <a:r>
+              <a:rPr lang="en-US"/>
+              <a:t>Copyright © 2013 - 2019 by Mark Reynolds</a:t>
+            </a:r>
+            <a:endParaRPr lang="en-US" dirty="0"/>
+          </a:p>
+        </p:txBody>
+      </p:sp>
+      <p:sp>
+        <p:nvSpPr>
+          <p:cNvPr id="5" name="Slide Number Placeholder 4">
+            <a:extLst>
+              <a:ext uri="{FF2B5EF4-FFF2-40B4-BE49-F238E27FC236}">
+                <a16:creationId xmlns:a16="http://schemas.microsoft.com/office/drawing/2014/main" id="{9F0CDC88-2FCB-49DF-ADD9-26FDA65A016F}"/>
+              </a:ext>
+            </a:extLst>
+          </p:cNvPr>
+          <p:cNvSpPr>
+            <a:spLocks noGrp="1"/>
+          </p:cNvSpPr>
+          <p:nvPr>
+            <p:ph type="sldNum" sz="quarter" idx="12"/>
+          </p:nvPr>
+        </p:nvSpPr>
+        <p:spPr/>
+        <p:txBody>
+          <a:bodyPr/>
+          <a:lstStyle/>
+          <a:p>
+            <a:fld id="{6813DC8C-A616-47C4-99E2-1208BE02F915}" type="slidenum">
+              <a:rPr lang="en-US" smtClean="0"/>
+              <a:t>25</a:t>
+            </a:fld>
+            <a:endParaRPr lang="en-US"/>
+          </a:p>
+        </p:txBody>
+      </p:sp>
+      <p:sp>
+        <p:nvSpPr>
+          <p:cNvPr id="7" name="TextBox 6">
+            <a:extLst>
+              <a:ext uri="{FF2B5EF4-FFF2-40B4-BE49-F238E27FC236}">
+                <a16:creationId xmlns:a16="http://schemas.microsoft.com/office/drawing/2014/main" id="{D003B1DB-9A52-4825-9C28-5722471D4EA5}"/>
+              </a:ext>
+            </a:extLst>
+          </p:cNvPr>
+          <p:cNvSpPr txBox="1"/>
+          <p:nvPr/>
+        </p:nvSpPr>
+        <p:spPr>
+          <a:xfrm>
+            <a:off x="1429170" y="3546086"/>
+            <a:ext cx="9330612" cy="369332"/>
+          </a:xfrm>
+          <a:prstGeom prst="rect">
+            <a:avLst/>
+          </a:prstGeom>
+          <a:noFill/>
+        </p:spPr>
+        <p:txBody>
+          <a:bodyPr wrap="square" rtlCol="0">
+            <a:spAutoFit/>
+          </a:bodyPr>
+          <a:lstStyle/>
+          <a:p>
+            <a:pPr algn="ctr"/>
+            <a:r>
+              <a:rPr lang="en-US" dirty="0"/>
+              <a:t>The </a:t>
+            </a:r>
+            <a:r>
+              <a:rPr lang="en-US" b="1" dirty="0"/>
+              <a:t>property pattern</a:t>
+            </a:r>
+            <a:r>
+              <a:rPr lang="en-US" dirty="0"/>
+              <a:t> enables you to match on properties of the object examined.</a:t>
+            </a:r>
+          </a:p>
+        </p:txBody>
+      </p:sp>
+      <p:cxnSp>
+        <p:nvCxnSpPr>
+          <p:cNvPr id="9" name="Straight Arrow Connector 8">
+            <a:extLst>
+              <a:ext uri="{FF2B5EF4-FFF2-40B4-BE49-F238E27FC236}">
+                <a16:creationId xmlns:a16="http://schemas.microsoft.com/office/drawing/2014/main" id="{69BB2E0B-40E1-4918-912A-50D8F01BEA11}"/>
+              </a:ext>
+            </a:extLst>
+          </p:cNvPr>
+          <p:cNvCxnSpPr/>
+          <p:nvPr/>
+        </p:nvCxnSpPr>
+        <p:spPr>
+          <a:xfrm flipH="1" flipV="1">
+            <a:off x="6531429" y="1856792"/>
+            <a:ext cx="849085" cy="569167"/>
+          </a:xfrm>
+          <a:prstGeom prst="straightConnector1">
+            <a:avLst/>
+          </a:prstGeom>
+          <a:ln>
+            <a:tailEnd type="triangle"/>
+          </a:ln>
+        </p:spPr>
+        <p:style>
+          <a:lnRef idx="1">
+            <a:schemeClr val="accent1"/>
+          </a:lnRef>
+          <a:fillRef idx="0">
+            <a:schemeClr val="accent1"/>
+          </a:fillRef>
+          <a:effectRef idx="0">
+            <a:schemeClr val="accent1"/>
+          </a:effectRef>
+          <a:fontRef idx="minor">
+            <a:schemeClr val="tx1"/>
+          </a:fontRef>
+        </p:style>
+      </p:cxnSp>
+      <p:cxnSp>
+        <p:nvCxnSpPr>
+          <p:cNvPr id="11" name="Straight Arrow Connector 10">
+            <a:extLst>
+              <a:ext uri="{FF2B5EF4-FFF2-40B4-BE49-F238E27FC236}">
+                <a16:creationId xmlns:a16="http://schemas.microsoft.com/office/drawing/2014/main" id="{04110E18-603C-4221-8957-8157C018DFE1}"/>
+              </a:ext>
+            </a:extLst>
+          </p:cNvPr>
+          <p:cNvCxnSpPr/>
+          <p:nvPr/>
+        </p:nvCxnSpPr>
+        <p:spPr>
+          <a:xfrm flipV="1">
+            <a:off x="3088433" y="2304661"/>
+            <a:ext cx="559836" cy="492757"/>
+          </a:xfrm>
+          <a:prstGeom prst="straightConnector1">
+            <a:avLst/>
+          </a:prstGeom>
+          <a:ln>
+            <a:tailEnd type="triangle"/>
+          </a:ln>
+        </p:spPr>
+        <p:style>
+          <a:lnRef idx="1">
+            <a:schemeClr val="accent1"/>
+          </a:lnRef>
+          <a:fillRef idx="0">
+            <a:schemeClr val="accent1"/>
+          </a:fillRef>
+          <a:effectRef idx="0">
+            <a:schemeClr val="accent1"/>
+          </a:effectRef>
+          <a:fontRef idx="minor">
+            <a:schemeClr val="tx1"/>
+          </a:fontRef>
+        </p:style>
+      </p:cxnSp>
+    </p:spTree>
+    <p:extLst>
+      <p:ext uri="{BB962C8B-B14F-4D97-AF65-F5344CB8AC3E}">
+        <p14:creationId xmlns:p14="http://schemas.microsoft.com/office/powerpoint/2010/main" val="1382393481"/>
+      </p:ext>
+    </p:extLst>
+  </p:cSld>
+  <p:clrMapOvr>
+    <a:masterClrMapping/>
+  </p:clrMapOvr>
+</p:sld>
+</file>
+
+<file path=ppt/slides/slide26.xml><?xml version="1.0" encoding="utf-8"?>
+<p:sld xmlns:a="http://schemas.openxmlformats.org/drawingml/2006/main" xmlns:r="http://schemas.openxmlformats.org/officeDocument/2006/relationships" xmlns:p="http://schemas.openxmlformats.org/presentationml/2006/main">
+  <p:cSld>
+    <p:spTree>
+      <p:nvGrpSpPr>
+        <p:cNvPr id="1" name=""/>
+        <p:cNvGrpSpPr/>
+        <p:nvPr/>
+      </p:nvGrpSpPr>
+      <p:grpSpPr>
+        <a:xfrm>
+          <a:off x="0" y="0"/>
+          <a:ext cx="0" cy="0"/>
+          <a:chOff x="0" y="0"/>
+          <a:chExt cx="0" cy="0"/>
+        </a:xfrm>
+      </p:grpSpPr>
+      <p:sp>
+        <p:nvSpPr>
+          <p:cNvPr id="2" name="Title 1">
+            <a:extLst>
+              <a:ext uri="{FF2B5EF4-FFF2-40B4-BE49-F238E27FC236}">
+                <a16:creationId xmlns:a16="http://schemas.microsoft.com/office/drawing/2014/main" id="{C6B53F57-4B6F-408E-93AE-7C454B57C552}"/>
+              </a:ext>
+            </a:extLst>
+          </p:cNvPr>
+          <p:cNvSpPr>
+            <a:spLocks noGrp="1"/>
+          </p:cNvSpPr>
+          <p:nvPr>
+            <p:ph type="title"/>
+          </p:nvPr>
+        </p:nvSpPr>
+        <p:spPr/>
+        <p:txBody>
+          <a:bodyPr/>
+          <a:lstStyle/>
+          <a:p>
+            <a:r>
+              <a:rPr lang="en-US" dirty="0"/>
+              <a:t>Tuple Patterns</a:t>
+            </a:r>
+          </a:p>
+        </p:txBody>
+      </p:sp>
+      <p:pic>
+        <p:nvPicPr>
+          <p:cNvPr id="6" name="Content Placeholder 5">
+            <a:extLst>
+              <a:ext uri="{FF2B5EF4-FFF2-40B4-BE49-F238E27FC236}">
+                <a16:creationId xmlns:a16="http://schemas.microsoft.com/office/drawing/2014/main" id="{08AB14C8-00D7-4097-9D3E-4410137AC053}"/>
+              </a:ext>
+            </a:extLst>
+          </p:cNvPr>
+          <p:cNvPicPr>
+            <a:picLocks noGrp="1" noChangeAspect="1"/>
+          </p:cNvPicPr>
+          <p:nvPr>
+            <p:ph idx="1"/>
+          </p:nvPr>
+        </p:nvPicPr>
+        <p:blipFill>
+          <a:blip r:embed="rId2"/>
+          <a:stretch>
+            <a:fillRect/>
+          </a:stretch>
+        </p:blipFill>
+        <p:spPr>
+          <a:xfrm>
+            <a:off x="2294413" y="2510009"/>
+            <a:ext cx="7609524" cy="2752381"/>
+          </a:xfrm>
+          <a:prstGeom prst="rect">
+            <a:avLst/>
+          </a:prstGeom>
+        </p:spPr>
+      </p:pic>
+      <p:sp>
+        <p:nvSpPr>
+          <p:cNvPr id="4" name="Footer Placeholder 3">
+            <a:extLst>
+              <a:ext uri="{FF2B5EF4-FFF2-40B4-BE49-F238E27FC236}">
+                <a16:creationId xmlns:a16="http://schemas.microsoft.com/office/drawing/2014/main" id="{649430E6-59BA-4FC4-ADF1-69B75F0E8F9C}"/>
+              </a:ext>
+            </a:extLst>
+          </p:cNvPr>
+          <p:cNvSpPr>
+            <a:spLocks noGrp="1"/>
+          </p:cNvSpPr>
+          <p:nvPr>
+            <p:ph type="ftr" sz="quarter" idx="11"/>
+          </p:nvPr>
+        </p:nvSpPr>
+        <p:spPr/>
+        <p:txBody>
+          <a:bodyPr/>
+          <a:lstStyle/>
+          <a:p>
+            <a:r>
+              <a:rPr lang="en-US"/>
+              <a:t>Copyright © 2013 - 2019 by Mark Reynolds</a:t>
+            </a:r>
+            <a:endParaRPr lang="en-US" dirty="0"/>
+          </a:p>
+        </p:txBody>
+      </p:sp>
+      <p:sp>
+        <p:nvSpPr>
+          <p:cNvPr id="5" name="Slide Number Placeholder 4">
+            <a:extLst>
+              <a:ext uri="{FF2B5EF4-FFF2-40B4-BE49-F238E27FC236}">
+                <a16:creationId xmlns:a16="http://schemas.microsoft.com/office/drawing/2014/main" id="{A8D4E911-6CE5-4490-97A3-F9C2CE895467}"/>
+              </a:ext>
+            </a:extLst>
+          </p:cNvPr>
+          <p:cNvSpPr>
+            <a:spLocks noGrp="1"/>
+          </p:cNvSpPr>
+          <p:nvPr>
+            <p:ph type="sldNum" sz="quarter" idx="12"/>
+          </p:nvPr>
+        </p:nvSpPr>
+        <p:spPr/>
+        <p:txBody>
+          <a:bodyPr/>
+          <a:lstStyle/>
+          <a:p>
+            <a:fld id="{6813DC8C-A616-47C4-99E2-1208BE02F915}" type="slidenum">
+              <a:rPr lang="en-US" smtClean="0"/>
+              <a:t>26</a:t>
+            </a:fld>
+            <a:endParaRPr lang="en-US"/>
+          </a:p>
+        </p:txBody>
+      </p:sp>
+    </p:spTree>
+    <p:extLst>
+      <p:ext uri="{BB962C8B-B14F-4D97-AF65-F5344CB8AC3E}">
+        <p14:creationId xmlns:p14="http://schemas.microsoft.com/office/powerpoint/2010/main" val="2155770974"/>
+      </p:ext>
+    </p:extLst>
+  </p:cSld>
+  <p:clrMapOvr>
+    <a:masterClrMapping/>
+  </p:clrMapOvr>
+</p:sld>
+</file>
+
+<file path=ppt/slides/slide27.xml><?xml version="1.0" encoding="utf-8"?>
+<p:sld xmlns:a="http://schemas.openxmlformats.org/drawingml/2006/main" xmlns:r="http://schemas.openxmlformats.org/officeDocument/2006/relationships" xmlns:p="http://schemas.openxmlformats.org/presentationml/2006/main">
+  <p:cSld>
+    <p:spTree>
+      <p:nvGrpSpPr>
+        <p:cNvPr id="1" name=""/>
+        <p:cNvGrpSpPr/>
+        <p:nvPr/>
+      </p:nvGrpSpPr>
+      <p:grpSpPr>
+        <a:xfrm>
+          <a:off x="0" y="0"/>
+          <a:ext cx="0" cy="0"/>
+          <a:chOff x="0" y="0"/>
+          <a:chExt cx="0" cy="0"/>
+        </a:xfrm>
+      </p:grpSpPr>
+      <p:sp>
+        <p:nvSpPr>
           <p:cNvPr id="6" name="Title 5">
             <a:extLst>
               <a:ext uri="{FF2B5EF4-FFF2-40B4-BE49-F238E27FC236}">
@@ -39396,7 +40653,7 @@
           <a:p>
             <a:fld id="{6813DC8C-A616-47C4-99E2-1208BE02F915}" type="slidenum">
               <a:rPr lang="en-US" smtClean="0"/>
-              <a:t>20</a:t>
+              <a:t>27</a:t>
             </a:fld>
             <a:endParaRPr lang="en-US"/>
           </a:p>
@@ -39415,7 +40672,7 @@
 </p:sld>
 </file>
 
-<file path=ppt/slides/slide21.xml><?xml version="1.0" encoding="utf-8"?>
+<file path=ppt/slides/slide28.xml><?xml version="1.0" encoding="utf-8"?>
 <p:sld xmlns:a="http://schemas.openxmlformats.org/drawingml/2006/main" xmlns:r="http://schemas.openxmlformats.org/officeDocument/2006/relationships" xmlns:p="http://schemas.openxmlformats.org/presentationml/2006/main">
   <p:cSld>
     <p:spTree>
@@ -39543,7 +40800,7 @@
           <a:p>
             <a:fld id="{6813DC8C-A616-47C4-99E2-1208BE02F915}" type="slidenum">
               <a:rPr lang="en-US" smtClean="0"/>
-              <a:t>21</a:t>
+              <a:t>28</a:t>
             </a:fld>
             <a:endParaRPr lang="en-US"/>
           </a:p>
@@ -39562,7 +40819,7 @@
 </p:sld>
 </file>
 
-<file path=ppt/slides/slide22.xml><?xml version="1.0" encoding="utf-8"?>
+<file path=ppt/slides/slide29.xml><?xml version="1.0" encoding="utf-8"?>
 <p:sld xmlns:a="http://schemas.openxmlformats.org/drawingml/2006/main" xmlns:r="http://schemas.openxmlformats.org/officeDocument/2006/relationships" xmlns:p="http://schemas.openxmlformats.org/presentationml/2006/main">
   <p:cSld>
     <p:spTree>
@@ -39932,7 +41189,7 @@
           <a:p>
             <a:fld id="{6813DC8C-A616-47C4-99E2-1208BE02F915}" type="slidenum">
               <a:rPr lang="en-US" smtClean="0"/>
-              <a:t>22</a:t>
+              <a:t>29</a:t>
             </a:fld>
             <a:endParaRPr lang="en-US"/>
           </a:p>
@@ -44810,6 +46067,45 @@
           </a:p>
         </p:txBody>
       </p:sp>
+      <p:sp>
+        <p:nvSpPr>
+          <p:cNvPr id="4" name="TextBox 3">
+            <a:extLst>
+              <a:ext uri="{FF2B5EF4-FFF2-40B4-BE49-F238E27FC236}">
+                <a16:creationId xmlns:a16="http://schemas.microsoft.com/office/drawing/2014/main" id="{D2D5DD48-6ACF-4805-BF9D-416361973254}"/>
+              </a:ext>
+            </a:extLst>
+          </p:cNvPr>
+          <p:cNvSpPr txBox="1"/>
+          <p:nvPr/>
+        </p:nvSpPr>
+        <p:spPr>
+          <a:xfrm>
+            <a:off x="609600" y="4963886"/>
+            <a:ext cx="10630616" cy="369332"/>
+          </a:xfrm>
+          <a:prstGeom prst="rect">
+            <a:avLst/>
+          </a:prstGeom>
+          <a:noFill/>
+        </p:spPr>
+        <p:txBody>
+          <a:bodyPr wrap="square" rtlCol="0">
+            <a:spAutoFit/>
+          </a:bodyPr>
+          <a:lstStyle/>
+          <a:p>
+            <a:pPr algn="ctr"/>
+            <a:r>
+              <a:rPr lang="en-US">
+                <a:hlinkClick r:id="rId3"/>
+              </a:rPr>
+              <a:t>https://docs.microsoft.com/en-us/dotnet/csharp/whats-new/csharp-8</a:t>
+            </a:r>
+            <a:endParaRPr lang="en-US" dirty="0"/>
+          </a:p>
+        </p:txBody>
+      </p:sp>
     </p:spTree>
     <p:extLst>
       <p:ext uri="{BB962C8B-B14F-4D97-AF65-F5344CB8AC3E}">

--- a/Whats new in C#8.pptx
+++ b/Whats new in C#8.pptx
@@ -5,7 +5,7 @@
     <p:sldMasterId id="2147483656" r:id="rId1"/>
   </p:sldMasterIdLst>
   <p:notesMasterIdLst>
-    <p:notesMasterId r:id="rId31"/>
+    <p:notesMasterId r:id="rId32"/>
   </p:notesMasterIdLst>
   <p:sldIdLst>
     <p:sldId id="256" r:id="rId2"/>
@@ -34,9 +34,10 @@
     <p:sldId id="502" r:id="rId25"/>
     <p:sldId id="503" r:id="rId26"/>
     <p:sldId id="504" r:id="rId27"/>
-    <p:sldId id="492" r:id="rId28"/>
-    <p:sldId id="493" r:id="rId29"/>
-    <p:sldId id="420" r:id="rId30"/>
+    <p:sldId id="505" r:id="rId28"/>
+    <p:sldId id="506" r:id="rId29"/>
+    <p:sldId id="507" r:id="rId30"/>
+    <p:sldId id="420" r:id="rId31"/>
   </p:sldIdLst>
   <p:sldSz cx="12192000" cy="6858000"/>
   <p:notesSz cx="6858000" cy="9144000"/>
@@ -32195,7 +32196,7 @@
           <a:p>
             <a:fld id="{EB783297-46F3-4FED-9BE0-1B045AC356CA}" type="datetimeFigureOut">
               <a:rPr lang="en-US" smtClean="0"/>
-              <a:t>4/12/2019</a:t>
+              <a:t>4/15/2019</a:t>
             </a:fld>
             <a:endParaRPr lang="en-US"/>
           </a:p>
@@ -33952,7 +33953,7 @@
             <a:fld id="{8BF335F8-0389-41BF-A16B-EDE4EFDBE832}" type="slidenum">
               <a:rPr lang="en-US" smtClean="0"/>
               <a:pPr/>
-              <a:t>29</a:t>
+              <a:t>30</a:t>
             </a:fld>
             <a:endParaRPr lang="en-US" dirty="0"/>
           </a:p>
@@ -34767,7 +34768,7 @@
                 </a:solidFill>
                 <a:latin typeface="Arial Narrow" panose="020B0606020202030204" pitchFamily="34" charset="0"/>
               </a:rPr>
-              <a:t>Mark Reynolds</a:t>
+              <a:t>Joseph Reynolds</a:t>
             </a:r>
           </a:p>
         </p:txBody>
@@ -34787,7 +34788,7 @@
         <p:spPr>
           <a:xfrm>
             <a:off x="1463040" y="3291840"/>
-            <a:ext cx="6715027" cy="954107"/>
+            <a:ext cx="6715027" cy="677108"/>
           </a:xfrm>
           <a:prstGeom prst="rect">
             <a:avLst/>
@@ -34807,7 +34808,7 @@
                 </a:solidFill>
                 <a:latin typeface="Trebuchet MS" panose="020B0603020202020204" pitchFamily="34" charset="0"/>
               </a:rPr>
-              <a:t>Mark Reynolds</a:t>
+              <a:t>Joseph Reynolds</a:t>
             </a:r>
             <a:br>
               <a:rPr lang="en-US" sz="2000" spc="100" baseline="0" dirty="0">
@@ -34824,28 +34825,17 @@
                 </a:solidFill>
                 <a:latin typeface="Trebuchet MS" panose="020B0603020202020204" pitchFamily="34" charset="0"/>
               </a:rPr>
-              <a:t>Digital Transformation &amp; Data Driven Solutions</a:t>
-            </a:r>
-          </a:p>
-          <a:p>
-            <a:r>
-              <a:rPr lang="en-US" dirty="0">
-                <a:solidFill>
-                  <a:srgbClr val="003760"/>
-                </a:solidFill>
-                <a:latin typeface="Trebuchet MS" panose="020B0603020202020204" pitchFamily="34" charset="0"/>
-              </a:rPr>
-              <a:t>Principal Architect / Systems Engineer</a:t>
+              <a:t>Software and DevOps Engineer</a:t>
             </a:r>
           </a:p>
         </p:txBody>
       </p:sp>
       <p:pic>
         <p:nvPicPr>
-          <p:cNvPr id="24" name="Picture 23">
+          <p:cNvPr id="5" name="Picture 4">
             <a:extLst>
               <a:ext uri="{FF2B5EF4-FFF2-40B4-BE49-F238E27FC236}">
-                <a16:creationId xmlns:a16="http://schemas.microsoft.com/office/drawing/2014/main" id="{14582B11-42AB-4215-8DA9-EC708CAC222E}"/>
+                <a16:creationId xmlns:a16="http://schemas.microsoft.com/office/drawing/2014/main" id="{41136949-0218-413A-A61A-B4ECD92AA9D6}"/>
               </a:ext>
             </a:extLst>
           </p:cNvPr>
@@ -34854,21 +34844,22 @@
           </p:cNvPicPr>
           <p:nvPr userDrawn="1"/>
         </p:nvPicPr>
-        <p:blipFill rotWithShape="1">
-          <a:blip r:embed="rId3" cstate="print">
+        <p:blipFill>
+          <a:blip r:embed="rId4">
             <a:extLst>
               <a:ext uri="{28A0092B-C50C-407E-A947-70E740481C1C}">
                 <a14:useLocalDpi xmlns:a14="http://schemas.microsoft.com/office/drawing/2010/main" val="0"/>
               </a:ext>
             </a:extLst>
           </a:blip>
-          <a:srcRect t="-1" b="410"/>
-          <a:stretch/>
+          <a:stretch>
+            <a:fillRect/>
+          </a:stretch>
         </p:blipFill>
         <p:spPr>
           <a:xfrm>
-            <a:off x="8116210" y="1584587"/>
-            <a:ext cx="3145536" cy="3915783"/>
+            <a:off x="7324531" y="1579563"/>
+            <a:ext cx="3937215" cy="3937215"/>
           </a:xfrm>
           <a:prstGeom prst="rect">
             <a:avLst/>
@@ -35019,7 +35010,7 @@
           <a:p>
             <a:fld id="{9F6101A7-E51F-4B39-AD55-E734EB96B90F}" type="datetime1">
               <a:rPr lang="en-US" smtClean="0"/>
-              <a:t>4/12/2019</a:t>
+              <a:t>4/15/2019</a:t>
             </a:fld>
             <a:endParaRPr lang="en-US"/>
           </a:p>
@@ -35298,7 +35289,7 @@
           <a:p>
             <a:fld id="{53BB87A3-CF58-4396-AC80-EF7FD2F0A808}" type="datetime1">
               <a:rPr lang="en-US" smtClean="0"/>
-              <a:t>4/12/2019</a:t>
+              <a:t>4/15/2019</a:t>
             </a:fld>
             <a:endParaRPr lang="en-US"/>
           </a:p>
@@ -35568,7 +35559,7 @@
           <a:p>
             <a:fld id="{3C0F3998-EB5F-4120-A251-20ACC220CAF3}" type="datetime1">
               <a:rPr lang="en-US" smtClean="0"/>
-              <a:t>4/12/2019</a:t>
+              <a:t>4/15/2019</a:t>
             </a:fld>
             <a:endParaRPr lang="en-US"/>
           </a:p>
@@ -35984,7 +35975,7 @@
           <a:p>
             <a:fld id="{9CCE1485-EC4B-4749-B309-CEA85AA8092E}" type="datetime1">
               <a:rPr lang="en-US" smtClean="0"/>
-              <a:t>4/12/2019</a:t>
+              <a:t>4/15/2019</a:t>
             </a:fld>
             <a:endParaRPr lang="en-US"/>
           </a:p>
@@ -36129,7 +36120,7 @@
           <a:p>
             <a:fld id="{2EEC1184-0BD5-4A04-977F-29FFA74BECF8}" type="datetime1">
               <a:rPr lang="en-US" smtClean="0"/>
-              <a:t>4/12/2019</a:t>
+              <a:t>4/15/2019</a:t>
             </a:fld>
             <a:endParaRPr lang="en-US"/>
           </a:p>
@@ -36246,7 +36237,7 @@
           <a:p>
             <a:fld id="{2B89BADD-0649-4523-9CE4-33D5001F577C}" type="datetime1">
               <a:rPr lang="en-US" smtClean="0"/>
-              <a:t>4/12/2019</a:t>
+              <a:t>4/15/2019</a:t>
             </a:fld>
             <a:endParaRPr lang="en-US"/>
           </a:p>
@@ -36492,7 +36483,7 @@
           <a:p>
             <a:fld id="{677BCB15-B53A-49ED-A65B-90E3BB7A8DF4}" type="datetime1">
               <a:rPr lang="en-US" smtClean="0"/>
-              <a:t>4/12/2019</a:t>
+              <a:t>4/15/2019</a:t>
             </a:fld>
             <a:endParaRPr lang="en-US" dirty="0"/>
           </a:p>
@@ -36539,7 +36530,7 @@
           <a:p>
             <a:r>
               <a:rPr lang="en-US" dirty="0"/>
-              <a:t>Copyright © 2013 - 2019 by Mark Reynolds</a:t>
+              <a:t>Copyright © 2013 - 2019 by Joseph Reynolds</a:t>
             </a:r>
           </a:p>
         </p:txBody>
@@ -36729,42 +36720,6 @@
           </a:fontRef>
         </p:style>
       </p:cxnSp>
-      <p:pic>
-        <p:nvPicPr>
-          <p:cNvPr id="10" name="Picture 9">
-            <a:extLst>
-              <a:ext uri="{FF2B5EF4-FFF2-40B4-BE49-F238E27FC236}">
-                <a16:creationId xmlns:a16="http://schemas.microsoft.com/office/drawing/2014/main" id="{722B70A4-E076-418D-B968-629DB2778435}"/>
-              </a:ext>
-            </a:extLst>
-          </p:cNvPr>
-          <p:cNvPicPr>
-            <a:picLocks noChangeAspect="1"/>
-          </p:cNvPicPr>
-          <p:nvPr/>
-        </p:nvPicPr>
-        <p:blipFill>
-          <a:blip r:embed="rId9">
-            <a:extLst>
-              <a:ext uri="{28A0092B-C50C-407E-A947-70E740481C1C}">
-                <a14:useLocalDpi xmlns:a14="http://schemas.microsoft.com/office/drawing/2010/main" val="0"/>
-              </a:ext>
-            </a:extLst>
-          </a:blip>
-          <a:stretch>
-            <a:fillRect/>
-          </a:stretch>
-        </p:blipFill>
-        <p:spPr>
-          <a:xfrm>
-            <a:off x="10360152" y="6458928"/>
-            <a:ext cx="1809524" cy="400000"/>
-          </a:xfrm>
-          <a:prstGeom prst="rect">
-            <a:avLst/>
-          </a:prstGeom>
-        </p:spPr>
-      </p:pic>
       <p:sp>
         <p:nvSpPr>
           <p:cNvPr id="11" name="Rectangle 10">
@@ -36903,6 +36858,42 @@
           </a:fontRef>
         </p:style>
       </p:cxnSp>
+      <p:pic>
+        <p:nvPicPr>
+          <p:cNvPr id="15" name="Picture 14">
+            <a:extLst>
+              <a:ext uri="{FF2B5EF4-FFF2-40B4-BE49-F238E27FC236}">
+                <a16:creationId xmlns:a16="http://schemas.microsoft.com/office/drawing/2014/main" id="{F10C1E66-E7BF-4D55-AEC2-9614AE9CECE4}"/>
+              </a:ext>
+            </a:extLst>
+          </p:cNvPr>
+          <p:cNvPicPr>
+            <a:picLocks noChangeAspect="1"/>
+          </p:cNvPicPr>
+          <p:nvPr userDrawn="1"/>
+        </p:nvPicPr>
+        <p:blipFill>
+          <a:blip r:embed="rId9">
+            <a:extLst>
+              <a:ext uri="{28A0092B-C50C-407E-A947-70E740481C1C}">
+                <a14:useLocalDpi xmlns:a14="http://schemas.microsoft.com/office/drawing/2010/main" val="0"/>
+              </a:ext>
+            </a:extLst>
+          </a:blip>
+          <a:stretch>
+            <a:fillRect/>
+          </a:stretch>
+        </p:blipFill>
+        <p:spPr>
+          <a:xfrm>
+            <a:off x="10515601" y="5181601"/>
+            <a:ext cx="1676400" cy="1676400"/>
+          </a:xfrm>
+          <a:prstGeom prst="rect">
+            <a:avLst/>
+          </a:prstGeom>
+        </p:spPr>
+      </p:pic>
     </p:spTree>
     <p:extLst>
       <p:ext uri="{BB962C8B-B14F-4D97-AF65-F5344CB8AC3E}">
@@ -37302,7 +37293,7 @@
           <a:p>
             <a:r>
               <a:rPr lang="en-US" dirty="0"/>
-              <a:t>Mark Reynolds</a:t>
+              <a:t>Joseph Reynolds</a:t>
             </a:r>
           </a:p>
           <a:p>
@@ -40544,10 +40535,10 @@
       </p:grpSpPr>
       <p:sp>
         <p:nvSpPr>
-          <p:cNvPr id="6" name="Title 5">
+          <p:cNvPr id="2" name="Title 1">
             <a:extLst>
               <a:ext uri="{FF2B5EF4-FFF2-40B4-BE49-F238E27FC236}">
-                <a16:creationId xmlns:a16="http://schemas.microsoft.com/office/drawing/2014/main" id="{ABE0E0F1-BB7B-4663-B898-D18A9B1DAB0B}"/>
+                <a16:creationId xmlns:a16="http://schemas.microsoft.com/office/drawing/2014/main" id="{16278CC4-B989-42AC-A34B-83C20792CAC5}"/>
               </a:ext>
             </a:extLst>
           </p:cNvPr>
@@ -40565,17 +40556,17 @@
           <a:p>
             <a:r>
               <a:rPr lang="en-US" dirty="0"/>
-              <a:t>Records</a:t>
+              <a:t>Static Local Functions</a:t>
             </a:r>
           </a:p>
         </p:txBody>
       </p:sp>
       <p:sp>
         <p:nvSpPr>
-          <p:cNvPr id="7" name="Text Placeholder 6">
+          <p:cNvPr id="3" name="Text Placeholder 2">
             <a:extLst>
               <a:ext uri="{FF2B5EF4-FFF2-40B4-BE49-F238E27FC236}">
-                <a16:creationId xmlns:a16="http://schemas.microsoft.com/office/drawing/2014/main" id="{3916102F-C4BB-4B5F-8A6F-B70012CFFC77}"/>
+                <a16:creationId xmlns:a16="http://schemas.microsoft.com/office/drawing/2014/main" id="{C5D0C9A7-8270-4396-AFDA-57A1959C41A5}"/>
               </a:ext>
             </a:extLst>
           </p:cNvPr>
@@ -40591,13 +40582,7 @@
           <a:bodyPr/>
           <a:lstStyle/>
           <a:p>
-            <a:r>
-              <a:rPr lang="en-US" dirty="0">
-                <a:hlinkClick r:id="rId2"/>
-              </a:rPr>
-              <a:t>https://github.com/dotnet/csharplang/blob/master/proposals/records.md</a:t>
-            </a:r>
-            <a:endParaRPr lang="en-US" dirty="0"/>
+            <a:endParaRPr lang="en-US"/>
           </a:p>
         </p:txBody>
       </p:sp>
@@ -40606,7 +40591,7 @@
           <p:cNvPr id="4" name="Footer Placeholder 3">
             <a:extLst>
               <a:ext uri="{FF2B5EF4-FFF2-40B4-BE49-F238E27FC236}">
-                <a16:creationId xmlns:a16="http://schemas.microsoft.com/office/drawing/2014/main" id="{B9C64600-9B39-41AA-AAA8-5BA4C14DA12F}"/>
+                <a16:creationId xmlns:a16="http://schemas.microsoft.com/office/drawing/2014/main" id="{7DFB85AD-F56E-46A1-9B9B-E01EECDFB9D4}"/>
               </a:ext>
             </a:extLst>
           </p:cNvPr>
@@ -40635,7 +40620,7 @@
           <p:cNvPr id="5" name="Slide Number Placeholder 4">
             <a:extLst>
               <a:ext uri="{FF2B5EF4-FFF2-40B4-BE49-F238E27FC236}">
-                <a16:creationId xmlns:a16="http://schemas.microsoft.com/office/drawing/2014/main" id="{12B6CC00-5D01-4132-A394-5F2595A83652}"/>
+                <a16:creationId xmlns:a16="http://schemas.microsoft.com/office/drawing/2014/main" id="{51FC1D70-0096-4E76-9619-3A7E028A523B}"/>
               </a:ext>
             </a:extLst>
           </p:cNvPr>
@@ -40662,7 +40647,7 @@
     </p:spTree>
     <p:extLst>
       <p:ext uri="{BB962C8B-B14F-4D97-AF65-F5344CB8AC3E}">
-        <p14:creationId xmlns:p14="http://schemas.microsoft.com/office/powerpoint/2010/main" val="2853629360"/>
+        <p14:creationId xmlns:p14="http://schemas.microsoft.com/office/powerpoint/2010/main" val="1832897769"/>
       </p:ext>
     </p:extLst>
   </p:cSld>
@@ -40694,7 +40679,7 @@
           <p:cNvPr id="2" name="Title 1">
             <a:extLst>
               <a:ext uri="{FF2B5EF4-FFF2-40B4-BE49-F238E27FC236}">
-                <a16:creationId xmlns:a16="http://schemas.microsoft.com/office/drawing/2014/main" id="{2D1181A1-86A5-46D3-BB06-A1047EBBBE0A}"/>
+                <a16:creationId xmlns:a16="http://schemas.microsoft.com/office/drawing/2014/main" id="{C068A052-D22E-486B-ABA8-1608C34E845B}"/>
               </a:ext>
             </a:extLst>
           </p:cNvPr>
@@ -40714,46 +40699,44 @@
           </a:p>
         </p:txBody>
       </p:sp>
-      <p:sp>
-        <p:nvSpPr>
-          <p:cNvPr id="3" name="Content Placeholder 2">
+      <p:pic>
+        <p:nvPicPr>
+          <p:cNvPr id="6" name="Content Placeholder 5">
             <a:extLst>
               <a:ext uri="{FF2B5EF4-FFF2-40B4-BE49-F238E27FC236}">
-                <a16:creationId xmlns:a16="http://schemas.microsoft.com/office/drawing/2014/main" id="{D05D395E-8F59-47A7-BD57-A5C091BC5D51}"/>
+                <a16:creationId xmlns:a16="http://schemas.microsoft.com/office/drawing/2014/main" id="{AACCFCCE-BB46-4B15-95BB-DBC1290A5C6A}"/>
               </a:ext>
             </a:extLst>
           </p:cNvPr>
-          <p:cNvSpPr>
-            <a:spLocks noGrp="1"/>
-          </p:cNvSpPr>
+          <p:cNvPicPr>
+            <a:picLocks noGrp="1" noChangeAspect="1"/>
+          </p:cNvPicPr>
           <p:nvPr>
             <p:ph idx="1"/>
           </p:nvPr>
-        </p:nvSpPr>
-        <p:spPr/>
-        <p:txBody>
-          <a:bodyPr/>
-          <a:lstStyle/>
-          <a:p>
-            <a:r>
-              <a:rPr lang="en-US" dirty="0"/>
-              <a:t>Records are a way to create very lightweight classes that are just a collection of fields (POCO)</a:t>
-            </a:r>
-          </a:p>
-          <a:p>
-            <a:r>
-              <a:rPr lang="en-US" dirty="0"/>
-              <a:t>The Records syntax should allow implementation of these classes and structs with absolute minimum code</a:t>
-            </a:r>
-          </a:p>
-        </p:txBody>
-      </p:sp>
+        </p:nvPicPr>
+        <p:blipFill>
+          <a:blip r:embed="rId2"/>
+          <a:stretch>
+            <a:fillRect/>
+          </a:stretch>
+        </p:blipFill>
+        <p:spPr>
+          <a:xfrm>
+            <a:off x="3175365" y="2800485"/>
+            <a:ext cx="5847619" cy="2171429"/>
+          </a:xfrm>
+          <a:prstGeom prst="rect">
+            <a:avLst/>
+          </a:prstGeom>
+        </p:spPr>
+      </p:pic>
       <p:sp>
         <p:nvSpPr>
           <p:cNvPr id="4" name="Footer Placeholder 3">
             <a:extLst>
               <a:ext uri="{FF2B5EF4-FFF2-40B4-BE49-F238E27FC236}">
-                <a16:creationId xmlns:a16="http://schemas.microsoft.com/office/drawing/2014/main" id="{019D26EA-69FE-4695-8B0A-CE9ED11CC371}"/>
+                <a16:creationId xmlns:a16="http://schemas.microsoft.com/office/drawing/2014/main" id="{1884A606-96DC-4FF3-9216-6C95FAE8801C}"/>
               </a:ext>
             </a:extLst>
           </p:cNvPr>
@@ -40782,7 +40765,7 @@
           <p:cNvPr id="5" name="Slide Number Placeholder 4">
             <a:extLst>
               <a:ext uri="{FF2B5EF4-FFF2-40B4-BE49-F238E27FC236}">
-                <a16:creationId xmlns:a16="http://schemas.microsoft.com/office/drawing/2014/main" id="{ACA11E49-54B3-4C0C-B0CA-5FBA1020D4C2}"/>
+                <a16:creationId xmlns:a16="http://schemas.microsoft.com/office/drawing/2014/main" id="{308B7509-FFAB-4EF2-8D74-74FF8718220E}"/>
               </a:ext>
             </a:extLst>
           </p:cNvPr>
@@ -40809,7 +40792,7 @@
     </p:spTree>
     <p:extLst>
       <p:ext uri="{BB962C8B-B14F-4D97-AF65-F5344CB8AC3E}">
-        <p14:creationId xmlns:p14="http://schemas.microsoft.com/office/powerpoint/2010/main" val="484189932"/>
+        <p14:creationId xmlns:p14="http://schemas.microsoft.com/office/powerpoint/2010/main" val="831650211"/>
       </p:ext>
     </p:extLst>
   </p:cSld>
@@ -40838,9 +40821,15 @@
       </p:grpSpPr>
       <p:sp>
         <p:nvSpPr>
-          <p:cNvPr id="4099" name="Rectangle 2"/>
+          <p:cNvPr id="2" name="Title 1">
+            <a:extLst>
+              <a:ext uri="{FF2B5EF4-FFF2-40B4-BE49-F238E27FC236}">
+                <a16:creationId xmlns:a16="http://schemas.microsoft.com/office/drawing/2014/main" id="{86B4DF31-2ED1-4DA1-9EDC-63F74A210E62}"/>
+              </a:ext>
+            </a:extLst>
+          </p:cNvPr>
           <p:cNvSpPr>
-            <a:spLocks noGrp="1" noChangeArrowheads="1"/>
+            <a:spLocks noGrp="1"/>
           </p:cNvSpPr>
           <p:nvPr>
             <p:ph type="title"/>
@@ -40851,303 +40840,51 @@
           <a:bodyPr/>
           <a:lstStyle/>
           <a:p>
-            <a:r>
-              <a:rPr lang="en-US" dirty="0">
-                <a:latin typeface="+mn-lt"/>
-              </a:rPr>
-              <a:t>Mark Reynolds</a:t>
-            </a:r>
+            <a:endParaRPr lang="en-US"/>
           </a:p>
         </p:txBody>
       </p:sp>
+      <p:pic>
+        <p:nvPicPr>
+          <p:cNvPr id="6" name="Content Placeholder 5">
+            <a:extLst>
+              <a:ext uri="{FF2B5EF4-FFF2-40B4-BE49-F238E27FC236}">
+                <a16:creationId xmlns:a16="http://schemas.microsoft.com/office/drawing/2014/main" id="{131057E1-B0B8-4951-B681-D97CE6473818}"/>
+              </a:ext>
+            </a:extLst>
+          </p:cNvPr>
+          <p:cNvPicPr>
+            <a:picLocks noGrp="1" noChangeAspect="1"/>
+          </p:cNvPicPr>
+          <p:nvPr>
+            <p:ph idx="1"/>
+          </p:nvPr>
+        </p:nvPicPr>
+        <p:blipFill>
+          <a:blip r:embed="rId2"/>
+          <a:stretch>
+            <a:fillRect/>
+          </a:stretch>
+        </p:blipFill>
+        <p:spPr>
+          <a:xfrm>
+            <a:off x="3037270" y="2752866"/>
+            <a:ext cx="6123809" cy="2266667"/>
+          </a:xfrm>
+          <a:prstGeom prst="rect">
+            <a:avLst/>
+          </a:prstGeom>
+        </p:spPr>
+      </p:pic>
       <p:sp>
         <p:nvSpPr>
-          <p:cNvPr id="6" name="Content Placeholder 5"/>
-          <p:cNvSpPr>
-            <a:spLocks noGrp="1"/>
-          </p:cNvSpPr>
-          <p:nvPr>
-            <p:ph sz="half" idx="1"/>
-          </p:nvPr>
-        </p:nvSpPr>
-        <p:spPr>
-          <a:xfrm>
-            <a:off x="4066560" y="1072115"/>
-            <a:ext cx="4038600" cy="4846320"/>
-          </a:xfrm>
-        </p:spPr>
-        <p:txBody>
-          <a:bodyPr>
-            <a:normAutofit lnSpcReduction="10000"/>
-          </a:bodyPr>
-          <a:lstStyle/>
-          <a:p>
-            <a:pPr>
-              <a:buNone/>
-            </a:pPr>
-            <a:r>
-              <a:rPr lang="en-US" dirty="0">
-                <a:solidFill>
-                  <a:schemeClr val="tx1">
-                    <a:lumMod val="85000"/>
-                    <a:lumOff val="15000"/>
-                  </a:schemeClr>
-                </a:solidFill>
-              </a:rPr>
-              <a:t>Mark Reynolds Vitae</a:t>
-            </a:r>
-          </a:p>
-          <a:p>
-            <a:r>
-              <a:rPr lang="en-US" sz="2000" dirty="0">
-                <a:solidFill>
-                  <a:schemeClr val="tx1">
-                    <a:lumMod val="85000"/>
-                    <a:lumOff val="15000"/>
-                  </a:schemeClr>
-                </a:solidFill>
-              </a:rPr>
-              <a:t>Southwestern Energy</a:t>
-            </a:r>
-          </a:p>
-          <a:p>
-            <a:r>
-              <a:rPr lang="en-US" sz="2000" dirty="0">
-                <a:solidFill>
-                  <a:schemeClr val="tx1">
-                    <a:lumMod val="85000"/>
-                    <a:lumOff val="15000"/>
-                  </a:schemeClr>
-                </a:solidFill>
-              </a:rPr>
-              <a:t>Lone Star College</a:t>
-            </a:r>
-          </a:p>
-          <a:p>
-            <a:r>
-              <a:rPr lang="en-US" sz="2000" dirty="0">
-                <a:solidFill>
-                  <a:schemeClr val="tx1">
-                    <a:lumMod val="85000"/>
-                    <a:lumOff val="15000"/>
-                  </a:schemeClr>
-                </a:solidFill>
-              </a:rPr>
-              <a:t>Intent Driven Designs</a:t>
-            </a:r>
-          </a:p>
-          <a:p>
-            <a:r>
-              <a:rPr lang="en-US" sz="2000" dirty="0">
-                <a:solidFill>
-                  <a:schemeClr val="tx1">
-                    <a:lumMod val="85000"/>
-                    <a:lumOff val="15000"/>
-                  </a:schemeClr>
-                </a:solidFill>
-              </a:rPr>
-              <a:t>Scan Systems</a:t>
-            </a:r>
-          </a:p>
-          <a:p>
-            <a:r>
-              <a:rPr lang="en-US" sz="2000" dirty="0">
-                <a:solidFill>
-                  <a:schemeClr val="tx1">
-                    <a:lumMod val="85000"/>
-                    <a:lumOff val="15000"/>
-                  </a:schemeClr>
-                </a:solidFill>
-              </a:rPr>
-              <a:t>Sikorsky Aircraft</a:t>
-            </a:r>
-          </a:p>
-          <a:p>
-            <a:r>
-              <a:rPr lang="en-US" sz="2000" dirty="0">
-                <a:solidFill>
-                  <a:schemeClr val="tx1">
-                    <a:lumMod val="85000"/>
-                    <a:lumOff val="15000"/>
-                  </a:schemeClr>
-                </a:solidFill>
-              </a:rPr>
-              <a:t>General Dynamics</a:t>
-            </a:r>
-          </a:p>
-        </p:txBody>
-      </p:sp>
-      <p:sp>
-        <p:nvSpPr>
-          <p:cNvPr id="8" name="Content Placeholder 7"/>
-          <p:cNvSpPr>
-            <a:spLocks noGrp="1"/>
-          </p:cNvSpPr>
-          <p:nvPr>
-            <p:ph sz="half" idx="2"/>
-          </p:nvPr>
-        </p:nvSpPr>
-        <p:spPr>
-          <a:xfrm>
-            <a:off x="4136664" y="3668471"/>
-            <a:ext cx="6044284" cy="1875225"/>
-          </a:xfrm>
-        </p:spPr>
-        <p:txBody>
-          <a:bodyPr>
-            <a:normAutofit lnSpcReduction="10000"/>
-          </a:bodyPr>
-          <a:lstStyle/>
-          <a:p>
-            <a:endParaRPr lang="en-US" dirty="0"/>
-          </a:p>
-          <a:p>
-            <a:pPr marL="0" indent="0">
-              <a:buNone/>
-            </a:pPr>
-            <a:r>
-              <a:rPr lang="en-US" sz="1800" dirty="0">
-                <a:solidFill>
-                  <a:schemeClr val="tx1">
-                    <a:lumMod val="85000"/>
-                    <a:lumOff val="15000"/>
-                  </a:schemeClr>
-                </a:solidFill>
-              </a:rPr>
-              <a:t>Personal Email</a:t>
-            </a:r>
-            <a:r>
-              <a:rPr lang="en-US" sz="1800" dirty="0"/>
-              <a:t>: </a:t>
-            </a:r>
-            <a:r>
-              <a:rPr lang="en-US" sz="1800" dirty="0" err="1">
-                <a:hlinkClick r:id="rId3"/>
-              </a:rPr>
-              <a:t>mark@DataDriven.Energy</a:t>
-            </a:r>
-            <a:r>
-              <a:rPr lang="en-US" sz="1800" dirty="0"/>
-              <a:t> </a:t>
-            </a:r>
-            <a:endParaRPr lang="en-US" sz="1800" dirty="0">
-              <a:solidFill>
-                <a:schemeClr val="tx1">
-                  <a:lumMod val="85000"/>
-                  <a:lumOff val="15000"/>
-                </a:schemeClr>
-              </a:solidFill>
-            </a:endParaRPr>
-          </a:p>
-          <a:p>
-            <a:pPr marL="0" indent="0">
-              <a:buNone/>
-            </a:pPr>
-            <a:r>
-              <a:rPr lang="en-US" sz="1800" dirty="0" err="1">
-                <a:solidFill>
-                  <a:schemeClr val="tx1">
-                    <a:lumMod val="85000"/>
-                    <a:lumOff val="15000"/>
-                  </a:schemeClr>
-                </a:solidFill>
-              </a:rPr>
-              <a:t>Linkedin</a:t>
-            </a:r>
-            <a:r>
-              <a:rPr lang="en-US" sz="1800" dirty="0">
-                <a:solidFill>
-                  <a:schemeClr val="tx1">
-                    <a:lumMod val="85000"/>
-                    <a:lumOff val="15000"/>
-                  </a:schemeClr>
-                </a:solidFill>
-              </a:rPr>
-              <a:t>: </a:t>
-            </a:r>
-            <a:r>
-              <a:rPr lang="en-US" sz="1800" dirty="0">
-                <a:solidFill>
-                  <a:schemeClr val="tx1">
-                    <a:lumMod val="85000"/>
-                    <a:lumOff val="15000"/>
-                  </a:schemeClr>
-                </a:solidFill>
-                <a:hlinkClick r:id="rId4"/>
-              </a:rPr>
-              <a:t>www.linkedin.com/in/MarkDataDriven</a:t>
-            </a:r>
-            <a:endParaRPr lang="en-US" sz="1800" dirty="0">
-              <a:solidFill>
-                <a:schemeClr val="tx1">
-                  <a:lumMod val="85000"/>
-                  <a:lumOff val="15000"/>
-                </a:schemeClr>
-              </a:solidFill>
-            </a:endParaRPr>
-          </a:p>
-          <a:p>
-            <a:pPr marL="0" indent="0">
-              <a:buNone/>
-            </a:pPr>
-            <a:r>
-              <a:rPr lang="en-US" sz="1800" dirty="0">
-                <a:solidFill>
-                  <a:schemeClr val="tx1">
-                    <a:lumMod val="85000"/>
-                    <a:lumOff val="15000"/>
-                  </a:schemeClr>
-                </a:solidFill>
-              </a:rPr>
-              <a:t>Twitter: @</a:t>
-            </a:r>
-            <a:r>
-              <a:rPr lang="en-US" sz="1800" dirty="0" err="1">
-                <a:solidFill>
-                  <a:schemeClr val="tx1">
-                    <a:lumMod val="85000"/>
-                    <a:lumOff val="15000"/>
-                  </a:schemeClr>
-                </a:solidFill>
-              </a:rPr>
-              <a:t>MarkDataDriven</a:t>
-            </a:r>
-            <a:endParaRPr lang="en-US" sz="1800" dirty="0">
-              <a:solidFill>
-                <a:schemeClr val="tx1">
-                  <a:lumMod val="85000"/>
-                  <a:lumOff val="15000"/>
-                </a:schemeClr>
-              </a:solidFill>
-            </a:endParaRPr>
-          </a:p>
-          <a:p>
-            <a:pPr marL="0" indent="0">
-              <a:buNone/>
-            </a:pPr>
-            <a:r>
-              <a:rPr lang="en-US" sz="1800" u="sng" dirty="0">
-                <a:solidFill>
-                  <a:srgbClr val="00A6DE"/>
-                </a:solidFill>
-                <a:hlinkClick r:id="rId5"/>
-              </a:rPr>
-              <a:t>http://DigitalTransformation.Engineer</a:t>
-            </a:r>
-            <a:endParaRPr lang="en-US" sz="1800" dirty="0">
-              <a:solidFill>
-                <a:schemeClr val="tx1">
-                  <a:lumMod val="85000"/>
-                  <a:lumOff val="15000"/>
-                </a:schemeClr>
-              </a:solidFill>
-            </a:endParaRPr>
-          </a:p>
-        </p:txBody>
-      </p:sp>
-      <p:sp>
-        <p:nvSpPr>
-          <p:cNvPr id="3" name="Footer Placeholder 2"/>
+          <p:cNvPr id="4" name="Footer Placeholder 3">
+            <a:extLst>
+              <a:ext uri="{FF2B5EF4-FFF2-40B4-BE49-F238E27FC236}">
+                <a16:creationId xmlns:a16="http://schemas.microsoft.com/office/drawing/2014/main" id="{6AC4FF11-B880-44A3-A58A-CDE566592081}"/>
+              </a:ext>
+            </a:extLst>
+          </p:cNvPr>
           <p:cNvSpPr>
             <a:spLocks noGrp="1"/>
           </p:cNvSpPr>
@@ -41155,12 +40892,7 @@
             <p:ph type="ftr" sz="quarter" idx="11"/>
           </p:nvPr>
         </p:nvSpPr>
-        <p:spPr>
-          <a:xfrm>
-            <a:off x="1828800" y="6547104"/>
-            <a:ext cx="8531352" cy="274320"/>
-          </a:xfrm>
-        </p:spPr>
+        <p:spPr/>
         <p:txBody>
           <a:bodyPr/>
           <a:lstStyle/>
@@ -41169,12 +40901,19 @@
               <a:rPr lang="en-US"/>
               <a:t>Copyright © 2013 - 2019 by Mark Reynolds</a:t>
             </a:r>
+            <a:endParaRPr lang="en-US" dirty="0"/>
           </a:p>
         </p:txBody>
       </p:sp>
       <p:sp>
         <p:nvSpPr>
-          <p:cNvPr id="4" name="Slide Number Placeholder 3"/>
+          <p:cNvPr id="5" name="Slide Number Placeholder 4">
+            <a:extLst>
+              <a:ext uri="{FF2B5EF4-FFF2-40B4-BE49-F238E27FC236}">
+                <a16:creationId xmlns:a16="http://schemas.microsoft.com/office/drawing/2014/main" id="{82DDC804-554F-40F9-8A9E-62F521A7ED38}"/>
+              </a:ext>
+            </a:extLst>
+          </p:cNvPr>
           <p:cNvSpPr>
             <a:spLocks noGrp="1"/>
           </p:cNvSpPr>
@@ -41195,58 +40934,16 @@
           </a:p>
         </p:txBody>
       </p:sp>
-      <p:pic>
-        <p:nvPicPr>
-          <p:cNvPr id="2" name="Picture 1"/>
-          <p:cNvPicPr>
-            <a:picLocks noChangeAspect="1"/>
-          </p:cNvPicPr>
-          <p:nvPr/>
-        </p:nvPicPr>
-        <p:blipFill>
-          <a:blip r:embed="rId6" cstate="print">
-            <a:extLst>
-              <a:ext uri="{28A0092B-C50C-407E-A947-70E740481C1C}">
-                <a14:useLocalDpi xmlns:a14="http://schemas.microsoft.com/office/drawing/2010/main" val="0"/>
-              </a:ext>
-            </a:extLst>
-          </a:blip>
-          <a:stretch>
-            <a:fillRect/>
-          </a:stretch>
-        </p:blipFill>
-        <p:spPr>
-          <a:xfrm>
-            <a:off x="0" y="1899786"/>
-            <a:ext cx="3657607" cy="4572009"/>
-          </a:xfrm>
-          <a:prstGeom prst="rect">
-            <a:avLst/>
-          </a:prstGeom>
-        </p:spPr>
-      </p:pic>
     </p:spTree>
     <p:extLst>
       <p:ext uri="{BB962C8B-B14F-4D97-AF65-F5344CB8AC3E}">
-        <p14:creationId xmlns:p14="http://schemas.microsoft.com/office/powerpoint/2010/main" val="3856311636"/>
+        <p14:creationId xmlns:p14="http://schemas.microsoft.com/office/powerpoint/2010/main" val="3405636962"/>
       </p:ext>
     </p:extLst>
   </p:cSld>
   <p:clrMapOvr>
     <a:masterClrMapping/>
   </p:clrMapOvr>
-  <mc:AlternateContent xmlns:mc="http://schemas.openxmlformats.org/markup-compatibility/2006" xmlns:p14="http://schemas.microsoft.com/office/powerpoint/2010/main">
-    <mc:Choice Requires="p14">
-      <p:transition spd="slow" p14:dur="1200">
-        <p14:prism/>
-      </p:transition>
-    </mc:Choice>
-    <mc:Fallback xmlns="">
-      <p:transition spd="slow">
-        <p:fade/>
-      </p:transition>
-    </mc:Fallback>
-  </mc:AlternateContent>
 </p:sld>
 </file>
 
@@ -41438,6 +41135,219 @@
   <p:clrMapOvr>
     <a:masterClrMapping/>
   </p:clrMapOvr>
+</p:sld>
+</file>
+
+<file path=ppt/slides/slide30.xml><?xml version="1.0" encoding="utf-8"?>
+<p:sld xmlns:a="http://schemas.openxmlformats.org/drawingml/2006/main" xmlns:r="http://schemas.openxmlformats.org/officeDocument/2006/relationships" xmlns:p="http://schemas.openxmlformats.org/presentationml/2006/main">
+  <p:cSld>
+    <p:spTree>
+      <p:nvGrpSpPr>
+        <p:cNvPr id="1" name=""/>
+        <p:cNvGrpSpPr/>
+        <p:nvPr/>
+      </p:nvGrpSpPr>
+      <p:grpSpPr>
+        <a:xfrm>
+          <a:off x="0" y="0"/>
+          <a:ext cx="0" cy="0"/>
+          <a:chOff x="0" y="0"/>
+          <a:chExt cx="0" cy="0"/>
+        </a:xfrm>
+      </p:grpSpPr>
+      <p:sp>
+        <p:nvSpPr>
+          <p:cNvPr id="4099" name="Rectangle 2"/>
+          <p:cNvSpPr>
+            <a:spLocks noGrp="1" noChangeArrowheads="1"/>
+          </p:cNvSpPr>
+          <p:nvPr>
+            <p:ph type="title"/>
+          </p:nvPr>
+        </p:nvSpPr>
+        <p:spPr/>
+        <p:txBody>
+          <a:bodyPr/>
+          <a:lstStyle/>
+          <a:p>
+            <a:r>
+              <a:rPr lang="en-US" dirty="0">
+                <a:latin typeface="+mn-lt"/>
+              </a:rPr>
+              <a:t>Joseph Reynolds</a:t>
+            </a:r>
+          </a:p>
+        </p:txBody>
+      </p:sp>
+      <p:sp>
+        <p:nvSpPr>
+          <p:cNvPr id="3" name="Footer Placeholder 2"/>
+          <p:cNvSpPr>
+            <a:spLocks noGrp="1"/>
+          </p:cNvSpPr>
+          <p:nvPr>
+            <p:ph type="ftr" sz="quarter" idx="11"/>
+          </p:nvPr>
+        </p:nvSpPr>
+        <p:spPr>
+          <a:xfrm>
+            <a:off x="1828800" y="6547104"/>
+            <a:ext cx="8531352" cy="274320"/>
+          </a:xfrm>
+        </p:spPr>
+        <p:txBody>
+          <a:bodyPr/>
+          <a:lstStyle/>
+          <a:p>
+            <a:r>
+              <a:rPr lang="en-US"/>
+              <a:t>Copyright © 2013 - 2019 by Mark Reynolds</a:t>
+            </a:r>
+          </a:p>
+        </p:txBody>
+      </p:sp>
+      <p:sp>
+        <p:nvSpPr>
+          <p:cNvPr id="4" name="Slide Number Placeholder 3"/>
+          <p:cNvSpPr>
+            <a:spLocks noGrp="1"/>
+          </p:cNvSpPr>
+          <p:nvPr>
+            <p:ph type="sldNum" sz="quarter" idx="12"/>
+          </p:nvPr>
+        </p:nvSpPr>
+        <p:spPr/>
+        <p:txBody>
+          <a:bodyPr/>
+          <a:lstStyle/>
+          <a:p>
+            <a:fld id="{6813DC8C-A616-47C4-99E2-1208BE02F915}" type="slidenum">
+              <a:rPr lang="en-US" smtClean="0"/>
+              <a:t>30</a:t>
+            </a:fld>
+            <a:endParaRPr lang="en-US"/>
+          </a:p>
+        </p:txBody>
+      </p:sp>
+      <p:sp>
+        <p:nvSpPr>
+          <p:cNvPr id="5" name="TextBox 4">
+            <a:extLst>
+              <a:ext uri="{FF2B5EF4-FFF2-40B4-BE49-F238E27FC236}">
+                <a16:creationId xmlns:a16="http://schemas.microsoft.com/office/drawing/2014/main" id="{FB5C5650-43A0-4263-9D37-5605A84FECA4}"/>
+              </a:ext>
+            </a:extLst>
+          </p:cNvPr>
+          <p:cNvSpPr txBox="1"/>
+          <p:nvPr/>
+        </p:nvSpPr>
+        <p:spPr>
+          <a:xfrm>
+            <a:off x="755780" y="1306286"/>
+            <a:ext cx="7585787" cy="1200329"/>
+          </a:xfrm>
+          <a:prstGeom prst="rect">
+            <a:avLst/>
+          </a:prstGeom>
+          <a:noFill/>
+        </p:spPr>
+        <p:txBody>
+          <a:bodyPr wrap="square" rtlCol="0">
+            <a:spAutoFit/>
+          </a:bodyPr>
+          <a:lstStyle/>
+          <a:p>
+            <a:pPr marL="285750" indent="-285750">
+              <a:buFont typeface="Arial" panose="020B0604020202020204" pitchFamily="34" charset="0"/>
+              <a:buChar char="•"/>
+            </a:pPr>
+            <a:r>
+              <a:rPr lang="en-US" dirty="0"/>
+              <a:t>EMAIL: </a:t>
+            </a:r>
+            <a:r>
+              <a:rPr lang="en-US" dirty="0">
+                <a:hlinkClick r:id="rId3"/>
+              </a:rPr>
+              <a:t>jreynolds@likeabosscoding.com</a:t>
+            </a:r>
+            <a:endParaRPr lang="en-US" dirty="0"/>
+          </a:p>
+          <a:p>
+            <a:pPr marL="285750" indent="-285750">
+              <a:buFont typeface="Arial" panose="020B0604020202020204" pitchFamily="34" charset="0"/>
+              <a:buChar char="•"/>
+            </a:pPr>
+            <a:r>
+              <a:rPr lang="en-US" dirty="0"/>
+              <a:t>Blog: </a:t>
+            </a:r>
+            <a:r>
+              <a:rPr lang="en-US" dirty="0">
+                <a:hlinkClick r:id="rId4"/>
+              </a:rPr>
+              <a:t>http://www.infocraft.net</a:t>
+            </a:r>
+            <a:endParaRPr lang="en-US" dirty="0"/>
+          </a:p>
+          <a:p>
+            <a:pPr marL="285750" indent="-285750">
+              <a:buFont typeface="Arial" panose="020B0604020202020204" pitchFamily="34" charset="0"/>
+              <a:buChar char="•"/>
+            </a:pPr>
+            <a:r>
+              <a:rPr lang="en-US" dirty="0"/>
+              <a:t>Github: </a:t>
+            </a:r>
+            <a:r>
+              <a:rPr lang="en-US" dirty="0">
+                <a:hlinkClick r:id="rId5"/>
+              </a:rPr>
+              <a:t>https://github.com/jmreynolds</a:t>
+            </a:r>
+            <a:endParaRPr lang="en-US" dirty="0"/>
+          </a:p>
+          <a:p>
+            <a:pPr marL="285750" indent="-285750">
+              <a:buFont typeface="Arial" panose="020B0604020202020204" pitchFamily="34" charset="0"/>
+              <a:buChar char="•"/>
+            </a:pPr>
+            <a:r>
+              <a:rPr lang="en-US" dirty="0"/>
+              <a:t>LinkedIn: </a:t>
+            </a:r>
+            <a:r>
+              <a:rPr lang="en-US" dirty="0">
+                <a:hlinkClick r:id="rId6"/>
+              </a:rPr>
+              <a:t>https://www.linkedin.com/in/josephreynolds/</a:t>
+            </a:r>
+            <a:endParaRPr lang="en-US" dirty="0"/>
+          </a:p>
+        </p:txBody>
+      </p:sp>
+    </p:spTree>
+    <p:extLst>
+      <p:ext uri="{BB962C8B-B14F-4D97-AF65-F5344CB8AC3E}">
+        <p14:creationId xmlns:p14="http://schemas.microsoft.com/office/powerpoint/2010/main" val="3856311636"/>
+      </p:ext>
+    </p:extLst>
+  </p:cSld>
+  <p:clrMapOvr>
+    <a:masterClrMapping/>
+  </p:clrMapOvr>
+  <mc:AlternateContent xmlns:mc="http://schemas.openxmlformats.org/markup-compatibility/2006" xmlns:p14="http://schemas.microsoft.com/office/powerpoint/2010/main">
+    <mc:Choice Requires="p14">
+      <p:transition spd="slow" p14:dur="1200">
+        <p14:prism/>
+      </p:transition>
+    </mc:Choice>
+    <mc:Fallback xmlns="">
+      <p:transition spd="slow">
+        <p:fade/>
+      </p:transition>
+    </mc:Fallback>
+  </mc:AlternateContent>
 </p:sld>
 </file>
 

--- a/Whats new in C#8.pptx
+++ b/Whats new in C#8.pptx
@@ -5,7 +5,7 @@
     <p:sldMasterId id="2147483656" r:id="rId1"/>
   </p:sldMasterIdLst>
   <p:notesMasterIdLst>
-    <p:notesMasterId r:id="rId32"/>
+    <p:notesMasterId r:id="rId33"/>
   </p:notesMasterIdLst>
   <p:sldIdLst>
     <p:sldId id="256" r:id="rId2"/>
@@ -17,27 +17,28 @@
     <p:sldId id="441" r:id="rId8"/>
     <p:sldId id="485" r:id="rId9"/>
     <p:sldId id="458" r:id="rId10"/>
-    <p:sldId id="486" r:id="rId11"/>
-    <p:sldId id="487" r:id="rId12"/>
-    <p:sldId id="488" r:id="rId13"/>
-    <p:sldId id="489" r:id="rId14"/>
-    <p:sldId id="490" r:id="rId15"/>
-    <p:sldId id="491" r:id="rId16"/>
-    <p:sldId id="494" r:id="rId17"/>
-    <p:sldId id="495" r:id="rId18"/>
-    <p:sldId id="497" r:id="rId19"/>
-    <p:sldId id="496" r:id="rId20"/>
-    <p:sldId id="498" r:id="rId21"/>
-    <p:sldId id="499" r:id="rId22"/>
-    <p:sldId id="500" r:id="rId23"/>
-    <p:sldId id="501" r:id="rId24"/>
-    <p:sldId id="502" r:id="rId25"/>
-    <p:sldId id="503" r:id="rId26"/>
-    <p:sldId id="504" r:id="rId27"/>
-    <p:sldId id="505" r:id="rId28"/>
-    <p:sldId id="506" r:id="rId29"/>
-    <p:sldId id="507" r:id="rId30"/>
-    <p:sldId id="420" r:id="rId31"/>
+    <p:sldId id="508" r:id="rId11"/>
+    <p:sldId id="486" r:id="rId12"/>
+    <p:sldId id="487" r:id="rId13"/>
+    <p:sldId id="488" r:id="rId14"/>
+    <p:sldId id="489" r:id="rId15"/>
+    <p:sldId id="490" r:id="rId16"/>
+    <p:sldId id="491" r:id="rId17"/>
+    <p:sldId id="494" r:id="rId18"/>
+    <p:sldId id="495" r:id="rId19"/>
+    <p:sldId id="497" r:id="rId20"/>
+    <p:sldId id="496" r:id="rId21"/>
+    <p:sldId id="498" r:id="rId22"/>
+    <p:sldId id="499" r:id="rId23"/>
+    <p:sldId id="500" r:id="rId24"/>
+    <p:sldId id="501" r:id="rId25"/>
+    <p:sldId id="502" r:id="rId26"/>
+    <p:sldId id="503" r:id="rId27"/>
+    <p:sldId id="504" r:id="rId28"/>
+    <p:sldId id="505" r:id="rId29"/>
+    <p:sldId id="506" r:id="rId30"/>
+    <p:sldId id="507" r:id="rId31"/>
+    <p:sldId id="420" r:id="rId32"/>
   </p:sldIdLst>
   <p:sldSz cx="12192000" cy="6858000"/>
   <p:notesSz cx="6858000" cy="9144000"/>
@@ -32196,7 +32197,7 @@
           <a:p>
             <a:fld id="{EB783297-46F3-4FED-9BE0-1B045AC356CA}" type="datetimeFigureOut">
               <a:rPr lang="en-US" smtClean="0"/>
-              <a:t>4/15/2019</a:t>
+              <a:t>4/27/2019</a:t>
             </a:fld>
             <a:endParaRPr lang="en-US"/>
           </a:p>
@@ -33953,7 +33954,7 @@
             <a:fld id="{8BF335F8-0389-41BF-A16B-EDE4EFDBE832}" type="slidenum">
               <a:rPr lang="en-US" smtClean="0"/>
               <a:pPr/>
-              <a:t>30</a:t>
+              <a:t>31</a:t>
             </a:fld>
             <a:endParaRPr lang="en-US" dirty="0"/>
           </a:p>
@@ -34374,7 +34375,7 @@
                 </a:solidFill>
                 <a:latin typeface="Arial Narrow" panose="020B0606020202030204" pitchFamily="34" charset="0"/>
               </a:rPr>
-              <a:t>Mark Reynolds</a:t>
+              <a:t>Joe Reynolds</a:t>
             </a:r>
           </a:p>
         </p:txBody>
@@ -35010,7 +35011,7 @@
           <a:p>
             <a:fld id="{9F6101A7-E51F-4B39-AD55-E734EB96B90F}" type="datetime1">
               <a:rPr lang="en-US" smtClean="0"/>
-              <a:t>4/15/2019</a:t>
+              <a:t>4/27/2019</a:t>
             </a:fld>
             <a:endParaRPr lang="en-US"/>
           </a:p>
@@ -35038,10 +35039,9 @@
           <a:lstStyle/>
           <a:p>
             <a:r>
-              <a:rPr lang="en-US"/>
-              <a:t>Copyright © 2013 - 2019 by Mark Reynolds</a:t>
+              <a:rPr lang="en-US" dirty="0"/>
+              <a:t>Copyright © 2013 - 2019 by Joe Reynolds</a:t>
             </a:r>
-            <a:endParaRPr lang="en-US" dirty="0"/>
           </a:p>
         </p:txBody>
       </p:sp>
@@ -35289,7 +35289,7 @@
           <a:p>
             <a:fld id="{53BB87A3-CF58-4396-AC80-EF7FD2F0A808}" type="datetime1">
               <a:rPr lang="en-US" smtClean="0"/>
-              <a:t>4/15/2019</a:t>
+              <a:t>4/27/2019</a:t>
             </a:fld>
             <a:endParaRPr lang="en-US"/>
           </a:p>
@@ -35317,10 +35317,9 @@
           <a:lstStyle/>
           <a:p>
             <a:r>
-              <a:rPr lang="en-US"/>
-              <a:t>Copyright © 2013 - 2019 by Mark Reynolds</a:t>
+              <a:rPr lang="en-US" dirty="0"/>
+              <a:t>Copyright © 2013 - 2019 by Joe Reynolds</a:t>
             </a:r>
-            <a:endParaRPr lang="en-US" dirty="0"/>
           </a:p>
         </p:txBody>
       </p:sp>
@@ -35559,7 +35558,7 @@
           <a:p>
             <a:fld id="{3C0F3998-EB5F-4120-A251-20ACC220CAF3}" type="datetime1">
               <a:rPr lang="en-US" smtClean="0"/>
-              <a:t>4/15/2019</a:t>
+              <a:t>4/27/2019</a:t>
             </a:fld>
             <a:endParaRPr lang="en-US"/>
           </a:p>
@@ -35587,10 +35586,9 @@
           <a:lstStyle/>
           <a:p>
             <a:r>
-              <a:rPr lang="en-US"/>
-              <a:t>Copyright © 2013 - 2019 by Mark Reynolds</a:t>
+              <a:rPr lang="en-US" dirty="0"/>
+              <a:t>Copyright © 2013 - 2019 by Joe Reynolds</a:t>
             </a:r>
-            <a:endParaRPr lang="en-US" dirty="0"/>
           </a:p>
         </p:txBody>
       </p:sp>
@@ -35975,7 +35973,7 @@
           <a:p>
             <a:fld id="{9CCE1485-EC4B-4749-B309-CEA85AA8092E}" type="datetime1">
               <a:rPr lang="en-US" smtClean="0"/>
-              <a:t>4/15/2019</a:t>
+              <a:t>4/27/2019</a:t>
             </a:fld>
             <a:endParaRPr lang="en-US"/>
           </a:p>
@@ -36003,10 +36001,9 @@
           <a:lstStyle/>
           <a:p>
             <a:r>
-              <a:rPr lang="en-US"/>
-              <a:t>Copyright © 2013 - 2019 by Mark Reynolds</a:t>
+              <a:rPr lang="en-US" dirty="0"/>
+              <a:t>Copyright © 2013 - 2019 by Joe Reynolds</a:t>
             </a:r>
-            <a:endParaRPr lang="en-US" dirty="0"/>
           </a:p>
         </p:txBody>
       </p:sp>
@@ -36120,7 +36117,7 @@
           <a:p>
             <a:fld id="{2EEC1184-0BD5-4A04-977F-29FFA74BECF8}" type="datetime1">
               <a:rPr lang="en-US" smtClean="0"/>
-              <a:t>4/15/2019</a:t>
+              <a:t>4/27/2019</a:t>
             </a:fld>
             <a:endParaRPr lang="en-US"/>
           </a:p>
@@ -36148,10 +36145,9 @@
           <a:lstStyle/>
           <a:p>
             <a:r>
-              <a:rPr lang="en-US"/>
-              <a:t>Copyright © 2013 - 2019 by Mark Reynolds</a:t>
+              <a:rPr lang="en-US" dirty="0"/>
+              <a:t>Copyright © 2013 - 2019 by Joe Reynolds</a:t>
             </a:r>
-            <a:endParaRPr lang="en-US" dirty="0"/>
           </a:p>
         </p:txBody>
       </p:sp>
@@ -36237,7 +36233,7 @@
           <a:p>
             <a:fld id="{2B89BADD-0649-4523-9CE4-33D5001F577C}" type="datetime1">
               <a:rPr lang="en-US" smtClean="0"/>
-              <a:t>4/15/2019</a:t>
+              <a:t>4/27/2019</a:t>
             </a:fld>
             <a:endParaRPr lang="en-US"/>
           </a:p>
@@ -36265,10 +36261,9 @@
           <a:lstStyle/>
           <a:p>
             <a:r>
-              <a:rPr lang="en-US"/>
-              <a:t>Copyright © 2013 - 2019 by Mark Reynolds</a:t>
+              <a:rPr lang="en-US" dirty="0"/>
+              <a:t>Copyright © 2013 - 2019 by Joe Reynolds</a:t>
             </a:r>
-            <a:endParaRPr lang="en-US" dirty="0"/>
           </a:p>
         </p:txBody>
       </p:sp>
@@ -36483,7 +36478,7 @@
           <a:p>
             <a:fld id="{677BCB15-B53A-49ED-A65B-90E3BB7A8DF4}" type="datetime1">
               <a:rPr lang="en-US" smtClean="0"/>
-              <a:t>4/15/2019</a:t>
+              <a:t>4/27/2019</a:t>
             </a:fld>
             <a:endParaRPr lang="en-US" dirty="0"/>
           </a:p>
@@ -36530,7 +36525,7 @@
           <a:p>
             <a:r>
               <a:rPr lang="en-US" dirty="0"/>
-              <a:t>Copyright © 2013 - 2019 by Joseph Reynolds</a:t>
+              <a:t>Copyright © 2013 - 2019 by Joe Reynolds</a:t>
             </a:r>
           </a:p>
         </p:txBody>
@@ -37336,6 +37331,196 @@
       </p:grpSpPr>
       <p:sp>
         <p:nvSpPr>
+          <p:cNvPr id="2" name="Title 1">
+            <a:extLst>
+              <a:ext uri="{FF2B5EF4-FFF2-40B4-BE49-F238E27FC236}">
+                <a16:creationId xmlns:a16="http://schemas.microsoft.com/office/drawing/2014/main" id="{22750C8F-D471-41C5-AD83-F2D6BF626475}"/>
+              </a:ext>
+            </a:extLst>
+          </p:cNvPr>
+          <p:cNvSpPr>
+            <a:spLocks noGrp="1"/>
+          </p:cNvSpPr>
+          <p:nvPr>
+            <p:ph type="title"/>
+          </p:nvPr>
+        </p:nvSpPr>
+        <p:spPr/>
+        <p:txBody>
+          <a:bodyPr/>
+          <a:lstStyle/>
+          <a:p>
+            <a:endParaRPr lang="en-US"/>
+          </a:p>
+        </p:txBody>
+      </p:sp>
+      <p:pic>
+        <p:nvPicPr>
+          <p:cNvPr id="6" name="Content Placeholder 5">
+            <a:extLst>
+              <a:ext uri="{FF2B5EF4-FFF2-40B4-BE49-F238E27FC236}">
+                <a16:creationId xmlns:a16="http://schemas.microsoft.com/office/drawing/2014/main" id="{6462FC2A-B33D-484B-B051-204420B0D872}"/>
+              </a:ext>
+            </a:extLst>
+          </p:cNvPr>
+          <p:cNvPicPr>
+            <a:picLocks noGrp="1" noChangeAspect="1"/>
+          </p:cNvPicPr>
+          <p:nvPr>
+            <p:ph idx="1"/>
+          </p:nvPr>
+        </p:nvPicPr>
+        <p:blipFill>
+          <a:blip r:embed="rId2"/>
+          <a:stretch>
+            <a:fillRect/>
+          </a:stretch>
+        </p:blipFill>
+        <p:spPr>
+          <a:xfrm>
+            <a:off x="2490561" y="1371600"/>
+            <a:ext cx="7217228" cy="5029200"/>
+          </a:xfrm>
+          <a:prstGeom prst="rect">
+            <a:avLst/>
+          </a:prstGeom>
+        </p:spPr>
+      </p:pic>
+      <p:sp>
+        <p:nvSpPr>
+          <p:cNvPr id="4" name="Footer Placeholder 3">
+            <a:extLst>
+              <a:ext uri="{FF2B5EF4-FFF2-40B4-BE49-F238E27FC236}">
+                <a16:creationId xmlns:a16="http://schemas.microsoft.com/office/drawing/2014/main" id="{EB4FBB94-B335-4625-B8AB-D758B74127CC}"/>
+              </a:ext>
+            </a:extLst>
+          </p:cNvPr>
+          <p:cNvSpPr>
+            <a:spLocks noGrp="1"/>
+          </p:cNvSpPr>
+          <p:nvPr>
+            <p:ph type="ftr" sz="quarter" idx="11"/>
+          </p:nvPr>
+        </p:nvSpPr>
+        <p:spPr/>
+        <p:txBody>
+          <a:bodyPr/>
+          <a:lstStyle/>
+          <a:p>
+            <a:r>
+              <a:rPr lang="en-US" dirty="0"/>
+              <a:t>Copyright © 2013 - 2019 by Joe Reynolds</a:t>
+            </a:r>
+          </a:p>
+        </p:txBody>
+      </p:sp>
+      <p:sp>
+        <p:nvSpPr>
+          <p:cNvPr id="5" name="Slide Number Placeholder 4">
+            <a:extLst>
+              <a:ext uri="{FF2B5EF4-FFF2-40B4-BE49-F238E27FC236}">
+                <a16:creationId xmlns:a16="http://schemas.microsoft.com/office/drawing/2014/main" id="{4F2DDD22-7CF1-43EF-9382-E5D770D05C44}"/>
+              </a:ext>
+            </a:extLst>
+          </p:cNvPr>
+          <p:cNvSpPr>
+            <a:spLocks noGrp="1"/>
+          </p:cNvSpPr>
+          <p:nvPr>
+            <p:ph type="sldNum" sz="quarter" idx="12"/>
+          </p:nvPr>
+        </p:nvSpPr>
+        <p:spPr/>
+        <p:txBody>
+          <a:bodyPr/>
+          <a:lstStyle/>
+          <a:p>
+            <a:fld id="{6813DC8C-A616-47C4-99E2-1208BE02F915}" type="slidenum">
+              <a:rPr lang="en-US" smtClean="0"/>
+              <a:t>10</a:t>
+            </a:fld>
+            <a:endParaRPr lang="en-US"/>
+          </a:p>
+        </p:txBody>
+      </p:sp>
+      <p:sp>
+        <p:nvSpPr>
+          <p:cNvPr id="9" name="Arrow: Right 8">
+            <a:extLst>
+              <a:ext uri="{FF2B5EF4-FFF2-40B4-BE49-F238E27FC236}">
+                <a16:creationId xmlns:a16="http://schemas.microsoft.com/office/drawing/2014/main" id="{25C61F47-C60A-4875-9EAF-E46E3EC7AAD6}"/>
+              </a:ext>
+            </a:extLst>
+          </p:cNvPr>
+          <p:cNvSpPr/>
+          <p:nvPr/>
+        </p:nvSpPr>
+        <p:spPr>
+          <a:xfrm>
+            <a:off x="4380807" y="2623704"/>
+            <a:ext cx="831273" cy="509155"/>
+          </a:xfrm>
+          <a:prstGeom prst="rightArrow">
+            <a:avLst/>
+          </a:prstGeom>
+        </p:spPr>
+        <p:style>
+          <a:lnRef idx="2">
+            <a:schemeClr val="accent1">
+              <a:shade val="50000"/>
+            </a:schemeClr>
+          </a:lnRef>
+          <a:fillRef idx="1">
+            <a:schemeClr val="accent1"/>
+          </a:fillRef>
+          <a:effectRef idx="0">
+            <a:schemeClr val="accent1"/>
+          </a:effectRef>
+          <a:fontRef idx="minor">
+            <a:schemeClr val="lt1"/>
+          </a:fontRef>
+        </p:style>
+        <p:txBody>
+          <a:bodyPr rtlCol="0" anchor="ctr"/>
+          <a:lstStyle/>
+          <a:p>
+            <a:pPr algn="ctr"/>
+            <a:endParaRPr lang="en-US"/>
+          </a:p>
+        </p:txBody>
+      </p:sp>
+    </p:spTree>
+    <p:extLst>
+      <p:ext uri="{BB962C8B-B14F-4D97-AF65-F5344CB8AC3E}">
+        <p14:creationId xmlns:p14="http://schemas.microsoft.com/office/powerpoint/2010/main" val="573116530"/>
+      </p:ext>
+    </p:extLst>
+  </p:cSld>
+  <p:clrMapOvr>
+    <a:masterClrMapping/>
+  </p:clrMapOvr>
+</p:sld>
+</file>
+
+<file path=ppt/slides/slide11.xml><?xml version="1.0" encoding="utf-8"?>
+<p:sld xmlns:a="http://schemas.openxmlformats.org/drawingml/2006/main" xmlns:r="http://schemas.openxmlformats.org/officeDocument/2006/relationships" xmlns:p="http://schemas.openxmlformats.org/presentationml/2006/main">
+  <p:cSld>
+    <p:spTree>
+      <p:nvGrpSpPr>
+        <p:cNvPr id="1" name=""/>
+        <p:cNvGrpSpPr/>
+        <p:nvPr/>
+      </p:nvGrpSpPr>
+      <p:grpSpPr>
+        <a:xfrm>
+          <a:off x="0" y="0"/>
+          <a:ext cx="0" cy="0"/>
+          <a:chOff x="0" y="0"/>
+          <a:chExt cx="0" cy="0"/>
+        </a:xfrm>
+      </p:grpSpPr>
+      <p:sp>
+        <p:nvSpPr>
           <p:cNvPr id="6" name="Title 5">
             <a:extLst>
               <a:ext uri="{FF2B5EF4-FFF2-40B4-BE49-F238E27FC236}">
@@ -37409,10 +37594,9 @@
           <a:lstStyle/>
           <a:p>
             <a:r>
-              <a:rPr lang="en-US"/>
-              <a:t>Copyright © 2013 - 2019 by Mark Reynolds</a:t>
+              <a:rPr lang="en-US" dirty="0"/>
+              <a:t>Copyright © 2013 - 2019 by Joe Reynolds</a:t>
             </a:r>
-            <a:endParaRPr lang="en-US" dirty="0"/>
           </a:p>
         </p:txBody>
       </p:sp>
@@ -37439,7 +37623,7 @@
           <a:p>
             <a:fld id="{6813DC8C-A616-47C4-99E2-1208BE02F915}" type="slidenum">
               <a:rPr lang="en-US" smtClean="0"/>
-              <a:t>10</a:t>
+              <a:t>11</a:t>
             </a:fld>
             <a:endParaRPr lang="en-US"/>
           </a:p>
@@ -37458,7 +37642,7 @@
 </p:sld>
 </file>
 
-<file path=ppt/slides/slide11.xml><?xml version="1.0" encoding="utf-8"?>
+<file path=ppt/slides/slide12.xml><?xml version="1.0" encoding="utf-8"?>
 <p:sld xmlns:a="http://schemas.openxmlformats.org/drawingml/2006/main" xmlns:r="http://schemas.openxmlformats.org/officeDocument/2006/relationships" xmlns:p="http://schemas.openxmlformats.org/presentationml/2006/main">
   <p:cSld>
     <p:spTree>
@@ -37554,10 +37738,9 @@
           <a:lstStyle/>
           <a:p>
             <a:r>
-              <a:rPr lang="en-US"/>
-              <a:t>Copyright © 2013 - 2019 by Mark Reynolds</a:t>
+              <a:rPr lang="en-US" dirty="0"/>
+              <a:t>Copyright © 2013 - 2019 by Joe Reynolds</a:t>
             </a:r>
-            <a:endParaRPr lang="en-US" dirty="0"/>
           </a:p>
         </p:txBody>
       </p:sp>
@@ -37584,7 +37767,7 @@
           <a:p>
             <a:fld id="{6813DC8C-A616-47C4-99E2-1208BE02F915}" type="slidenum">
               <a:rPr lang="en-US" smtClean="0"/>
-              <a:t>11</a:t>
+              <a:t>12</a:t>
             </a:fld>
             <a:endParaRPr lang="en-US"/>
           </a:p>
@@ -37603,7 +37786,7 @@
 </p:sld>
 </file>
 
-<file path=ppt/slides/slide12.xml><?xml version="1.0" encoding="utf-8"?>
+<file path=ppt/slides/slide13.xml><?xml version="1.0" encoding="utf-8"?>
 <p:sld xmlns:a="http://schemas.openxmlformats.org/drawingml/2006/main" xmlns:r="http://schemas.openxmlformats.org/officeDocument/2006/relationships" xmlns:p="http://schemas.openxmlformats.org/presentationml/2006/main">
   <p:cSld>
     <p:spTree>
@@ -37699,10 +37882,9 @@
           <a:lstStyle/>
           <a:p>
             <a:r>
-              <a:rPr lang="en-US"/>
-              <a:t>Copyright © 2013 - 2019 by Mark Reynolds</a:t>
+              <a:rPr lang="en-US" dirty="0"/>
+              <a:t>Copyright © 2013 - 2019 by Joe Reynolds</a:t>
             </a:r>
-            <a:endParaRPr lang="en-US" dirty="0"/>
           </a:p>
         </p:txBody>
       </p:sp>
@@ -37729,7 +37911,7 @@
           <a:p>
             <a:fld id="{6813DC8C-A616-47C4-99E2-1208BE02F915}" type="slidenum">
               <a:rPr lang="en-US" smtClean="0"/>
-              <a:t>12</a:t>
+              <a:t>13</a:t>
             </a:fld>
             <a:endParaRPr lang="en-US"/>
           </a:p>
@@ -37748,7 +37930,7 @@
 </p:sld>
 </file>
 
-<file path=ppt/slides/slide13.xml><?xml version="1.0" encoding="utf-8"?>
+<file path=ppt/slides/slide14.xml><?xml version="1.0" encoding="utf-8"?>
 <p:sld xmlns:a="http://schemas.openxmlformats.org/drawingml/2006/main" xmlns:r="http://schemas.openxmlformats.org/officeDocument/2006/relationships" xmlns:p="http://schemas.openxmlformats.org/presentationml/2006/main">
   <p:cSld>
     <p:spTree>
@@ -37844,10 +38026,9 @@
           <a:lstStyle/>
           <a:p>
             <a:r>
-              <a:rPr lang="en-US"/>
-              <a:t>Copyright © 2013 - 2019 by Mark Reynolds</a:t>
+              <a:rPr lang="en-US" dirty="0"/>
+              <a:t>Copyright © 2013 - 2019 by Joe Reynolds</a:t>
             </a:r>
-            <a:endParaRPr lang="en-US" dirty="0"/>
           </a:p>
         </p:txBody>
       </p:sp>
@@ -37874,7 +38055,7 @@
           <a:p>
             <a:fld id="{6813DC8C-A616-47C4-99E2-1208BE02F915}" type="slidenum">
               <a:rPr lang="en-US" smtClean="0"/>
-              <a:t>13</a:t>
+              <a:t>14</a:t>
             </a:fld>
             <a:endParaRPr lang="en-US"/>
           </a:p>
@@ -37893,7 +38074,7 @@
 </p:sld>
 </file>
 
-<file path=ppt/slides/slide14.xml><?xml version="1.0" encoding="utf-8"?>
+<file path=ppt/slides/slide15.xml><?xml version="1.0" encoding="utf-8"?>
 <p:sld xmlns:a="http://schemas.openxmlformats.org/drawingml/2006/main" xmlns:r="http://schemas.openxmlformats.org/officeDocument/2006/relationships" xmlns:p="http://schemas.openxmlformats.org/presentationml/2006/main">
   <p:cSld>
     <p:spTree>
@@ -37957,10 +38138,9 @@
           <a:lstStyle/>
           <a:p>
             <a:r>
-              <a:rPr lang="en-US"/>
-              <a:t>Copyright © 2013 - 2019 by Mark Reynolds</a:t>
+              <a:rPr lang="en-US" dirty="0"/>
+              <a:t>Copyright © 2013 - 2019 by Joe Reynolds</a:t>
             </a:r>
-            <a:endParaRPr lang="en-US" dirty="0"/>
           </a:p>
         </p:txBody>
       </p:sp>
@@ -37987,7 +38167,7 @@
           <a:p>
             <a:fld id="{6813DC8C-A616-47C4-99E2-1208BE02F915}" type="slidenum">
               <a:rPr lang="en-US" smtClean="0"/>
-              <a:t>14</a:t>
+              <a:t>15</a:t>
             </a:fld>
             <a:endParaRPr lang="en-US"/>
           </a:p>
@@ -38038,7 +38218,7 @@
 </p:sld>
 </file>
 
-<file path=ppt/slides/slide15.xml><?xml version="1.0" encoding="utf-8"?>
+<file path=ppt/slides/slide16.xml><?xml version="1.0" encoding="utf-8"?>
 <p:sld xmlns:a="http://schemas.openxmlformats.org/drawingml/2006/main" xmlns:r="http://schemas.openxmlformats.org/officeDocument/2006/relationships" xmlns:p="http://schemas.openxmlformats.org/presentationml/2006/main">
   <p:cSld>
     <p:spTree>
@@ -38102,10 +38282,9 @@
           <a:lstStyle/>
           <a:p>
             <a:r>
-              <a:rPr lang="en-US"/>
-              <a:t>Copyright © 2013 - 2019 by Mark Reynolds</a:t>
+              <a:rPr lang="en-US" dirty="0"/>
+              <a:t>Copyright © 2013 - 2019 by Joe Reynolds</a:t>
             </a:r>
-            <a:endParaRPr lang="en-US" dirty="0"/>
           </a:p>
         </p:txBody>
       </p:sp>
@@ -38132,7 +38311,7 @@
           <a:p>
             <a:fld id="{6813DC8C-A616-47C4-99E2-1208BE02F915}" type="slidenum">
               <a:rPr lang="en-US" smtClean="0"/>
-              <a:t>15</a:t>
+              <a:t>16</a:t>
             </a:fld>
             <a:endParaRPr lang="en-US"/>
           </a:p>
@@ -38183,7 +38362,7 @@
 </p:sld>
 </file>
 
-<file path=ppt/slides/slide16.xml><?xml version="1.0" encoding="utf-8"?>
+<file path=ppt/slides/slide17.xml><?xml version="1.0" encoding="utf-8"?>
 <p:sld xmlns:a="http://schemas.openxmlformats.org/drawingml/2006/main" xmlns:r="http://schemas.openxmlformats.org/officeDocument/2006/relationships" xmlns:p="http://schemas.openxmlformats.org/presentationml/2006/main">
   <p:cSld>
     <p:spTree>
@@ -38282,10 +38461,9 @@
           <a:lstStyle/>
           <a:p>
             <a:r>
-              <a:rPr lang="en-US"/>
-              <a:t>Copyright © 2013 - 2019 by Mark Reynolds</a:t>
+              <a:rPr lang="en-US" dirty="0"/>
+              <a:t>Copyright © 2013 - 2019 by Joe Reynolds</a:t>
             </a:r>
-            <a:endParaRPr lang="en-US" dirty="0"/>
           </a:p>
         </p:txBody>
       </p:sp>
@@ -38312,7 +38490,7 @@
           <a:p>
             <a:fld id="{6813DC8C-A616-47C4-99E2-1208BE02F915}" type="slidenum">
               <a:rPr lang="en-US" smtClean="0"/>
-              <a:t>16</a:t>
+              <a:t>17</a:t>
             </a:fld>
             <a:endParaRPr lang="en-US"/>
           </a:p>
@@ -38331,7 +38509,7 @@
 </p:sld>
 </file>
 
-<file path=ppt/slides/slide17.xml><?xml version="1.0" encoding="utf-8"?>
+<file path=ppt/slides/slide18.xml><?xml version="1.0" encoding="utf-8"?>
 <p:sld xmlns:a="http://schemas.openxmlformats.org/drawingml/2006/main" xmlns:r="http://schemas.openxmlformats.org/officeDocument/2006/relationships" xmlns:p="http://schemas.openxmlformats.org/presentationml/2006/main">
   <p:cSld>
     <p:spTree>
@@ -38427,10 +38605,9 @@
           <a:lstStyle/>
           <a:p>
             <a:r>
-              <a:rPr lang="en-US"/>
-              <a:t>Copyright © 2013 - 2019 by Mark Reynolds</a:t>
+              <a:rPr lang="en-US" dirty="0"/>
+              <a:t>Copyright © 2013 - 2019 by Joe Reynolds</a:t>
             </a:r>
-            <a:endParaRPr lang="en-US" dirty="0"/>
           </a:p>
         </p:txBody>
       </p:sp>
@@ -38457,7 +38634,7 @@
           <a:p>
             <a:fld id="{6813DC8C-A616-47C4-99E2-1208BE02F915}" type="slidenum">
               <a:rPr lang="en-US" smtClean="0"/>
-              <a:t>17</a:t>
+              <a:t>18</a:t>
             </a:fld>
             <a:endParaRPr lang="en-US"/>
           </a:p>
@@ -38476,7 +38653,7 @@
 </p:sld>
 </file>
 
-<file path=ppt/slides/slide18.xml><?xml version="1.0" encoding="utf-8"?>
+<file path=ppt/slides/slide19.xml><?xml version="1.0" encoding="utf-8"?>
 <p:sld xmlns:a="http://schemas.openxmlformats.org/drawingml/2006/main" xmlns:r="http://schemas.openxmlformats.org/officeDocument/2006/relationships" xmlns:p="http://schemas.openxmlformats.org/presentationml/2006/main">
   <p:cSld>
     <p:spTree>
@@ -38573,10 +38750,9 @@
           <a:lstStyle/>
           <a:p>
             <a:r>
-              <a:rPr lang="en-US"/>
-              <a:t>Copyright © 2013 - 2019 by Mark Reynolds</a:t>
+              <a:rPr lang="en-US" dirty="0"/>
+              <a:t>Copyright © 2013 - 2019 by Joe Reynolds</a:t>
             </a:r>
-            <a:endParaRPr lang="en-US" dirty="0"/>
           </a:p>
         </p:txBody>
       </p:sp>
@@ -38603,7 +38779,7 @@
           <a:p>
             <a:fld id="{6813DC8C-A616-47C4-99E2-1208BE02F915}" type="slidenum">
               <a:rPr lang="en-US" smtClean="0"/>
-              <a:t>18</a:t>
+              <a:t>19</a:t>
             </a:fld>
             <a:endParaRPr lang="en-US"/>
           </a:p>
@@ -38613,151 +38789,6 @@
     <p:extLst>
       <p:ext uri="{BB962C8B-B14F-4D97-AF65-F5344CB8AC3E}">
         <p14:creationId xmlns:p14="http://schemas.microsoft.com/office/powerpoint/2010/main" val="3626490270"/>
-      </p:ext>
-    </p:extLst>
-  </p:cSld>
-  <p:clrMapOvr>
-    <a:masterClrMapping/>
-  </p:clrMapOvr>
-</p:sld>
-</file>
-
-<file path=ppt/slides/slide19.xml><?xml version="1.0" encoding="utf-8"?>
-<p:sld xmlns:a="http://schemas.openxmlformats.org/drawingml/2006/main" xmlns:r="http://schemas.openxmlformats.org/officeDocument/2006/relationships" xmlns:p="http://schemas.openxmlformats.org/presentationml/2006/main">
-  <p:cSld>
-    <p:spTree>
-      <p:nvGrpSpPr>
-        <p:cNvPr id="1" name=""/>
-        <p:cNvGrpSpPr/>
-        <p:nvPr/>
-      </p:nvGrpSpPr>
-      <p:grpSpPr>
-        <a:xfrm>
-          <a:off x="0" y="0"/>
-          <a:ext cx="0" cy="0"/>
-          <a:chOff x="0" y="0"/>
-          <a:chExt cx="0" cy="0"/>
-        </a:xfrm>
-      </p:grpSpPr>
-      <p:sp>
-        <p:nvSpPr>
-          <p:cNvPr id="2" name="Title 1">
-            <a:extLst>
-              <a:ext uri="{FF2B5EF4-FFF2-40B4-BE49-F238E27FC236}">
-                <a16:creationId xmlns:a16="http://schemas.microsoft.com/office/drawing/2014/main" id="{AC7D7FAD-1304-4C86-BE2F-2E1460A8F117}"/>
-              </a:ext>
-            </a:extLst>
-          </p:cNvPr>
-          <p:cNvSpPr>
-            <a:spLocks noGrp="1"/>
-          </p:cNvSpPr>
-          <p:nvPr>
-            <p:ph type="title"/>
-          </p:nvPr>
-        </p:nvSpPr>
-        <p:spPr/>
-        <p:txBody>
-          <a:bodyPr/>
-          <a:lstStyle/>
-          <a:p>
-            <a:endParaRPr lang="en-US"/>
-          </a:p>
-        </p:txBody>
-      </p:sp>
-      <p:pic>
-        <p:nvPicPr>
-          <p:cNvPr id="6" name="Content Placeholder 5">
-            <a:extLst>
-              <a:ext uri="{FF2B5EF4-FFF2-40B4-BE49-F238E27FC236}">
-                <a16:creationId xmlns:a16="http://schemas.microsoft.com/office/drawing/2014/main" id="{415C6A22-16D4-4414-9FEE-078169D50FDA}"/>
-              </a:ext>
-            </a:extLst>
-          </p:cNvPr>
-          <p:cNvPicPr>
-            <a:picLocks noGrp="1" noChangeAspect="1"/>
-          </p:cNvPicPr>
-          <p:nvPr>
-            <p:ph idx="1"/>
-          </p:nvPr>
-        </p:nvPicPr>
-        <p:blipFill>
-          <a:blip r:embed="rId2"/>
-          <a:stretch>
-            <a:fillRect/>
-          </a:stretch>
-        </p:blipFill>
-        <p:spPr>
-          <a:xfrm>
-            <a:off x="2149519" y="1371600"/>
-            <a:ext cx="7899312" cy="5029200"/>
-          </a:xfrm>
-          <a:prstGeom prst="rect">
-            <a:avLst/>
-          </a:prstGeom>
-        </p:spPr>
-      </p:pic>
-      <p:sp>
-        <p:nvSpPr>
-          <p:cNvPr id="4" name="Footer Placeholder 3">
-            <a:extLst>
-              <a:ext uri="{FF2B5EF4-FFF2-40B4-BE49-F238E27FC236}">
-                <a16:creationId xmlns:a16="http://schemas.microsoft.com/office/drawing/2014/main" id="{4FAB7456-67F8-4BF0-8719-1B1D13830378}"/>
-              </a:ext>
-            </a:extLst>
-          </p:cNvPr>
-          <p:cNvSpPr>
-            <a:spLocks noGrp="1"/>
-          </p:cNvSpPr>
-          <p:nvPr>
-            <p:ph type="ftr" sz="quarter" idx="11"/>
-          </p:nvPr>
-        </p:nvSpPr>
-        <p:spPr/>
-        <p:txBody>
-          <a:bodyPr/>
-          <a:lstStyle/>
-          <a:p>
-            <a:r>
-              <a:rPr lang="en-US"/>
-              <a:t>Copyright © 2013 - 2019 by Mark Reynolds</a:t>
-            </a:r>
-            <a:endParaRPr lang="en-US" dirty="0"/>
-          </a:p>
-        </p:txBody>
-      </p:sp>
-      <p:sp>
-        <p:nvSpPr>
-          <p:cNvPr id="5" name="Slide Number Placeholder 4">
-            <a:extLst>
-              <a:ext uri="{FF2B5EF4-FFF2-40B4-BE49-F238E27FC236}">
-                <a16:creationId xmlns:a16="http://schemas.microsoft.com/office/drawing/2014/main" id="{56FE6ED4-1B64-4184-B0F5-788616C595E4}"/>
-              </a:ext>
-            </a:extLst>
-          </p:cNvPr>
-          <p:cNvSpPr>
-            <a:spLocks noGrp="1"/>
-          </p:cNvSpPr>
-          <p:nvPr>
-            <p:ph type="sldNum" sz="quarter" idx="12"/>
-          </p:nvPr>
-        </p:nvSpPr>
-        <p:spPr/>
-        <p:txBody>
-          <a:bodyPr/>
-          <a:lstStyle/>
-          <a:p>
-            <a:fld id="{6813DC8C-A616-47C4-99E2-1208BE02F915}" type="slidenum">
-              <a:rPr lang="en-US" smtClean="0"/>
-              <a:t>19</a:t>
-            </a:fld>
-            <a:endParaRPr lang="en-US"/>
-          </a:p>
-        </p:txBody>
-      </p:sp>
-    </p:spTree>
-    <p:extLst>
-      <p:ext uri="{BB962C8B-B14F-4D97-AF65-F5344CB8AC3E}">
-        <p14:creationId xmlns:p14="http://schemas.microsoft.com/office/powerpoint/2010/main" val="2552450569"/>
       </p:ext>
     </p:extLst>
   </p:cSld>
@@ -38834,8 +38865,8 @@
           <a:lstStyle/>
           <a:p>
             <a:r>
-              <a:rPr lang="en-US"/>
-              <a:t>Copyright © 2013 - 2019 by Mark Reynolds</a:t>
+              <a:rPr lang="en-US" dirty="0"/>
+              <a:t>Copyright © 2013 - 2019 by Joe Reynolds</a:t>
             </a:r>
           </a:p>
         </p:txBody>
@@ -39288,6 +39319,150 @@
           <p:cNvPr id="2" name="Title 1">
             <a:extLst>
               <a:ext uri="{FF2B5EF4-FFF2-40B4-BE49-F238E27FC236}">
+                <a16:creationId xmlns:a16="http://schemas.microsoft.com/office/drawing/2014/main" id="{AC7D7FAD-1304-4C86-BE2F-2E1460A8F117}"/>
+              </a:ext>
+            </a:extLst>
+          </p:cNvPr>
+          <p:cNvSpPr>
+            <a:spLocks noGrp="1"/>
+          </p:cNvSpPr>
+          <p:nvPr>
+            <p:ph type="title"/>
+          </p:nvPr>
+        </p:nvSpPr>
+        <p:spPr/>
+        <p:txBody>
+          <a:bodyPr/>
+          <a:lstStyle/>
+          <a:p>
+            <a:endParaRPr lang="en-US"/>
+          </a:p>
+        </p:txBody>
+      </p:sp>
+      <p:pic>
+        <p:nvPicPr>
+          <p:cNvPr id="6" name="Content Placeholder 5">
+            <a:extLst>
+              <a:ext uri="{FF2B5EF4-FFF2-40B4-BE49-F238E27FC236}">
+                <a16:creationId xmlns:a16="http://schemas.microsoft.com/office/drawing/2014/main" id="{415C6A22-16D4-4414-9FEE-078169D50FDA}"/>
+              </a:ext>
+            </a:extLst>
+          </p:cNvPr>
+          <p:cNvPicPr>
+            <a:picLocks noGrp="1" noChangeAspect="1"/>
+          </p:cNvPicPr>
+          <p:nvPr>
+            <p:ph idx="1"/>
+          </p:nvPr>
+        </p:nvPicPr>
+        <p:blipFill>
+          <a:blip r:embed="rId2"/>
+          <a:stretch>
+            <a:fillRect/>
+          </a:stretch>
+        </p:blipFill>
+        <p:spPr>
+          <a:xfrm>
+            <a:off x="2149519" y="1371600"/>
+            <a:ext cx="7899312" cy="5029200"/>
+          </a:xfrm>
+          <a:prstGeom prst="rect">
+            <a:avLst/>
+          </a:prstGeom>
+        </p:spPr>
+      </p:pic>
+      <p:sp>
+        <p:nvSpPr>
+          <p:cNvPr id="4" name="Footer Placeholder 3">
+            <a:extLst>
+              <a:ext uri="{FF2B5EF4-FFF2-40B4-BE49-F238E27FC236}">
+                <a16:creationId xmlns:a16="http://schemas.microsoft.com/office/drawing/2014/main" id="{4FAB7456-67F8-4BF0-8719-1B1D13830378}"/>
+              </a:ext>
+            </a:extLst>
+          </p:cNvPr>
+          <p:cNvSpPr>
+            <a:spLocks noGrp="1"/>
+          </p:cNvSpPr>
+          <p:nvPr>
+            <p:ph type="ftr" sz="quarter" idx="11"/>
+          </p:nvPr>
+        </p:nvSpPr>
+        <p:spPr/>
+        <p:txBody>
+          <a:bodyPr/>
+          <a:lstStyle/>
+          <a:p>
+            <a:r>
+              <a:rPr lang="en-US" dirty="0"/>
+              <a:t>Copyright © 2013 - 2019 by Joe Reynolds</a:t>
+            </a:r>
+          </a:p>
+        </p:txBody>
+      </p:sp>
+      <p:sp>
+        <p:nvSpPr>
+          <p:cNvPr id="5" name="Slide Number Placeholder 4">
+            <a:extLst>
+              <a:ext uri="{FF2B5EF4-FFF2-40B4-BE49-F238E27FC236}">
+                <a16:creationId xmlns:a16="http://schemas.microsoft.com/office/drawing/2014/main" id="{56FE6ED4-1B64-4184-B0F5-788616C595E4}"/>
+              </a:ext>
+            </a:extLst>
+          </p:cNvPr>
+          <p:cNvSpPr>
+            <a:spLocks noGrp="1"/>
+          </p:cNvSpPr>
+          <p:nvPr>
+            <p:ph type="sldNum" sz="quarter" idx="12"/>
+          </p:nvPr>
+        </p:nvSpPr>
+        <p:spPr/>
+        <p:txBody>
+          <a:bodyPr/>
+          <a:lstStyle/>
+          <a:p>
+            <a:fld id="{6813DC8C-A616-47C4-99E2-1208BE02F915}" type="slidenum">
+              <a:rPr lang="en-US" smtClean="0"/>
+              <a:t>20</a:t>
+            </a:fld>
+            <a:endParaRPr lang="en-US"/>
+          </a:p>
+        </p:txBody>
+      </p:sp>
+    </p:spTree>
+    <p:extLst>
+      <p:ext uri="{BB962C8B-B14F-4D97-AF65-F5344CB8AC3E}">
+        <p14:creationId xmlns:p14="http://schemas.microsoft.com/office/powerpoint/2010/main" val="2552450569"/>
+      </p:ext>
+    </p:extLst>
+  </p:cSld>
+  <p:clrMapOvr>
+    <a:masterClrMapping/>
+  </p:clrMapOvr>
+</p:sld>
+</file>
+
+<file path=ppt/slides/slide21.xml><?xml version="1.0" encoding="utf-8"?>
+<p:sld xmlns:a="http://schemas.openxmlformats.org/drawingml/2006/main" xmlns:r="http://schemas.openxmlformats.org/officeDocument/2006/relationships" xmlns:p="http://schemas.openxmlformats.org/presentationml/2006/main">
+  <p:cSld>
+    <p:spTree>
+      <p:nvGrpSpPr>
+        <p:cNvPr id="1" name=""/>
+        <p:cNvGrpSpPr/>
+        <p:nvPr/>
+      </p:nvGrpSpPr>
+      <p:grpSpPr>
+        <a:xfrm>
+          <a:off x="0" y="0"/>
+          <a:ext cx="0" cy="0"/>
+          <a:chOff x="0" y="0"/>
+          <a:chExt cx="0" cy="0"/>
+        </a:xfrm>
+      </p:grpSpPr>
+      <p:sp>
+        <p:nvSpPr>
+          <p:cNvPr id="2" name="Title 1">
+            <a:extLst>
+              <a:ext uri="{FF2B5EF4-FFF2-40B4-BE49-F238E27FC236}">
                 <a16:creationId xmlns:a16="http://schemas.microsoft.com/office/drawing/2014/main" id="{E1B9E7CE-261D-46A7-87EA-261BF91CD4FF}"/>
               </a:ext>
             </a:extLst>
@@ -39358,10 +39533,9 @@
           <a:lstStyle/>
           <a:p>
             <a:r>
-              <a:rPr lang="en-US"/>
-              <a:t>Copyright © 2013 - 2019 by Mark Reynolds</a:t>
+              <a:rPr lang="en-US" dirty="0"/>
+              <a:t>Copyright © 2013 - 2019 by Joe Reynolds</a:t>
             </a:r>
-            <a:endParaRPr lang="en-US" dirty="0"/>
           </a:p>
         </p:txBody>
       </p:sp>
@@ -39388,7 +39562,7 @@
           <a:p>
             <a:fld id="{6813DC8C-A616-47C4-99E2-1208BE02F915}" type="slidenum">
               <a:rPr lang="en-US" smtClean="0"/>
-              <a:t>20</a:t>
+              <a:t>21</a:t>
             </a:fld>
             <a:endParaRPr lang="en-US"/>
           </a:p>
@@ -39407,7 +39581,7 @@
 </p:sld>
 </file>
 
-<file path=ppt/slides/slide21.xml><?xml version="1.0" encoding="utf-8"?>
+<file path=ppt/slides/slide22.xml><?xml version="1.0" encoding="utf-8"?>
 <p:sld xmlns:a="http://schemas.openxmlformats.org/drawingml/2006/main" xmlns:r="http://schemas.openxmlformats.org/officeDocument/2006/relationships" xmlns:p="http://schemas.openxmlformats.org/presentationml/2006/main">
   <p:cSld>
     <p:spTree>
@@ -39523,10 +39697,9 @@
           <a:lstStyle/>
           <a:p>
             <a:r>
-              <a:rPr lang="en-US"/>
-              <a:t>Copyright © 2013 - 2019 by Mark Reynolds</a:t>
+              <a:rPr lang="en-US" dirty="0"/>
+              <a:t>Copyright © 2013 - 2019 by Joe Reynolds</a:t>
             </a:r>
-            <a:endParaRPr lang="en-US" dirty="0"/>
           </a:p>
         </p:txBody>
       </p:sp>
@@ -39553,7 +39726,7 @@
           <a:p>
             <a:fld id="{6813DC8C-A616-47C4-99E2-1208BE02F915}" type="slidenum">
               <a:rPr lang="en-US" smtClean="0"/>
-              <a:t>21</a:t>
+              <a:t>22</a:t>
             </a:fld>
             <a:endParaRPr lang="en-US"/>
           </a:p>
@@ -39572,7 +39745,7 @@
 </p:sld>
 </file>
 
-<file path=ppt/slides/slide22.xml><?xml version="1.0" encoding="utf-8"?>
+<file path=ppt/slides/slide23.xml><?xml version="1.0" encoding="utf-8"?>
 <p:sld xmlns:a="http://schemas.openxmlformats.org/drawingml/2006/main" xmlns:r="http://schemas.openxmlformats.org/officeDocument/2006/relationships" xmlns:p="http://schemas.openxmlformats.org/presentationml/2006/main">
   <p:cSld>
     <p:spTree>
@@ -39671,10 +39844,9 @@
           <a:lstStyle/>
           <a:p>
             <a:r>
-              <a:rPr lang="en-US"/>
-              <a:t>Copyright © 2013 - 2019 by Mark Reynolds</a:t>
+              <a:rPr lang="en-US" dirty="0"/>
+              <a:t>Copyright © 2013 - 2019 by Joe Reynolds</a:t>
             </a:r>
-            <a:endParaRPr lang="en-US" dirty="0"/>
           </a:p>
         </p:txBody>
       </p:sp>
@@ -39701,7 +39873,7 @@
           <a:p>
             <a:fld id="{6813DC8C-A616-47C4-99E2-1208BE02F915}" type="slidenum">
               <a:rPr lang="en-US" smtClean="0"/>
-              <a:t>22</a:t>
+              <a:t>23</a:t>
             </a:fld>
             <a:endParaRPr lang="en-US"/>
           </a:p>
@@ -39720,7 +39892,7 @@
 </p:sld>
 </file>
 
-<file path=ppt/slides/slide23.xml><?xml version="1.0" encoding="utf-8"?>
+<file path=ppt/slides/slide24.xml><?xml version="1.0" encoding="utf-8"?>
 <p:sld xmlns:a="http://schemas.openxmlformats.org/drawingml/2006/main" xmlns:r="http://schemas.openxmlformats.org/officeDocument/2006/relationships" xmlns:p="http://schemas.openxmlformats.org/presentationml/2006/main">
   <p:cSld>
     <p:spTree>
@@ -39787,10 +39959,9 @@
           <a:lstStyle/>
           <a:p>
             <a:r>
-              <a:rPr lang="en-US"/>
-              <a:t>Copyright © 2013 - 2019 by Mark Reynolds</a:t>
+              <a:rPr lang="en-US" dirty="0"/>
+              <a:t>Copyright © 2013 - 2019 by Joe Reynolds</a:t>
             </a:r>
-            <a:endParaRPr lang="en-US" dirty="0"/>
           </a:p>
         </p:txBody>
       </p:sp>
@@ -39817,7 +39988,7 @@
           <a:p>
             <a:fld id="{6813DC8C-A616-47C4-99E2-1208BE02F915}" type="slidenum">
               <a:rPr lang="en-US" smtClean="0"/>
-              <a:t>23</a:t>
+              <a:t>24</a:t>
             </a:fld>
             <a:endParaRPr lang="en-US"/>
           </a:p>
@@ -39891,7 +40062,7 @@
 </p:sld>
 </file>
 
-<file path=ppt/slides/slide24.xml><?xml version="1.0" encoding="utf-8"?>
+<file path=ppt/slides/slide25.xml><?xml version="1.0" encoding="utf-8"?>
 <p:sld xmlns:a="http://schemas.openxmlformats.org/drawingml/2006/main" xmlns:r="http://schemas.openxmlformats.org/officeDocument/2006/relationships" xmlns:p="http://schemas.openxmlformats.org/presentationml/2006/main">
   <p:cSld>
     <p:spTree>
@@ -40049,10 +40220,9 @@
           <a:lstStyle/>
           <a:p>
             <a:r>
-              <a:rPr lang="en-US"/>
-              <a:t>Copyright © 2013 - 2019 by Mark Reynolds</a:t>
+              <a:rPr lang="en-US" dirty="0"/>
+              <a:t>Copyright © 2013 - 2019 by Joe Reynolds</a:t>
             </a:r>
-            <a:endParaRPr lang="en-US" dirty="0"/>
           </a:p>
         </p:txBody>
       </p:sp>
@@ -40079,7 +40249,7 @@
           <a:p>
             <a:fld id="{6813DC8C-A616-47C4-99E2-1208BE02F915}" type="slidenum">
               <a:rPr lang="en-US" smtClean="0"/>
-              <a:t>24</a:t>
+              <a:t>25</a:t>
             </a:fld>
             <a:endParaRPr lang="en-US"/>
           </a:p>
@@ -40098,7 +40268,7 @@
 </p:sld>
 </file>
 
-<file path=ppt/slides/slide25.xml><?xml version="1.0" encoding="utf-8"?>
+<file path=ppt/slides/slide26.xml><?xml version="1.0" encoding="utf-8"?>
 <p:sld xmlns:a="http://schemas.openxmlformats.org/drawingml/2006/main" xmlns:r="http://schemas.openxmlformats.org/officeDocument/2006/relationships" xmlns:p="http://schemas.openxmlformats.org/presentationml/2006/main">
   <p:cSld>
     <p:spTree>
@@ -40197,10 +40367,9 @@
           <a:lstStyle/>
           <a:p>
             <a:r>
-              <a:rPr lang="en-US"/>
-              <a:t>Copyright © 2013 - 2019 by Mark Reynolds</a:t>
+              <a:rPr lang="en-US" dirty="0"/>
+              <a:t>Copyright © 2013 - 2019 by Joe Reynolds</a:t>
             </a:r>
-            <a:endParaRPr lang="en-US" dirty="0"/>
           </a:p>
         </p:txBody>
       </p:sp>
@@ -40227,7 +40396,7 @@
           <a:p>
             <a:fld id="{6813DC8C-A616-47C4-99E2-1208BE02F915}" type="slidenum">
               <a:rPr lang="en-US" smtClean="0"/>
-              <a:t>25</a:t>
+              <a:t>26</a:t>
             </a:fld>
             <a:endParaRPr lang="en-US"/>
           </a:p>
@@ -40368,7 +40537,7 @@
 </p:sld>
 </file>
 
-<file path=ppt/slides/slide26.xml><?xml version="1.0" encoding="utf-8"?>
+<file path=ppt/slides/slide27.xml><?xml version="1.0" encoding="utf-8"?>
 <p:sld xmlns:a="http://schemas.openxmlformats.org/drawingml/2006/main" xmlns:r="http://schemas.openxmlformats.org/officeDocument/2006/relationships" xmlns:p="http://schemas.openxmlformats.org/presentationml/2006/main">
   <p:cSld>
     <p:spTree>
@@ -40467,10 +40636,9 @@
           <a:lstStyle/>
           <a:p>
             <a:r>
-              <a:rPr lang="en-US"/>
-              <a:t>Copyright © 2013 - 2019 by Mark Reynolds</a:t>
+              <a:rPr lang="en-US" dirty="0"/>
+              <a:t>Copyright © 2013 - 2019 by Joe Reynolds</a:t>
             </a:r>
-            <a:endParaRPr lang="en-US" dirty="0"/>
           </a:p>
         </p:txBody>
       </p:sp>
@@ -40497,7 +40665,7 @@
           <a:p>
             <a:fld id="{6813DC8C-A616-47C4-99E2-1208BE02F915}" type="slidenum">
               <a:rPr lang="en-US" smtClean="0"/>
-              <a:t>26</a:t>
+              <a:t>27</a:t>
             </a:fld>
             <a:endParaRPr lang="en-US"/>
           </a:p>
@@ -40516,7 +40684,7 @@
 </p:sld>
 </file>
 
-<file path=ppt/slides/slide27.xml><?xml version="1.0" encoding="utf-8"?>
+<file path=ppt/slides/slide28.xml><?xml version="1.0" encoding="utf-8"?>
 <p:sld xmlns:a="http://schemas.openxmlformats.org/drawingml/2006/main" xmlns:r="http://schemas.openxmlformats.org/officeDocument/2006/relationships" xmlns:p="http://schemas.openxmlformats.org/presentationml/2006/main">
   <p:cSld>
     <p:spTree>
@@ -40608,10 +40776,9 @@
           <a:lstStyle/>
           <a:p>
             <a:r>
-              <a:rPr lang="en-US"/>
-              <a:t>Copyright © 2013 - 2019 by Mark Reynolds</a:t>
+              <a:rPr lang="en-US" dirty="0"/>
+              <a:t>Copyright © 2013 - 2019 by Joe Reynolds</a:t>
             </a:r>
-            <a:endParaRPr lang="en-US" dirty="0"/>
           </a:p>
         </p:txBody>
       </p:sp>
@@ -40638,7 +40805,7 @@
           <a:p>
             <a:fld id="{6813DC8C-A616-47C4-99E2-1208BE02F915}" type="slidenum">
               <a:rPr lang="en-US" smtClean="0"/>
-              <a:t>27</a:t>
+              <a:t>28</a:t>
             </a:fld>
             <a:endParaRPr lang="en-US"/>
           </a:p>
@@ -40657,7 +40824,7 @@
 </p:sld>
 </file>
 
-<file path=ppt/slides/slide28.xml><?xml version="1.0" encoding="utf-8"?>
+<file path=ppt/slides/slide29.xml><?xml version="1.0" encoding="utf-8"?>
 <p:sld xmlns:a="http://schemas.openxmlformats.org/drawingml/2006/main" xmlns:r="http://schemas.openxmlformats.org/officeDocument/2006/relationships" xmlns:p="http://schemas.openxmlformats.org/presentationml/2006/main">
   <p:cSld>
     <p:spTree>
@@ -40753,10 +40920,9 @@
           <a:lstStyle/>
           <a:p>
             <a:r>
-              <a:rPr lang="en-US"/>
-              <a:t>Copyright © 2013 - 2019 by Mark Reynolds</a:t>
+              <a:rPr lang="en-US" dirty="0"/>
+              <a:t>Copyright © 2013 - 2019 by Joe Reynolds</a:t>
             </a:r>
-            <a:endParaRPr lang="en-US" dirty="0"/>
           </a:p>
         </p:txBody>
       </p:sp>
@@ -40783,7 +40949,7 @@
           <a:p>
             <a:fld id="{6813DC8C-A616-47C4-99E2-1208BE02F915}" type="slidenum">
               <a:rPr lang="en-US" smtClean="0"/>
-              <a:t>28</a:t>
+              <a:t>29</a:t>
             </a:fld>
             <a:endParaRPr lang="en-US"/>
           </a:p>
@@ -40793,151 +40959,6 @@
     <p:extLst>
       <p:ext uri="{BB962C8B-B14F-4D97-AF65-F5344CB8AC3E}">
         <p14:creationId xmlns:p14="http://schemas.microsoft.com/office/powerpoint/2010/main" val="831650211"/>
-      </p:ext>
-    </p:extLst>
-  </p:cSld>
-  <p:clrMapOvr>
-    <a:masterClrMapping/>
-  </p:clrMapOvr>
-</p:sld>
-</file>
-
-<file path=ppt/slides/slide29.xml><?xml version="1.0" encoding="utf-8"?>
-<p:sld xmlns:a="http://schemas.openxmlformats.org/drawingml/2006/main" xmlns:r="http://schemas.openxmlformats.org/officeDocument/2006/relationships" xmlns:p="http://schemas.openxmlformats.org/presentationml/2006/main">
-  <p:cSld>
-    <p:spTree>
-      <p:nvGrpSpPr>
-        <p:cNvPr id="1" name=""/>
-        <p:cNvGrpSpPr/>
-        <p:nvPr/>
-      </p:nvGrpSpPr>
-      <p:grpSpPr>
-        <a:xfrm>
-          <a:off x="0" y="0"/>
-          <a:ext cx="0" cy="0"/>
-          <a:chOff x="0" y="0"/>
-          <a:chExt cx="0" cy="0"/>
-        </a:xfrm>
-      </p:grpSpPr>
-      <p:sp>
-        <p:nvSpPr>
-          <p:cNvPr id="2" name="Title 1">
-            <a:extLst>
-              <a:ext uri="{FF2B5EF4-FFF2-40B4-BE49-F238E27FC236}">
-                <a16:creationId xmlns:a16="http://schemas.microsoft.com/office/drawing/2014/main" id="{86B4DF31-2ED1-4DA1-9EDC-63F74A210E62}"/>
-              </a:ext>
-            </a:extLst>
-          </p:cNvPr>
-          <p:cNvSpPr>
-            <a:spLocks noGrp="1"/>
-          </p:cNvSpPr>
-          <p:nvPr>
-            <p:ph type="title"/>
-          </p:nvPr>
-        </p:nvSpPr>
-        <p:spPr/>
-        <p:txBody>
-          <a:bodyPr/>
-          <a:lstStyle/>
-          <a:p>
-            <a:endParaRPr lang="en-US"/>
-          </a:p>
-        </p:txBody>
-      </p:sp>
-      <p:pic>
-        <p:nvPicPr>
-          <p:cNvPr id="6" name="Content Placeholder 5">
-            <a:extLst>
-              <a:ext uri="{FF2B5EF4-FFF2-40B4-BE49-F238E27FC236}">
-                <a16:creationId xmlns:a16="http://schemas.microsoft.com/office/drawing/2014/main" id="{131057E1-B0B8-4951-B681-D97CE6473818}"/>
-              </a:ext>
-            </a:extLst>
-          </p:cNvPr>
-          <p:cNvPicPr>
-            <a:picLocks noGrp="1" noChangeAspect="1"/>
-          </p:cNvPicPr>
-          <p:nvPr>
-            <p:ph idx="1"/>
-          </p:nvPr>
-        </p:nvPicPr>
-        <p:blipFill>
-          <a:blip r:embed="rId2"/>
-          <a:stretch>
-            <a:fillRect/>
-          </a:stretch>
-        </p:blipFill>
-        <p:spPr>
-          <a:xfrm>
-            <a:off x="3037270" y="2752866"/>
-            <a:ext cx="6123809" cy="2266667"/>
-          </a:xfrm>
-          <a:prstGeom prst="rect">
-            <a:avLst/>
-          </a:prstGeom>
-        </p:spPr>
-      </p:pic>
-      <p:sp>
-        <p:nvSpPr>
-          <p:cNvPr id="4" name="Footer Placeholder 3">
-            <a:extLst>
-              <a:ext uri="{FF2B5EF4-FFF2-40B4-BE49-F238E27FC236}">
-                <a16:creationId xmlns:a16="http://schemas.microsoft.com/office/drawing/2014/main" id="{6AC4FF11-B880-44A3-A58A-CDE566592081}"/>
-              </a:ext>
-            </a:extLst>
-          </p:cNvPr>
-          <p:cNvSpPr>
-            <a:spLocks noGrp="1"/>
-          </p:cNvSpPr>
-          <p:nvPr>
-            <p:ph type="ftr" sz="quarter" idx="11"/>
-          </p:nvPr>
-        </p:nvSpPr>
-        <p:spPr/>
-        <p:txBody>
-          <a:bodyPr/>
-          <a:lstStyle/>
-          <a:p>
-            <a:r>
-              <a:rPr lang="en-US"/>
-              <a:t>Copyright © 2013 - 2019 by Mark Reynolds</a:t>
-            </a:r>
-            <a:endParaRPr lang="en-US" dirty="0"/>
-          </a:p>
-        </p:txBody>
-      </p:sp>
-      <p:sp>
-        <p:nvSpPr>
-          <p:cNvPr id="5" name="Slide Number Placeholder 4">
-            <a:extLst>
-              <a:ext uri="{FF2B5EF4-FFF2-40B4-BE49-F238E27FC236}">
-                <a16:creationId xmlns:a16="http://schemas.microsoft.com/office/drawing/2014/main" id="{82DDC804-554F-40F9-8A9E-62F521A7ED38}"/>
-              </a:ext>
-            </a:extLst>
-          </p:cNvPr>
-          <p:cNvSpPr>
-            <a:spLocks noGrp="1"/>
-          </p:cNvSpPr>
-          <p:nvPr>
-            <p:ph type="sldNum" sz="quarter" idx="12"/>
-          </p:nvPr>
-        </p:nvSpPr>
-        <p:spPr/>
-        <p:txBody>
-          <a:bodyPr/>
-          <a:lstStyle/>
-          <a:p>
-            <a:fld id="{6813DC8C-A616-47C4-99E2-1208BE02F915}" type="slidenum">
-              <a:rPr lang="en-US" smtClean="0"/>
-              <a:t>29</a:t>
-            </a:fld>
-            <a:endParaRPr lang="en-US"/>
-          </a:p>
-        </p:txBody>
-      </p:sp>
-    </p:spTree>
-    <p:extLst>
-      <p:ext uri="{BB962C8B-B14F-4D97-AF65-F5344CB8AC3E}">
-        <p14:creationId xmlns:p14="http://schemas.microsoft.com/office/powerpoint/2010/main" val="3405636962"/>
       </p:ext>
     </p:extLst>
   </p:cSld>
@@ -41014,8 +41035,8 @@
           <a:lstStyle/>
           <a:p>
             <a:r>
-              <a:rPr lang="en-US"/>
-              <a:t>Copyright © 2013 - 2019 by Mark Reynolds</a:t>
+              <a:rPr lang="en-US" dirty="0"/>
+              <a:t>Copyright © 2013 - 2019 by Joe Reynolds</a:t>
             </a:r>
           </a:p>
         </p:txBody>
@@ -41157,6 +41178,150 @@
       </p:grpSpPr>
       <p:sp>
         <p:nvSpPr>
+          <p:cNvPr id="2" name="Title 1">
+            <a:extLst>
+              <a:ext uri="{FF2B5EF4-FFF2-40B4-BE49-F238E27FC236}">
+                <a16:creationId xmlns:a16="http://schemas.microsoft.com/office/drawing/2014/main" id="{86B4DF31-2ED1-4DA1-9EDC-63F74A210E62}"/>
+              </a:ext>
+            </a:extLst>
+          </p:cNvPr>
+          <p:cNvSpPr>
+            <a:spLocks noGrp="1"/>
+          </p:cNvSpPr>
+          <p:nvPr>
+            <p:ph type="title"/>
+          </p:nvPr>
+        </p:nvSpPr>
+        <p:spPr/>
+        <p:txBody>
+          <a:bodyPr/>
+          <a:lstStyle/>
+          <a:p>
+            <a:endParaRPr lang="en-US"/>
+          </a:p>
+        </p:txBody>
+      </p:sp>
+      <p:pic>
+        <p:nvPicPr>
+          <p:cNvPr id="6" name="Content Placeholder 5">
+            <a:extLst>
+              <a:ext uri="{FF2B5EF4-FFF2-40B4-BE49-F238E27FC236}">
+                <a16:creationId xmlns:a16="http://schemas.microsoft.com/office/drawing/2014/main" id="{131057E1-B0B8-4951-B681-D97CE6473818}"/>
+              </a:ext>
+            </a:extLst>
+          </p:cNvPr>
+          <p:cNvPicPr>
+            <a:picLocks noGrp="1" noChangeAspect="1"/>
+          </p:cNvPicPr>
+          <p:nvPr>
+            <p:ph idx="1"/>
+          </p:nvPr>
+        </p:nvPicPr>
+        <p:blipFill>
+          <a:blip r:embed="rId2"/>
+          <a:stretch>
+            <a:fillRect/>
+          </a:stretch>
+        </p:blipFill>
+        <p:spPr>
+          <a:xfrm>
+            <a:off x="3037270" y="2752866"/>
+            <a:ext cx="6123809" cy="2266667"/>
+          </a:xfrm>
+          <a:prstGeom prst="rect">
+            <a:avLst/>
+          </a:prstGeom>
+        </p:spPr>
+      </p:pic>
+      <p:sp>
+        <p:nvSpPr>
+          <p:cNvPr id="4" name="Footer Placeholder 3">
+            <a:extLst>
+              <a:ext uri="{FF2B5EF4-FFF2-40B4-BE49-F238E27FC236}">
+                <a16:creationId xmlns:a16="http://schemas.microsoft.com/office/drawing/2014/main" id="{6AC4FF11-B880-44A3-A58A-CDE566592081}"/>
+              </a:ext>
+            </a:extLst>
+          </p:cNvPr>
+          <p:cNvSpPr>
+            <a:spLocks noGrp="1"/>
+          </p:cNvSpPr>
+          <p:nvPr>
+            <p:ph type="ftr" sz="quarter" idx="11"/>
+          </p:nvPr>
+        </p:nvSpPr>
+        <p:spPr/>
+        <p:txBody>
+          <a:bodyPr/>
+          <a:lstStyle/>
+          <a:p>
+            <a:r>
+              <a:rPr lang="en-US" dirty="0"/>
+              <a:t>Copyright © 2013 - 2019 by Joe Reynolds</a:t>
+            </a:r>
+          </a:p>
+        </p:txBody>
+      </p:sp>
+      <p:sp>
+        <p:nvSpPr>
+          <p:cNvPr id="5" name="Slide Number Placeholder 4">
+            <a:extLst>
+              <a:ext uri="{FF2B5EF4-FFF2-40B4-BE49-F238E27FC236}">
+                <a16:creationId xmlns:a16="http://schemas.microsoft.com/office/drawing/2014/main" id="{82DDC804-554F-40F9-8A9E-62F521A7ED38}"/>
+              </a:ext>
+            </a:extLst>
+          </p:cNvPr>
+          <p:cNvSpPr>
+            <a:spLocks noGrp="1"/>
+          </p:cNvSpPr>
+          <p:nvPr>
+            <p:ph type="sldNum" sz="quarter" idx="12"/>
+          </p:nvPr>
+        </p:nvSpPr>
+        <p:spPr/>
+        <p:txBody>
+          <a:bodyPr/>
+          <a:lstStyle/>
+          <a:p>
+            <a:fld id="{6813DC8C-A616-47C4-99E2-1208BE02F915}" type="slidenum">
+              <a:rPr lang="en-US" smtClean="0"/>
+              <a:t>30</a:t>
+            </a:fld>
+            <a:endParaRPr lang="en-US"/>
+          </a:p>
+        </p:txBody>
+      </p:sp>
+    </p:spTree>
+    <p:extLst>
+      <p:ext uri="{BB962C8B-B14F-4D97-AF65-F5344CB8AC3E}">
+        <p14:creationId xmlns:p14="http://schemas.microsoft.com/office/powerpoint/2010/main" val="3405636962"/>
+      </p:ext>
+    </p:extLst>
+  </p:cSld>
+  <p:clrMapOvr>
+    <a:masterClrMapping/>
+  </p:clrMapOvr>
+</p:sld>
+</file>
+
+<file path=ppt/slides/slide31.xml><?xml version="1.0" encoding="utf-8"?>
+<p:sld xmlns:a="http://schemas.openxmlformats.org/drawingml/2006/main" xmlns:r="http://schemas.openxmlformats.org/officeDocument/2006/relationships" xmlns:p="http://schemas.openxmlformats.org/presentationml/2006/main">
+  <p:cSld>
+    <p:spTree>
+      <p:nvGrpSpPr>
+        <p:cNvPr id="1" name=""/>
+        <p:cNvGrpSpPr/>
+        <p:nvPr/>
+      </p:nvGrpSpPr>
+      <p:grpSpPr>
+        <a:xfrm>
+          <a:off x="0" y="0"/>
+          <a:ext cx="0" cy="0"/>
+          <a:chOff x="0" y="0"/>
+          <a:chExt cx="0" cy="0"/>
+        </a:xfrm>
+      </p:grpSpPr>
+      <p:sp>
+        <p:nvSpPr>
           <p:cNvPr id="4099" name="Rectangle 2"/>
           <p:cNvSpPr>
             <a:spLocks noGrp="1" noChangeArrowheads="1"/>
@@ -41200,8 +41365,8 @@
           <a:lstStyle/>
           <a:p>
             <a:r>
-              <a:rPr lang="en-US"/>
-              <a:t>Copyright © 2013 - 2019 by Mark Reynolds</a:t>
+              <a:rPr lang="en-US" dirty="0"/>
+              <a:t>Copyright © 2013 - 2019 by Joe Reynolds</a:t>
             </a:r>
           </a:p>
         </p:txBody>
@@ -41223,7 +41388,7 @@
           <a:p>
             <a:fld id="{6813DC8C-A616-47C4-99E2-1208BE02F915}" type="slidenum">
               <a:rPr lang="en-US" smtClean="0"/>
-              <a:t>30</a:t>
+              <a:t>31</a:t>
             </a:fld>
             <a:endParaRPr lang="en-US"/>
           </a:p>
@@ -41412,8 +41577,8 @@
           <a:lstStyle/>
           <a:p>
             <a:r>
-              <a:rPr lang="en-US"/>
-              <a:t>Copyright © 2013 - 2019 by Mark Reynolds</a:t>
+              <a:rPr lang="en-US" dirty="0"/>
+              <a:t>Copyright © 2013 - 2019 by Joe Reynolds</a:t>
             </a:r>
           </a:p>
         </p:txBody>
@@ -43569,8 +43734,8 @@
           <a:lstStyle/>
           <a:p>
             <a:r>
-              <a:rPr lang="en-US"/>
-              <a:t>Copyright © 2013 - 2019 by Mark Reynolds</a:t>
+              <a:rPr lang="en-US" dirty="0"/>
+              <a:t>Copyright © 2013 - 2019 by Joe Reynolds</a:t>
             </a:r>
           </a:p>
         </p:txBody>
@@ -43706,8 +43871,8 @@
           <a:lstStyle/>
           <a:p>
             <a:r>
-              <a:rPr lang="en-US"/>
-              <a:t>Copyright © 2013 - 2019 by Mark Reynolds</a:t>
+              <a:rPr lang="en-US" dirty="0"/>
+              <a:t>Copyright © 2013 - 2019 by Joe Reynolds</a:t>
             </a:r>
           </a:p>
         </p:txBody>
@@ -43980,8 +44145,8 @@
           <a:lstStyle/>
           <a:p>
             <a:r>
-              <a:rPr lang="en-US"/>
-              <a:t>Copyright © 2013 - 2019 by Mark Reynolds</a:t>
+              <a:rPr lang="en-US" dirty="0"/>
+              <a:t>Copyright © 2013 - 2019 by Joe Reynolds</a:t>
             </a:r>
           </a:p>
         </p:txBody>
@@ -45508,8 +45673,8 @@
           <a:lstStyle/>
           <a:p>
             <a:r>
-              <a:rPr lang="en-US"/>
-              <a:t>Copyright © 2013 - 2019 by Mark Reynolds</a:t>
+              <a:rPr lang="en-US" dirty="0"/>
+              <a:t>Copyright © 2013 - 2019 by Joe Reynolds</a:t>
             </a:r>
           </a:p>
         </p:txBody>
@@ -46151,8 +46316,8 @@
           <a:lstStyle/>
           <a:p>
             <a:r>
-              <a:rPr lang="en-US"/>
-              <a:t>Copyright © 2013 - 2019 by Mark Reynolds</a:t>
+              <a:rPr lang="en-US" dirty="0"/>
+              <a:t>Copyright © 2013 - 2019 by Joe Reynolds</a:t>
             </a:r>
           </a:p>
         </p:txBody>

--- a/Whats new in C#8.pptx
+++ b/Whats new in C#8.pptx
@@ -5,7 +5,7 @@
     <p:sldMasterId id="2147483656" r:id="rId1"/>
   </p:sldMasterIdLst>
   <p:notesMasterIdLst>
-    <p:notesMasterId r:id="rId33"/>
+    <p:notesMasterId r:id="rId39"/>
   </p:notesMasterIdLst>
   <p:sldIdLst>
     <p:sldId id="256" r:id="rId2"/>
@@ -38,7 +38,13 @@
     <p:sldId id="505" r:id="rId29"/>
     <p:sldId id="506" r:id="rId30"/>
     <p:sldId id="507" r:id="rId31"/>
-    <p:sldId id="420" r:id="rId32"/>
+    <p:sldId id="509" r:id="rId32"/>
+    <p:sldId id="510" r:id="rId33"/>
+    <p:sldId id="511" r:id="rId34"/>
+    <p:sldId id="512" r:id="rId35"/>
+    <p:sldId id="513" r:id="rId36"/>
+    <p:sldId id="514" r:id="rId37"/>
+    <p:sldId id="420" r:id="rId38"/>
   </p:sldIdLst>
   <p:sldSz cx="12192000" cy="6858000"/>
   <p:notesSz cx="6858000" cy="9144000"/>
@@ -32197,7 +32203,7 @@
           <a:p>
             <a:fld id="{EB783297-46F3-4FED-9BE0-1B045AC356CA}" type="datetimeFigureOut">
               <a:rPr lang="en-US" smtClean="0"/>
-              <a:t>4/27/2019</a:t>
+              <a:t>5/16/2019</a:t>
             </a:fld>
             <a:endParaRPr lang="en-US"/>
           </a:p>
@@ -33954,7 +33960,7 @@
             <a:fld id="{8BF335F8-0389-41BF-A16B-EDE4EFDBE832}" type="slidenum">
               <a:rPr lang="en-US" smtClean="0"/>
               <a:pPr/>
-              <a:t>31</a:t>
+              <a:t>37</a:t>
             </a:fld>
             <a:endParaRPr lang="en-US" dirty="0"/>
           </a:p>
@@ -35011,7 +35017,7 @@
           <a:p>
             <a:fld id="{9F6101A7-E51F-4B39-AD55-E734EB96B90F}" type="datetime1">
               <a:rPr lang="en-US" smtClean="0"/>
-              <a:t>4/27/2019</a:t>
+              <a:t>5/16/2019</a:t>
             </a:fld>
             <a:endParaRPr lang="en-US"/>
           </a:p>
@@ -35289,7 +35295,7 @@
           <a:p>
             <a:fld id="{53BB87A3-CF58-4396-AC80-EF7FD2F0A808}" type="datetime1">
               <a:rPr lang="en-US" smtClean="0"/>
-              <a:t>4/27/2019</a:t>
+              <a:t>5/16/2019</a:t>
             </a:fld>
             <a:endParaRPr lang="en-US"/>
           </a:p>
@@ -35558,7 +35564,7 @@
           <a:p>
             <a:fld id="{3C0F3998-EB5F-4120-A251-20ACC220CAF3}" type="datetime1">
               <a:rPr lang="en-US" smtClean="0"/>
-              <a:t>4/27/2019</a:t>
+              <a:t>5/16/2019</a:t>
             </a:fld>
             <a:endParaRPr lang="en-US"/>
           </a:p>
@@ -35973,7 +35979,7 @@
           <a:p>
             <a:fld id="{9CCE1485-EC4B-4749-B309-CEA85AA8092E}" type="datetime1">
               <a:rPr lang="en-US" smtClean="0"/>
-              <a:t>4/27/2019</a:t>
+              <a:t>5/16/2019</a:t>
             </a:fld>
             <a:endParaRPr lang="en-US"/>
           </a:p>
@@ -36117,7 +36123,7 @@
           <a:p>
             <a:fld id="{2EEC1184-0BD5-4A04-977F-29FFA74BECF8}" type="datetime1">
               <a:rPr lang="en-US" smtClean="0"/>
-              <a:t>4/27/2019</a:t>
+              <a:t>5/16/2019</a:t>
             </a:fld>
             <a:endParaRPr lang="en-US"/>
           </a:p>
@@ -36233,7 +36239,7 @@
           <a:p>
             <a:fld id="{2B89BADD-0649-4523-9CE4-33D5001F577C}" type="datetime1">
               <a:rPr lang="en-US" smtClean="0"/>
-              <a:t>4/27/2019</a:t>
+              <a:t>5/16/2019</a:t>
             </a:fld>
             <a:endParaRPr lang="en-US"/>
           </a:p>
@@ -36478,7 +36484,7 @@
           <a:p>
             <a:fld id="{677BCB15-B53A-49ED-A65B-90E3BB7A8DF4}" type="datetime1">
               <a:rPr lang="en-US" smtClean="0"/>
-              <a:t>4/27/2019</a:t>
+              <a:t>5/16/2019</a:t>
             </a:fld>
             <a:endParaRPr lang="en-US" dirty="0"/>
           </a:p>
@@ -37255,12 +37261,28 @@
         </p:nvSpPr>
         <p:spPr/>
         <p:txBody>
-          <a:bodyPr/>
+          <a:bodyPr>
+            <a:normAutofit fontScale="92500" lnSpcReduction="20000"/>
+          </a:bodyPr>
           <a:lstStyle/>
           <a:p>
             <a:r>
               <a:rPr lang="en-US" dirty="0"/>
               <a:t>Introduction to the new features in C# 8</a:t>
+            </a:r>
+          </a:p>
+          <a:p>
+            <a:r>
+              <a:rPr lang="en-US" dirty="0"/>
+              <a:t>(and </a:t>
+            </a:r>
+            <a:r>
+              <a:rPr lang="en-US" dirty="0" err="1"/>
+              <a:t>.Net</a:t>
+            </a:r>
+            <a:r>
+              <a:rPr lang="en-US" dirty="0"/>
+              <a:t> Core 3)</a:t>
             </a:r>
           </a:p>
         </p:txBody>
@@ -41322,6 +41344,1038 @@
       </p:grpSpPr>
       <p:sp>
         <p:nvSpPr>
+          <p:cNvPr id="2" name="Title 1">
+            <a:extLst>
+              <a:ext uri="{FF2B5EF4-FFF2-40B4-BE49-F238E27FC236}">
+                <a16:creationId xmlns:a16="http://schemas.microsoft.com/office/drawing/2014/main" id="{3CE48D29-A044-48C3-99AD-534417AD8FE1}"/>
+              </a:ext>
+            </a:extLst>
+          </p:cNvPr>
+          <p:cNvSpPr>
+            <a:spLocks noGrp="1"/>
+          </p:cNvSpPr>
+          <p:nvPr>
+            <p:ph type="title"/>
+          </p:nvPr>
+        </p:nvSpPr>
+        <p:spPr/>
+        <p:txBody>
+          <a:bodyPr/>
+          <a:lstStyle/>
+          <a:p>
+            <a:r>
+              <a:rPr lang="en-US" dirty="0"/>
+              <a:t>Coming in </a:t>
+            </a:r>
+            <a:r>
+              <a:rPr lang="en-US" dirty="0" err="1"/>
+              <a:t>.Net</a:t>
+            </a:r>
+            <a:r>
+              <a:rPr lang="en-US" dirty="0"/>
+              <a:t> Core 3</a:t>
+            </a:r>
+          </a:p>
+        </p:txBody>
+      </p:sp>
+      <p:sp>
+        <p:nvSpPr>
+          <p:cNvPr id="3" name="Text Placeholder 2">
+            <a:extLst>
+              <a:ext uri="{FF2B5EF4-FFF2-40B4-BE49-F238E27FC236}">
+                <a16:creationId xmlns:a16="http://schemas.microsoft.com/office/drawing/2014/main" id="{9885B9A7-2A11-4BDD-8EF0-8FD7FC8D1480}"/>
+              </a:ext>
+            </a:extLst>
+          </p:cNvPr>
+          <p:cNvSpPr>
+            <a:spLocks noGrp="1"/>
+          </p:cNvSpPr>
+          <p:nvPr>
+            <p:ph type="body" idx="1"/>
+          </p:nvPr>
+        </p:nvSpPr>
+        <p:spPr/>
+        <p:txBody>
+          <a:bodyPr/>
+          <a:lstStyle/>
+          <a:p>
+            <a:endParaRPr lang="en-US"/>
+          </a:p>
+        </p:txBody>
+      </p:sp>
+      <p:sp>
+        <p:nvSpPr>
+          <p:cNvPr id="4" name="Footer Placeholder 3">
+            <a:extLst>
+              <a:ext uri="{FF2B5EF4-FFF2-40B4-BE49-F238E27FC236}">
+                <a16:creationId xmlns:a16="http://schemas.microsoft.com/office/drawing/2014/main" id="{9B79AF25-4562-49B0-A789-7E7A9D390ACC}"/>
+              </a:ext>
+            </a:extLst>
+          </p:cNvPr>
+          <p:cNvSpPr>
+            <a:spLocks noGrp="1"/>
+          </p:cNvSpPr>
+          <p:nvPr>
+            <p:ph type="ftr" sz="quarter" idx="11"/>
+          </p:nvPr>
+        </p:nvSpPr>
+        <p:spPr/>
+        <p:txBody>
+          <a:bodyPr/>
+          <a:lstStyle/>
+          <a:p>
+            <a:r>
+              <a:rPr lang="en-US"/>
+              <a:t>Copyright © 2013 - 2019 by Joe Reynolds</a:t>
+            </a:r>
+            <a:endParaRPr lang="en-US" dirty="0"/>
+          </a:p>
+        </p:txBody>
+      </p:sp>
+      <p:sp>
+        <p:nvSpPr>
+          <p:cNvPr id="5" name="Slide Number Placeholder 4">
+            <a:extLst>
+              <a:ext uri="{FF2B5EF4-FFF2-40B4-BE49-F238E27FC236}">
+                <a16:creationId xmlns:a16="http://schemas.microsoft.com/office/drawing/2014/main" id="{79E891AE-57DC-41F4-80E8-1B2D6925ABC2}"/>
+              </a:ext>
+            </a:extLst>
+          </p:cNvPr>
+          <p:cNvSpPr>
+            <a:spLocks noGrp="1"/>
+          </p:cNvSpPr>
+          <p:nvPr>
+            <p:ph type="sldNum" sz="quarter" idx="12"/>
+          </p:nvPr>
+        </p:nvSpPr>
+        <p:spPr/>
+        <p:txBody>
+          <a:bodyPr/>
+          <a:lstStyle/>
+          <a:p>
+            <a:fld id="{6813DC8C-A616-47C4-99E2-1208BE02F915}" type="slidenum">
+              <a:rPr lang="en-US" smtClean="0"/>
+              <a:t>31</a:t>
+            </a:fld>
+            <a:endParaRPr lang="en-US"/>
+          </a:p>
+        </p:txBody>
+      </p:sp>
+    </p:spTree>
+    <p:extLst>
+      <p:ext uri="{BB962C8B-B14F-4D97-AF65-F5344CB8AC3E}">
+        <p14:creationId xmlns:p14="http://schemas.microsoft.com/office/powerpoint/2010/main" val="3953370992"/>
+      </p:ext>
+    </p:extLst>
+  </p:cSld>
+  <p:clrMapOvr>
+    <a:masterClrMapping/>
+  </p:clrMapOvr>
+</p:sld>
+</file>
+
+<file path=ppt/slides/slide32.xml><?xml version="1.0" encoding="utf-8"?>
+<p:sld xmlns:a="http://schemas.openxmlformats.org/drawingml/2006/main" xmlns:r="http://schemas.openxmlformats.org/officeDocument/2006/relationships" xmlns:p="http://schemas.openxmlformats.org/presentationml/2006/main">
+  <p:cSld>
+    <p:spTree>
+      <p:nvGrpSpPr>
+        <p:cNvPr id="1" name=""/>
+        <p:cNvGrpSpPr/>
+        <p:nvPr/>
+      </p:nvGrpSpPr>
+      <p:grpSpPr>
+        <a:xfrm>
+          <a:off x="0" y="0"/>
+          <a:ext cx="0" cy="0"/>
+          <a:chOff x="0" y="0"/>
+          <a:chExt cx="0" cy="0"/>
+        </a:xfrm>
+      </p:grpSpPr>
+      <p:sp>
+        <p:nvSpPr>
+          <p:cNvPr id="2" name="Title 1">
+            <a:extLst>
+              <a:ext uri="{FF2B5EF4-FFF2-40B4-BE49-F238E27FC236}">
+                <a16:creationId xmlns:a16="http://schemas.microsoft.com/office/drawing/2014/main" id="{98ED5322-7152-4253-B555-A6B2AA132317}"/>
+              </a:ext>
+            </a:extLst>
+          </p:cNvPr>
+          <p:cNvSpPr>
+            <a:spLocks noGrp="1"/>
+          </p:cNvSpPr>
+          <p:nvPr>
+            <p:ph type="title"/>
+          </p:nvPr>
+        </p:nvSpPr>
+        <p:spPr/>
+        <p:txBody>
+          <a:bodyPr/>
+          <a:lstStyle/>
+          <a:p>
+            <a:r>
+              <a:rPr lang="en-US" dirty="0"/>
+              <a:t>Windows Desktop</a:t>
+            </a:r>
+          </a:p>
+        </p:txBody>
+      </p:sp>
+      <p:sp>
+        <p:nvSpPr>
+          <p:cNvPr id="3" name="Content Placeholder 2">
+            <a:extLst>
+              <a:ext uri="{FF2B5EF4-FFF2-40B4-BE49-F238E27FC236}">
+                <a16:creationId xmlns:a16="http://schemas.microsoft.com/office/drawing/2014/main" id="{BC7446FE-3B2E-4B76-ABB7-068775EF422C}"/>
+              </a:ext>
+            </a:extLst>
+          </p:cNvPr>
+          <p:cNvSpPr>
+            <a:spLocks noGrp="1"/>
+          </p:cNvSpPr>
+          <p:nvPr>
+            <p:ph idx="1"/>
+          </p:nvPr>
+        </p:nvSpPr>
+        <p:spPr/>
+        <p:txBody>
+          <a:bodyPr/>
+          <a:lstStyle/>
+          <a:p>
+            <a:r>
+              <a:rPr lang="en-US" dirty="0"/>
+              <a:t>WPF</a:t>
+            </a:r>
+          </a:p>
+          <a:p>
+            <a:r>
+              <a:rPr lang="en-US" dirty="0"/>
+              <a:t>Windows Forms</a:t>
+            </a:r>
+          </a:p>
+          <a:p>
+            <a:r>
+              <a:rPr lang="en-US" dirty="0"/>
+              <a:t>Entity Framework 6</a:t>
+            </a:r>
+          </a:p>
+        </p:txBody>
+      </p:sp>
+      <p:sp>
+        <p:nvSpPr>
+          <p:cNvPr id="4" name="Footer Placeholder 3">
+            <a:extLst>
+              <a:ext uri="{FF2B5EF4-FFF2-40B4-BE49-F238E27FC236}">
+                <a16:creationId xmlns:a16="http://schemas.microsoft.com/office/drawing/2014/main" id="{F0F3E52B-76B9-49FB-889E-23D8D8C5FBB2}"/>
+              </a:ext>
+            </a:extLst>
+          </p:cNvPr>
+          <p:cNvSpPr>
+            <a:spLocks noGrp="1"/>
+          </p:cNvSpPr>
+          <p:nvPr>
+            <p:ph type="ftr" sz="quarter" idx="11"/>
+          </p:nvPr>
+        </p:nvSpPr>
+        <p:spPr/>
+        <p:txBody>
+          <a:bodyPr/>
+          <a:lstStyle/>
+          <a:p>
+            <a:r>
+              <a:rPr lang="en-US"/>
+              <a:t>Copyright © 2013 - 2019 by Joe Reynolds</a:t>
+            </a:r>
+            <a:endParaRPr lang="en-US" dirty="0"/>
+          </a:p>
+        </p:txBody>
+      </p:sp>
+      <p:sp>
+        <p:nvSpPr>
+          <p:cNvPr id="5" name="Slide Number Placeholder 4">
+            <a:extLst>
+              <a:ext uri="{FF2B5EF4-FFF2-40B4-BE49-F238E27FC236}">
+                <a16:creationId xmlns:a16="http://schemas.microsoft.com/office/drawing/2014/main" id="{05048158-135B-4346-9080-9BF9422F45A7}"/>
+              </a:ext>
+            </a:extLst>
+          </p:cNvPr>
+          <p:cNvSpPr>
+            <a:spLocks noGrp="1"/>
+          </p:cNvSpPr>
+          <p:nvPr>
+            <p:ph type="sldNum" sz="quarter" idx="12"/>
+          </p:nvPr>
+        </p:nvSpPr>
+        <p:spPr/>
+        <p:txBody>
+          <a:bodyPr/>
+          <a:lstStyle/>
+          <a:p>
+            <a:fld id="{6813DC8C-A616-47C4-99E2-1208BE02F915}" type="slidenum">
+              <a:rPr lang="en-US" smtClean="0"/>
+              <a:t>32</a:t>
+            </a:fld>
+            <a:endParaRPr lang="en-US"/>
+          </a:p>
+        </p:txBody>
+      </p:sp>
+    </p:spTree>
+    <p:extLst>
+      <p:ext uri="{BB962C8B-B14F-4D97-AF65-F5344CB8AC3E}">
+        <p14:creationId xmlns:p14="http://schemas.microsoft.com/office/powerpoint/2010/main" val="3156885815"/>
+      </p:ext>
+    </p:extLst>
+  </p:cSld>
+  <p:clrMapOvr>
+    <a:masterClrMapping/>
+  </p:clrMapOvr>
+</p:sld>
+</file>
+
+<file path=ppt/slides/slide33.xml><?xml version="1.0" encoding="utf-8"?>
+<p:sld xmlns:a="http://schemas.openxmlformats.org/drawingml/2006/main" xmlns:r="http://schemas.openxmlformats.org/officeDocument/2006/relationships" xmlns:p="http://schemas.openxmlformats.org/presentationml/2006/main">
+  <p:cSld>
+    <p:spTree>
+      <p:nvGrpSpPr>
+        <p:cNvPr id="1" name=""/>
+        <p:cNvGrpSpPr/>
+        <p:nvPr/>
+      </p:nvGrpSpPr>
+      <p:grpSpPr>
+        <a:xfrm>
+          <a:off x="0" y="0"/>
+          <a:ext cx="0" cy="0"/>
+          <a:chOff x="0" y="0"/>
+          <a:chExt cx="0" cy="0"/>
+        </a:xfrm>
+      </p:grpSpPr>
+      <p:sp>
+        <p:nvSpPr>
+          <p:cNvPr id="2" name="Title 1">
+            <a:extLst>
+              <a:ext uri="{FF2B5EF4-FFF2-40B4-BE49-F238E27FC236}">
+                <a16:creationId xmlns:a16="http://schemas.microsoft.com/office/drawing/2014/main" id="{4F9E6B37-B7E8-4F54-A69B-5F5AE8625577}"/>
+              </a:ext>
+            </a:extLst>
+          </p:cNvPr>
+          <p:cNvSpPr>
+            <a:spLocks noGrp="1"/>
+          </p:cNvSpPr>
+          <p:nvPr>
+            <p:ph type="title"/>
+          </p:nvPr>
+        </p:nvSpPr>
+        <p:spPr/>
+        <p:txBody>
+          <a:bodyPr/>
+          <a:lstStyle/>
+          <a:p>
+            <a:r>
+              <a:rPr lang="en-US" dirty="0"/>
+              <a:t>JSON</a:t>
+            </a:r>
+          </a:p>
+        </p:txBody>
+      </p:sp>
+      <p:sp>
+        <p:nvSpPr>
+          <p:cNvPr id="3" name="Content Placeholder 2">
+            <a:extLst>
+              <a:ext uri="{FF2B5EF4-FFF2-40B4-BE49-F238E27FC236}">
+                <a16:creationId xmlns:a16="http://schemas.microsoft.com/office/drawing/2014/main" id="{948B81D3-FACB-474D-956D-2B67774543A8}"/>
+              </a:ext>
+            </a:extLst>
+          </p:cNvPr>
+          <p:cNvSpPr>
+            <a:spLocks noGrp="1"/>
+          </p:cNvSpPr>
+          <p:nvPr>
+            <p:ph idx="1"/>
+          </p:nvPr>
+        </p:nvSpPr>
+        <p:spPr/>
+        <p:txBody>
+          <a:bodyPr/>
+          <a:lstStyle/>
+          <a:p>
+            <a:r>
+              <a:rPr lang="en-US" dirty="0"/>
+              <a:t>New built-in JSON reader</a:t>
+            </a:r>
+          </a:p>
+          <a:p>
+            <a:r>
+              <a:rPr lang="en-US" dirty="0"/>
+              <a:t>Coming Soon:</a:t>
+            </a:r>
+          </a:p>
+          <a:p>
+            <a:pPr lvl="1"/>
+            <a:r>
+              <a:rPr lang="en-US" dirty="0"/>
+              <a:t>JSON Writer</a:t>
+            </a:r>
+          </a:p>
+          <a:p>
+            <a:pPr lvl="1"/>
+            <a:r>
+              <a:rPr lang="en-US" dirty="0"/>
+              <a:t>POCO serializer</a:t>
+            </a:r>
+          </a:p>
+          <a:p>
+            <a:pPr lvl="1"/>
+            <a:r>
+              <a:rPr lang="en-US" dirty="0"/>
+              <a:t>POCO </a:t>
+            </a:r>
+            <a:r>
+              <a:rPr lang="en-US" dirty="0" err="1"/>
+              <a:t>deserializer</a:t>
+            </a:r>
+            <a:endParaRPr lang="en-US" dirty="0"/>
+          </a:p>
+          <a:p>
+            <a:endParaRPr lang="en-US" dirty="0"/>
+          </a:p>
+        </p:txBody>
+      </p:sp>
+      <p:sp>
+        <p:nvSpPr>
+          <p:cNvPr id="4" name="Footer Placeholder 3">
+            <a:extLst>
+              <a:ext uri="{FF2B5EF4-FFF2-40B4-BE49-F238E27FC236}">
+                <a16:creationId xmlns:a16="http://schemas.microsoft.com/office/drawing/2014/main" id="{153EFF15-317E-4D49-9062-CC9638EAFF3B}"/>
+              </a:ext>
+            </a:extLst>
+          </p:cNvPr>
+          <p:cNvSpPr>
+            <a:spLocks noGrp="1"/>
+          </p:cNvSpPr>
+          <p:nvPr>
+            <p:ph type="ftr" sz="quarter" idx="11"/>
+          </p:nvPr>
+        </p:nvSpPr>
+        <p:spPr/>
+        <p:txBody>
+          <a:bodyPr/>
+          <a:lstStyle/>
+          <a:p>
+            <a:r>
+              <a:rPr lang="en-US"/>
+              <a:t>Copyright © 2013 - 2019 by Joe Reynolds</a:t>
+            </a:r>
+            <a:endParaRPr lang="en-US" dirty="0"/>
+          </a:p>
+        </p:txBody>
+      </p:sp>
+      <p:sp>
+        <p:nvSpPr>
+          <p:cNvPr id="5" name="Slide Number Placeholder 4">
+            <a:extLst>
+              <a:ext uri="{FF2B5EF4-FFF2-40B4-BE49-F238E27FC236}">
+                <a16:creationId xmlns:a16="http://schemas.microsoft.com/office/drawing/2014/main" id="{6B338EFE-F091-44D9-8AAF-126B4BBE5DA3}"/>
+              </a:ext>
+            </a:extLst>
+          </p:cNvPr>
+          <p:cNvSpPr>
+            <a:spLocks noGrp="1"/>
+          </p:cNvSpPr>
+          <p:nvPr>
+            <p:ph type="sldNum" sz="quarter" idx="12"/>
+          </p:nvPr>
+        </p:nvSpPr>
+        <p:spPr/>
+        <p:txBody>
+          <a:bodyPr/>
+          <a:lstStyle/>
+          <a:p>
+            <a:fld id="{6813DC8C-A616-47C4-99E2-1208BE02F915}" type="slidenum">
+              <a:rPr lang="en-US" smtClean="0"/>
+              <a:t>33</a:t>
+            </a:fld>
+            <a:endParaRPr lang="en-US"/>
+          </a:p>
+        </p:txBody>
+      </p:sp>
+    </p:spTree>
+    <p:extLst>
+      <p:ext uri="{BB962C8B-B14F-4D97-AF65-F5344CB8AC3E}">
+        <p14:creationId xmlns:p14="http://schemas.microsoft.com/office/powerpoint/2010/main" val="1034101284"/>
+      </p:ext>
+    </p:extLst>
+  </p:cSld>
+  <p:clrMapOvr>
+    <a:masterClrMapping/>
+  </p:clrMapOvr>
+</p:sld>
+</file>
+
+<file path=ppt/slides/slide34.xml><?xml version="1.0" encoding="utf-8"?>
+<p:sld xmlns:a="http://schemas.openxmlformats.org/drawingml/2006/main" xmlns:r="http://schemas.openxmlformats.org/officeDocument/2006/relationships" xmlns:p="http://schemas.openxmlformats.org/presentationml/2006/main">
+  <p:cSld>
+    <p:spTree>
+      <p:nvGrpSpPr>
+        <p:cNvPr id="1" name=""/>
+        <p:cNvGrpSpPr/>
+        <p:nvPr/>
+      </p:nvGrpSpPr>
+      <p:grpSpPr>
+        <a:xfrm>
+          <a:off x="0" y="0"/>
+          <a:ext cx="0" cy="0"/>
+          <a:chOff x="0" y="0"/>
+          <a:chExt cx="0" cy="0"/>
+        </a:xfrm>
+      </p:grpSpPr>
+      <p:sp>
+        <p:nvSpPr>
+          <p:cNvPr id="2" name="Title 1">
+            <a:extLst>
+              <a:ext uri="{FF2B5EF4-FFF2-40B4-BE49-F238E27FC236}">
+                <a16:creationId xmlns:a16="http://schemas.microsoft.com/office/drawing/2014/main" id="{AE225CFF-3CA3-4A30-ACC1-3FCC809ECC47}"/>
+              </a:ext>
+            </a:extLst>
+          </p:cNvPr>
+          <p:cNvSpPr>
+            <a:spLocks noGrp="1"/>
+          </p:cNvSpPr>
+          <p:nvPr>
+            <p:ph type="title"/>
+          </p:nvPr>
+        </p:nvSpPr>
+        <p:spPr/>
+        <p:txBody>
+          <a:bodyPr/>
+          <a:lstStyle/>
+          <a:p>
+            <a:r>
+              <a:rPr lang="en-US" dirty="0" err="1"/>
+              <a:t>.Net</a:t>
+            </a:r>
+            <a:r>
+              <a:rPr lang="en-US" dirty="0"/>
+              <a:t> 5</a:t>
+            </a:r>
+          </a:p>
+        </p:txBody>
+      </p:sp>
+      <p:sp>
+        <p:nvSpPr>
+          <p:cNvPr id="3" name="Text Placeholder 2">
+            <a:extLst>
+              <a:ext uri="{FF2B5EF4-FFF2-40B4-BE49-F238E27FC236}">
+                <a16:creationId xmlns:a16="http://schemas.microsoft.com/office/drawing/2014/main" id="{57B794E5-032A-4F8A-B3BE-FC25CA894511}"/>
+              </a:ext>
+            </a:extLst>
+          </p:cNvPr>
+          <p:cNvSpPr>
+            <a:spLocks noGrp="1"/>
+          </p:cNvSpPr>
+          <p:nvPr>
+            <p:ph type="body" idx="1"/>
+          </p:nvPr>
+        </p:nvSpPr>
+        <p:spPr/>
+        <p:txBody>
+          <a:bodyPr/>
+          <a:lstStyle/>
+          <a:p>
+            <a:endParaRPr lang="en-US"/>
+          </a:p>
+        </p:txBody>
+      </p:sp>
+      <p:sp>
+        <p:nvSpPr>
+          <p:cNvPr id="4" name="Footer Placeholder 3">
+            <a:extLst>
+              <a:ext uri="{FF2B5EF4-FFF2-40B4-BE49-F238E27FC236}">
+                <a16:creationId xmlns:a16="http://schemas.microsoft.com/office/drawing/2014/main" id="{487670C1-F83C-4814-A274-8E5C6FDFF68E}"/>
+              </a:ext>
+            </a:extLst>
+          </p:cNvPr>
+          <p:cNvSpPr>
+            <a:spLocks noGrp="1"/>
+          </p:cNvSpPr>
+          <p:nvPr>
+            <p:ph type="ftr" sz="quarter" idx="11"/>
+          </p:nvPr>
+        </p:nvSpPr>
+        <p:spPr/>
+        <p:txBody>
+          <a:bodyPr/>
+          <a:lstStyle/>
+          <a:p>
+            <a:r>
+              <a:rPr lang="en-US"/>
+              <a:t>Copyright © 2013 - 2019 by Joe Reynolds</a:t>
+            </a:r>
+            <a:endParaRPr lang="en-US" dirty="0"/>
+          </a:p>
+        </p:txBody>
+      </p:sp>
+      <p:sp>
+        <p:nvSpPr>
+          <p:cNvPr id="5" name="Slide Number Placeholder 4">
+            <a:extLst>
+              <a:ext uri="{FF2B5EF4-FFF2-40B4-BE49-F238E27FC236}">
+                <a16:creationId xmlns:a16="http://schemas.microsoft.com/office/drawing/2014/main" id="{EB97BF37-A0CD-408E-9274-A18D57869A79}"/>
+              </a:ext>
+            </a:extLst>
+          </p:cNvPr>
+          <p:cNvSpPr>
+            <a:spLocks noGrp="1"/>
+          </p:cNvSpPr>
+          <p:nvPr>
+            <p:ph type="sldNum" sz="quarter" idx="12"/>
+          </p:nvPr>
+        </p:nvSpPr>
+        <p:spPr/>
+        <p:txBody>
+          <a:bodyPr/>
+          <a:lstStyle/>
+          <a:p>
+            <a:fld id="{6813DC8C-A616-47C4-99E2-1208BE02F915}" type="slidenum">
+              <a:rPr lang="en-US" smtClean="0"/>
+              <a:t>34</a:t>
+            </a:fld>
+            <a:endParaRPr lang="en-US"/>
+          </a:p>
+        </p:txBody>
+      </p:sp>
+    </p:spTree>
+    <p:extLst>
+      <p:ext uri="{BB962C8B-B14F-4D97-AF65-F5344CB8AC3E}">
+        <p14:creationId xmlns:p14="http://schemas.microsoft.com/office/powerpoint/2010/main" val="80430431"/>
+      </p:ext>
+    </p:extLst>
+  </p:cSld>
+  <p:clrMapOvr>
+    <a:masterClrMapping/>
+  </p:clrMapOvr>
+</p:sld>
+</file>
+
+<file path=ppt/slides/slide35.xml><?xml version="1.0" encoding="utf-8"?>
+<p:sld xmlns:a="http://schemas.openxmlformats.org/drawingml/2006/main" xmlns:r="http://schemas.openxmlformats.org/officeDocument/2006/relationships" xmlns:p="http://schemas.openxmlformats.org/presentationml/2006/main">
+  <p:cSld>
+    <p:spTree>
+      <p:nvGrpSpPr>
+        <p:cNvPr id="1" name=""/>
+        <p:cNvGrpSpPr/>
+        <p:nvPr/>
+      </p:nvGrpSpPr>
+      <p:grpSpPr>
+        <a:xfrm>
+          <a:off x="0" y="0"/>
+          <a:ext cx="0" cy="0"/>
+          <a:chOff x="0" y="0"/>
+          <a:chExt cx="0" cy="0"/>
+        </a:xfrm>
+      </p:grpSpPr>
+      <p:sp>
+        <p:nvSpPr>
+          <p:cNvPr id="2" name="Title 1">
+            <a:extLst>
+              <a:ext uri="{FF2B5EF4-FFF2-40B4-BE49-F238E27FC236}">
+                <a16:creationId xmlns:a16="http://schemas.microsoft.com/office/drawing/2014/main" id="{17CFD95F-7FDA-439C-871F-9A5698DB936F}"/>
+              </a:ext>
+            </a:extLst>
+          </p:cNvPr>
+          <p:cNvSpPr>
+            <a:spLocks noGrp="1"/>
+          </p:cNvSpPr>
+          <p:nvPr>
+            <p:ph type="title"/>
+          </p:nvPr>
+        </p:nvSpPr>
+        <p:spPr/>
+        <p:txBody>
+          <a:bodyPr/>
+          <a:lstStyle/>
+          <a:p>
+            <a:r>
+              <a:rPr lang="en-US" dirty="0"/>
+              <a:t>Coming in </a:t>
+            </a:r>
+            <a:r>
+              <a:rPr lang="en-US" dirty="0" err="1"/>
+              <a:t>.Net</a:t>
+            </a:r>
+            <a:r>
+              <a:rPr lang="en-US" dirty="0"/>
+              <a:t> 5</a:t>
+            </a:r>
+          </a:p>
+        </p:txBody>
+      </p:sp>
+      <p:sp>
+        <p:nvSpPr>
+          <p:cNvPr id="3" name="Content Placeholder 2">
+            <a:extLst>
+              <a:ext uri="{FF2B5EF4-FFF2-40B4-BE49-F238E27FC236}">
+                <a16:creationId xmlns:a16="http://schemas.microsoft.com/office/drawing/2014/main" id="{800379EC-F93B-4D11-B1AE-BD21B194B376}"/>
+              </a:ext>
+            </a:extLst>
+          </p:cNvPr>
+          <p:cNvSpPr>
+            <a:spLocks noGrp="1"/>
+          </p:cNvSpPr>
+          <p:nvPr>
+            <p:ph idx="1"/>
+          </p:nvPr>
+        </p:nvSpPr>
+        <p:spPr/>
+        <p:txBody>
+          <a:bodyPr/>
+          <a:lstStyle/>
+          <a:p>
+            <a:r>
+              <a:rPr lang="en-US" dirty="0"/>
+              <a:t>No more </a:t>
+            </a:r>
+            <a:r>
+              <a:rPr lang="en-US" dirty="0" err="1"/>
+              <a:t>.Net</a:t>
+            </a:r>
+            <a:r>
+              <a:rPr lang="en-US" dirty="0"/>
+              <a:t> Framework – 4.8 is </a:t>
+            </a:r>
+            <a:r>
+              <a:rPr lang="en-US"/>
+              <a:t>last update</a:t>
+            </a:r>
+          </a:p>
+          <a:p>
+            <a:endParaRPr lang="en-US" dirty="0"/>
+          </a:p>
+          <a:p>
+            <a:r>
+              <a:rPr lang="en-US" dirty="0" err="1"/>
+              <a:t>.Net</a:t>
+            </a:r>
+            <a:r>
+              <a:rPr lang="en-US" dirty="0"/>
+              <a:t> Core will include:</a:t>
+            </a:r>
+          </a:p>
+          <a:p>
+            <a:pPr lvl="1"/>
+            <a:r>
+              <a:rPr lang="en-US" dirty="0"/>
+              <a:t>Windows Desktop Development</a:t>
+            </a:r>
+          </a:p>
+          <a:p>
+            <a:pPr lvl="1"/>
+            <a:r>
+              <a:rPr lang="en-US" dirty="0"/>
+              <a:t>Cross-Platform development</a:t>
+            </a:r>
+          </a:p>
+          <a:p>
+            <a:pPr lvl="1"/>
+            <a:r>
+              <a:rPr lang="en-US" dirty="0"/>
+              <a:t>Mobile Development</a:t>
+            </a:r>
+          </a:p>
+          <a:p>
+            <a:pPr lvl="1"/>
+            <a:endParaRPr lang="en-US" dirty="0"/>
+          </a:p>
+          <a:p>
+            <a:r>
+              <a:rPr lang="en-US" dirty="0"/>
+              <a:t>Goodbye to:</a:t>
+            </a:r>
+          </a:p>
+          <a:p>
+            <a:pPr lvl="1"/>
+            <a:r>
+              <a:rPr lang="en-US" dirty="0" err="1"/>
+              <a:t>.Net</a:t>
+            </a:r>
+            <a:r>
+              <a:rPr lang="en-US" dirty="0"/>
+              <a:t> Standard</a:t>
+            </a:r>
+          </a:p>
+          <a:p>
+            <a:pPr lvl="1"/>
+            <a:r>
+              <a:rPr lang="en-US" dirty="0" err="1"/>
+              <a:t>.Net</a:t>
+            </a:r>
+            <a:r>
+              <a:rPr lang="en-US" dirty="0"/>
+              <a:t> Framework</a:t>
+            </a:r>
+          </a:p>
+          <a:p>
+            <a:pPr lvl="1"/>
+            <a:r>
+              <a:rPr lang="en-US" dirty="0"/>
+              <a:t>WCF, Windows Workflow</a:t>
+            </a:r>
+          </a:p>
+          <a:p>
+            <a:pPr lvl="1"/>
+            <a:endParaRPr lang="en-US" dirty="0"/>
+          </a:p>
+          <a:p>
+            <a:r>
+              <a:rPr lang="en-US" dirty="0"/>
+              <a:t>One </a:t>
+            </a:r>
+            <a:r>
+              <a:rPr lang="en-US" dirty="0" err="1"/>
+              <a:t>.Net</a:t>
+            </a:r>
+            <a:r>
+              <a:rPr lang="en-US" dirty="0"/>
+              <a:t> moving forward</a:t>
+            </a:r>
+          </a:p>
+        </p:txBody>
+      </p:sp>
+      <p:sp>
+        <p:nvSpPr>
+          <p:cNvPr id="4" name="Footer Placeholder 3">
+            <a:extLst>
+              <a:ext uri="{FF2B5EF4-FFF2-40B4-BE49-F238E27FC236}">
+                <a16:creationId xmlns:a16="http://schemas.microsoft.com/office/drawing/2014/main" id="{628AF8AD-33B1-43EB-BD6C-344B3D288795}"/>
+              </a:ext>
+            </a:extLst>
+          </p:cNvPr>
+          <p:cNvSpPr>
+            <a:spLocks noGrp="1"/>
+          </p:cNvSpPr>
+          <p:nvPr>
+            <p:ph type="ftr" sz="quarter" idx="11"/>
+          </p:nvPr>
+        </p:nvSpPr>
+        <p:spPr/>
+        <p:txBody>
+          <a:bodyPr/>
+          <a:lstStyle/>
+          <a:p>
+            <a:r>
+              <a:rPr lang="en-US"/>
+              <a:t>Copyright © 2013 - 2019 by Joe Reynolds</a:t>
+            </a:r>
+            <a:endParaRPr lang="en-US" dirty="0"/>
+          </a:p>
+        </p:txBody>
+      </p:sp>
+      <p:sp>
+        <p:nvSpPr>
+          <p:cNvPr id="5" name="Slide Number Placeholder 4">
+            <a:extLst>
+              <a:ext uri="{FF2B5EF4-FFF2-40B4-BE49-F238E27FC236}">
+                <a16:creationId xmlns:a16="http://schemas.microsoft.com/office/drawing/2014/main" id="{07D27BDE-0A00-4EB7-9D15-BE96240D5AE2}"/>
+              </a:ext>
+            </a:extLst>
+          </p:cNvPr>
+          <p:cNvSpPr>
+            <a:spLocks noGrp="1"/>
+          </p:cNvSpPr>
+          <p:nvPr>
+            <p:ph type="sldNum" sz="quarter" idx="12"/>
+          </p:nvPr>
+        </p:nvSpPr>
+        <p:spPr/>
+        <p:txBody>
+          <a:bodyPr/>
+          <a:lstStyle/>
+          <a:p>
+            <a:fld id="{6813DC8C-A616-47C4-99E2-1208BE02F915}" type="slidenum">
+              <a:rPr lang="en-US" smtClean="0"/>
+              <a:t>35</a:t>
+            </a:fld>
+            <a:endParaRPr lang="en-US"/>
+          </a:p>
+        </p:txBody>
+      </p:sp>
+    </p:spTree>
+    <p:extLst>
+      <p:ext uri="{BB962C8B-B14F-4D97-AF65-F5344CB8AC3E}">
+        <p14:creationId xmlns:p14="http://schemas.microsoft.com/office/powerpoint/2010/main" val="2655890532"/>
+      </p:ext>
+    </p:extLst>
+  </p:cSld>
+  <p:clrMapOvr>
+    <a:masterClrMapping/>
+  </p:clrMapOvr>
+</p:sld>
+</file>
+
+<file path=ppt/slides/slide36.xml><?xml version="1.0" encoding="utf-8"?>
+<p:sld xmlns:a="http://schemas.openxmlformats.org/drawingml/2006/main" xmlns:r="http://schemas.openxmlformats.org/officeDocument/2006/relationships" xmlns:p="http://schemas.openxmlformats.org/presentationml/2006/main">
+  <p:cSld>
+    <p:spTree>
+      <p:nvGrpSpPr>
+        <p:cNvPr id="1" name=""/>
+        <p:cNvGrpSpPr/>
+        <p:nvPr/>
+      </p:nvGrpSpPr>
+      <p:grpSpPr>
+        <a:xfrm>
+          <a:off x="0" y="0"/>
+          <a:ext cx="0" cy="0"/>
+          <a:chOff x="0" y="0"/>
+          <a:chExt cx="0" cy="0"/>
+        </a:xfrm>
+      </p:grpSpPr>
+      <p:sp>
+        <p:nvSpPr>
+          <p:cNvPr id="2" name="Title 1">
+            <a:extLst>
+              <a:ext uri="{FF2B5EF4-FFF2-40B4-BE49-F238E27FC236}">
+                <a16:creationId xmlns:a16="http://schemas.microsoft.com/office/drawing/2014/main" id="{353758BC-794C-490D-A3F7-E1CD4B8545A7}"/>
+              </a:ext>
+            </a:extLst>
+          </p:cNvPr>
+          <p:cNvSpPr>
+            <a:spLocks noGrp="1"/>
+          </p:cNvSpPr>
+          <p:nvPr>
+            <p:ph type="title"/>
+          </p:nvPr>
+        </p:nvSpPr>
+        <p:spPr/>
+        <p:txBody>
+          <a:bodyPr/>
+          <a:lstStyle/>
+          <a:p>
+            <a:endParaRPr lang="en-US"/>
+          </a:p>
+        </p:txBody>
+      </p:sp>
+      <p:pic>
+        <p:nvPicPr>
+          <p:cNvPr id="7" name="Content Placeholder 6" descr="A screenshot of a cell phone&#10;&#10;Description automatically generated">
+            <a:extLst>
+              <a:ext uri="{FF2B5EF4-FFF2-40B4-BE49-F238E27FC236}">
+                <a16:creationId xmlns:a16="http://schemas.microsoft.com/office/drawing/2014/main" id="{4836E103-9979-4CF1-8DEE-4C1FB9A4D4E1}"/>
+              </a:ext>
+            </a:extLst>
+          </p:cNvPr>
+          <p:cNvPicPr>
+            <a:picLocks noGrp="1" noChangeAspect="1"/>
+          </p:cNvPicPr>
+          <p:nvPr>
+            <p:ph idx="1"/>
+          </p:nvPr>
+        </p:nvPicPr>
+        <p:blipFill>
+          <a:blip r:embed="rId2">
+            <a:extLst>
+              <a:ext uri="{28A0092B-C50C-407E-A947-70E740481C1C}">
+                <a14:useLocalDpi xmlns:a14="http://schemas.microsoft.com/office/drawing/2010/main" val="0"/>
+              </a:ext>
+            </a:extLst>
+          </a:blip>
+          <a:stretch>
+            <a:fillRect/>
+          </a:stretch>
+        </p:blipFill>
+        <p:spPr>
+          <a:xfrm>
+            <a:off x="1380769" y="1371600"/>
+            <a:ext cx="9436812" cy="5029200"/>
+          </a:xfrm>
+        </p:spPr>
+      </p:pic>
+      <p:sp>
+        <p:nvSpPr>
+          <p:cNvPr id="4" name="Footer Placeholder 3">
+            <a:extLst>
+              <a:ext uri="{FF2B5EF4-FFF2-40B4-BE49-F238E27FC236}">
+                <a16:creationId xmlns:a16="http://schemas.microsoft.com/office/drawing/2014/main" id="{293B670D-D686-48C9-B6A6-3C36319C8046}"/>
+              </a:ext>
+            </a:extLst>
+          </p:cNvPr>
+          <p:cNvSpPr>
+            <a:spLocks noGrp="1"/>
+          </p:cNvSpPr>
+          <p:nvPr>
+            <p:ph type="ftr" sz="quarter" idx="11"/>
+          </p:nvPr>
+        </p:nvSpPr>
+        <p:spPr/>
+        <p:txBody>
+          <a:bodyPr/>
+          <a:lstStyle/>
+          <a:p>
+            <a:r>
+              <a:rPr lang="en-US"/>
+              <a:t>Copyright © 2013 - 2019 by Joe Reynolds</a:t>
+            </a:r>
+            <a:endParaRPr lang="en-US" dirty="0"/>
+          </a:p>
+        </p:txBody>
+      </p:sp>
+      <p:sp>
+        <p:nvSpPr>
+          <p:cNvPr id="5" name="Slide Number Placeholder 4">
+            <a:extLst>
+              <a:ext uri="{FF2B5EF4-FFF2-40B4-BE49-F238E27FC236}">
+                <a16:creationId xmlns:a16="http://schemas.microsoft.com/office/drawing/2014/main" id="{61AD6C0C-D44E-44B0-8A1B-D923231D8028}"/>
+              </a:ext>
+            </a:extLst>
+          </p:cNvPr>
+          <p:cNvSpPr>
+            <a:spLocks noGrp="1"/>
+          </p:cNvSpPr>
+          <p:nvPr>
+            <p:ph type="sldNum" sz="quarter" idx="12"/>
+          </p:nvPr>
+        </p:nvSpPr>
+        <p:spPr/>
+        <p:txBody>
+          <a:bodyPr/>
+          <a:lstStyle/>
+          <a:p>
+            <a:fld id="{6813DC8C-A616-47C4-99E2-1208BE02F915}" type="slidenum">
+              <a:rPr lang="en-US" smtClean="0"/>
+              <a:t>36</a:t>
+            </a:fld>
+            <a:endParaRPr lang="en-US"/>
+          </a:p>
+        </p:txBody>
+      </p:sp>
+    </p:spTree>
+    <p:extLst>
+      <p:ext uri="{BB962C8B-B14F-4D97-AF65-F5344CB8AC3E}">
+        <p14:creationId xmlns:p14="http://schemas.microsoft.com/office/powerpoint/2010/main" val="1872520043"/>
+      </p:ext>
+    </p:extLst>
+  </p:cSld>
+  <p:clrMapOvr>
+    <a:masterClrMapping/>
+  </p:clrMapOvr>
+</p:sld>
+</file>
+
+<file path=ppt/slides/slide37.xml><?xml version="1.0" encoding="utf-8"?>
+<p:sld xmlns:a="http://schemas.openxmlformats.org/drawingml/2006/main" xmlns:r="http://schemas.openxmlformats.org/officeDocument/2006/relationships" xmlns:p="http://schemas.openxmlformats.org/presentationml/2006/main">
+  <p:cSld>
+    <p:spTree>
+      <p:nvGrpSpPr>
+        <p:cNvPr id="1" name=""/>
+        <p:cNvGrpSpPr/>
+        <p:nvPr/>
+      </p:nvGrpSpPr>
+      <p:grpSpPr>
+        <a:xfrm>
+          <a:off x="0" y="0"/>
+          <a:ext cx="0" cy="0"/>
+          <a:chOff x="0" y="0"/>
+          <a:chExt cx="0" cy="0"/>
+        </a:xfrm>
+      </p:grpSpPr>
+      <p:sp>
+        <p:nvSpPr>
           <p:cNvPr id="4099" name="Rectangle 2"/>
           <p:cNvSpPr>
             <a:spLocks noGrp="1" noChangeArrowheads="1"/>
@@ -41388,7 +42442,7 @@
           <a:p>
             <a:fld id="{6813DC8C-A616-47C4-99E2-1208BE02F915}" type="slidenum">
               <a:rPr lang="en-US" smtClean="0"/>
-              <a:t>31</a:t>
+              <a:t>37</a:t>
             </a:fld>
             <a:endParaRPr lang="en-US"/>
           </a:p>

--- a/Whats new in C#8.pptx
+++ b/Whats new in C#8.pptx
@@ -41557,6 +41557,20 @@
               <a:t>Entity Framework 6</a:t>
             </a:r>
           </a:p>
+          <a:p>
+            <a:r>
+              <a:rPr lang="en-US" dirty="0"/>
+              <a:t>Release (as of </a:t>
+            </a:r>
+            <a:r>
+              <a:rPr lang="en-US"/>
+              <a:t>this writing) </a:t>
+            </a:r>
+            <a:r>
+              <a:rPr lang="en-US" dirty="0"/>
+              <a:t>September 2019</a:t>
+            </a:r>
+          </a:p>
         </p:txBody>
       </p:sp>
       <p:sp>
